--- a/5YCM/Slides_5YCM.pptx
+++ b/5YCM/Slides_5YCM.pptx
@@ -6024,7 +6024,28 @@
           <a:bodyPr/>
           <a:lstStyle/>
           <a:p>
-            <a:endParaRPr lang="en-US"/>
+            <a:r>
+              <a:rPr lang="en-US" dirty="0" smtClean="0"/>
+              <a:t>Crystal Bog</a:t>
+            </a:r>
+          </a:p>
+          <a:p>
+            <a:r>
+              <a:rPr lang="en-US" dirty="0" smtClean="0"/>
+              <a:t>Mary Lake</a:t>
+            </a:r>
+          </a:p>
+          <a:p>
+            <a:r>
+              <a:rPr lang="en-US" dirty="0" smtClean="0"/>
+              <a:t>Mendota</a:t>
+            </a:r>
+          </a:p>
+          <a:p>
+            <a:r>
+              <a:rPr lang="en-US" dirty="0" smtClean="0"/>
+              <a:t>Trout Bog</a:t>
+            </a:r>
           </a:p>
         </p:txBody>
       </p:sp>

--- a/5YCM/Slides_5YCM.pptx
+++ b/5YCM/Slides_5YCM.pptx
@@ -15,8 +15,8 @@
     <p:sldId id="271" r:id="rId6"/>
     <p:sldId id="281" r:id="rId7"/>
     <p:sldId id="284" r:id="rId8"/>
-    <p:sldId id="285" r:id="rId9"/>
-    <p:sldId id="286" r:id="rId10"/>
+    <p:sldId id="286" r:id="rId9"/>
+    <p:sldId id="285" r:id="rId10"/>
     <p:sldId id="287" r:id="rId11"/>
     <p:sldId id="259" r:id="rId12"/>
     <p:sldId id="260" r:id="rId13"/>
@@ -141,8 +141,8 @@
           <p14:sldIdLst>
             <p14:sldId id="281"/>
             <p14:sldId id="284"/>
+            <p14:sldId id="286"/>
             <p14:sldId id="285"/>
-            <p14:sldId id="286"/>
             <p14:sldId id="287"/>
           </p14:sldIdLst>
         </p14:section>
@@ -160,6 +160,20 @@
           </p14:sldIdLst>
         </p14:section>
       </p14:sectionLst>
+    </p:ext>
+    <p:ext uri="{EFAFB233-063F-42B5-8137-9DF3F51BA10A}">
+      <p15:sldGuideLst xmlns:p15="http://schemas.microsoft.com/office/powerpoint/2012/main">
+        <p15:guide id="1" orient="horz" pos="2160">
+          <p15:clr>
+            <a:srgbClr val="A4A3A4"/>
+          </p15:clr>
+        </p15:guide>
+        <p15:guide id="2" pos="2880">
+          <p15:clr>
+            <a:srgbClr val="A4A3A4"/>
+          </p15:clr>
+        </p15:guide>
+      </p15:sldGuideLst>
     </p:ext>
   </p:extLst>
 </p:presentation>
@@ -793,14 +807,6 @@
           <a:bodyPr/>
           <a:lstStyle/>
           <a:p>
-            <a:r>
-              <a:rPr lang="en-US" dirty="0" smtClean="0"/>
-              <a:t>Filtering is ones</a:t>
-            </a:r>
-            <a:r>
-              <a:rPr lang="en-US" baseline="0" dirty="0" smtClean="0"/>
-              <a:t> with &gt; 50% completion and less than 10% redundancy using 139 single copy genes</a:t>
-            </a:r>
             <a:endParaRPr lang="en-US" dirty="0"/>
           </a:p>
         </p:txBody>
@@ -822,7 +828,7 @@
           <a:p>
             <a:fld id="{03226FDB-C243-F04F-A3A4-63881AA9751B}" type="slidenum">
               <a:rPr lang="en-US" smtClean="0"/>
-              <a:t>8</a:t>
+              <a:t>4</a:t>
             </a:fld>
             <a:endParaRPr lang="en-US"/>
           </a:p>
@@ -831,7 +837,7 @@
     </p:spTree>
     <p:extLst>
       <p:ext uri="{BB962C8B-B14F-4D97-AF65-F5344CB8AC3E}">
-        <p14:creationId xmlns:p14="http://schemas.microsoft.com/office/powerpoint/2010/main" val="3805351520"/>
+        <p14:creationId xmlns:p14="http://schemas.microsoft.com/office/powerpoint/2010/main" val="1015896996"/>
       </p:ext>
     </p:extLst>
   </p:cSld>
@@ -887,28 +893,16 @@
           <a:p>
             <a:r>
               <a:rPr lang="en-US" dirty="0" smtClean="0"/>
-              <a:t>TB</a:t>
+              <a:t>Filtering is ones</a:t>
             </a:r>
             <a:r>
               <a:rPr lang="en-US" baseline="0" dirty="0" smtClean="0"/>
-              <a:t> – </a:t>
-            </a:r>
-            <a:r>
-              <a:rPr lang="en-US" baseline="0" dirty="0" err="1" smtClean="0"/>
-              <a:t>Dimictic</a:t>
-            </a:r>
-            <a:endParaRPr lang="en-US" baseline="0" dirty="0" smtClean="0"/>
-          </a:p>
-          <a:p>
+              <a:t> with &gt; 50% completion and less than 10% redundancy using 139 single copy </a:t>
+            </a:r>
             <a:r>
               <a:rPr lang="en-US" baseline="0" dirty="0" smtClean="0"/>
-              <a:t>CB -- </a:t>
-            </a:r>
-            <a:r>
-              <a:rPr lang="en-US" baseline="0" dirty="0" err="1" smtClean="0"/>
-              <a:t>Polymictic</a:t>
-            </a:r>
-            <a:endParaRPr lang="en-US" dirty="0"/>
+              <a:t>genes</a:t>
+            </a:r>
           </a:p>
         </p:txBody>
       </p:sp>
@@ -927,9 +921,9 @@
           <a:bodyPr/>
           <a:lstStyle/>
           <a:p>
-            <a:fld id="{E24C21EA-28B2-0442-AFB4-706342F125BD}" type="slidenum">
-              <a:rPr lang="en-US" smtClean="0"/>
-              <a:t>11</a:t>
+            <a:fld id="{03226FDB-C243-F04F-A3A4-63881AA9751B}" type="slidenum">
+              <a:rPr lang="en-US" smtClean="0"/>
+              <a:t>9</a:t>
             </a:fld>
             <a:endParaRPr lang="en-US"/>
           </a:p>
@@ -938,7 +932,7 @@
     </p:spTree>
     <p:extLst>
       <p:ext uri="{BB962C8B-B14F-4D97-AF65-F5344CB8AC3E}">
-        <p14:creationId xmlns:p14="http://schemas.microsoft.com/office/powerpoint/2010/main" val="37004290"/>
+        <p14:creationId xmlns:p14="http://schemas.microsoft.com/office/powerpoint/2010/main" val="3805351520"/>
       </p:ext>
     </p:extLst>
   </p:cSld>
@@ -994,6 +988,113 @@
           <a:p>
             <a:r>
               <a:rPr lang="en-US" dirty="0" smtClean="0"/>
+              <a:t>TB</a:t>
+            </a:r>
+            <a:r>
+              <a:rPr lang="en-US" baseline="0" dirty="0" smtClean="0"/>
+              <a:t> – </a:t>
+            </a:r>
+            <a:r>
+              <a:rPr lang="en-US" baseline="0" dirty="0" err="1" smtClean="0"/>
+              <a:t>Dimictic</a:t>
+            </a:r>
+            <a:endParaRPr lang="en-US" baseline="0" dirty="0" smtClean="0"/>
+          </a:p>
+          <a:p>
+            <a:r>
+              <a:rPr lang="en-US" baseline="0" dirty="0" smtClean="0"/>
+              <a:t>CB -- </a:t>
+            </a:r>
+            <a:r>
+              <a:rPr lang="en-US" baseline="0" dirty="0" err="1" smtClean="0"/>
+              <a:t>Polymictic</a:t>
+            </a:r>
+            <a:endParaRPr lang="en-US" dirty="0"/>
+          </a:p>
+        </p:txBody>
+      </p:sp>
+      <p:sp>
+        <p:nvSpPr>
+          <p:cNvPr id="4" name="Slide Number Placeholder 3"/>
+          <p:cNvSpPr>
+            <a:spLocks noGrp="1"/>
+          </p:cNvSpPr>
+          <p:nvPr>
+            <p:ph type="sldNum" sz="quarter" idx="10"/>
+          </p:nvPr>
+        </p:nvSpPr>
+        <p:spPr/>
+        <p:txBody>
+          <a:bodyPr/>
+          <a:lstStyle/>
+          <a:p>
+            <a:fld id="{E24C21EA-28B2-0442-AFB4-706342F125BD}" type="slidenum">
+              <a:rPr lang="en-US" smtClean="0"/>
+              <a:t>11</a:t>
+            </a:fld>
+            <a:endParaRPr lang="en-US"/>
+          </a:p>
+        </p:txBody>
+      </p:sp>
+    </p:spTree>
+    <p:extLst>
+      <p:ext uri="{BB962C8B-B14F-4D97-AF65-F5344CB8AC3E}">
+        <p14:creationId xmlns:p14="http://schemas.microsoft.com/office/powerpoint/2010/main" val="37004290"/>
+      </p:ext>
+    </p:extLst>
+  </p:cSld>
+  <p:clrMapOvr>
+    <a:masterClrMapping/>
+  </p:clrMapOvr>
+</p:notes>
+</file>
+
+<file path=ppt/notesSlides/notesSlide6.xml><?xml version="1.0" encoding="utf-8"?>
+<p:notes xmlns:a="http://schemas.openxmlformats.org/drawingml/2006/main" xmlns:r="http://schemas.openxmlformats.org/officeDocument/2006/relationships" xmlns:p="http://schemas.openxmlformats.org/presentationml/2006/main">
+  <p:cSld>
+    <p:spTree>
+      <p:nvGrpSpPr>
+        <p:cNvPr id="1" name=""/>
+        <p:cNvGrpSpPr/>
+        <p:nvPr/>
+      </p:nvGrpSpPr>
+      <p:grpSpPr>
+        <a:xfrm>
+          <a:off x="0" y="0"/>
+          <a:ext cx="0" cy="0"/>
+          <a:chOff x="0" y="0"/>
+          <a:chExt cx="0" cy="0"/>
+        </a:xfrm>
+      </p:grpSpPr>
+      <p:sp>
+        <p:nvSpPr>
+          <p:cNvPr id="2" name="Slide Image Placeholder 1"/>
+          <p:cNvSpPr>
+            <a:spLocks noGrp="1" noRot="1" noChangeAspect="1"/>
+          </p:cNvSpPr>
+          <p:nvPr>
+            <p:ph type="sldImg"/>
+          </p:nvPr>
+        </p:nvSpPr>
+        <p:spPr/>
+      </p:sp>
+      <p:sp>
+        <p:nvSpPr>
+          <p:cNvPr id="3" name="Notes Placeholder 2"/>
+          <p:cNvSpPr>
+            <a:spLocks noGrp="1"/>
+          </p:cNvSpPr>
+          <p:nvPr>
+            <p:ph type="body" idx="1"/>
+          </p:nvPr>
+        </p:nvSpPr>
+        <p:spPr/>
+        <p:txBody>
+          <a:bodyPr/>
+          <a:lstStyle/>
+          <a:p>
+            <a:r>
+              <a:rPr lang="en-US" dirty="0" smtClean="0"/>
               <a:t>Mary</a:t>
             </a:r>
             <a:r>
@@ -1051,7 +1152,7 @@
 </p:notes>
 </file>
 
-<file path=ppt/notesSlides/notesSlide6.xml><?xml version="1.0" encoding="utf-8"?>
+<file path=ppt/notesSlides/notesSlide7.xml><?xml version="1.0" encoding="utf-8"?>
 <p:notes xmlns:a="http://schemas.openxmlformats.org/drawingml/2006/main" xmlns:r="http://schemas.openxmlformats.org/officeDocument/2006/relationships" xmlns:p="http://schemas.openxmlformats.org/presentationml/2006/main">
   <p:cSld>
     <p:spTree>
@@ -4189,11 +4290,7 @@
             </a:r>
             <a:r>
               <a:rPr lang="en-US" dirty="0" smtClean="0"/>
-              <a:t> </a:t>
-            </a:r>
-            <a:r>
-              <a:rPr lang="en-US" dirty="0" smtClean="0"/>
-              <a:t>Year Committee Meeting</a:t>
+              <a:t> Year Committee Meeting</a:t>
             </a:r>
             <a:endParaRPr lang="en-US" dirty="0"/>
           </a:p>
@@ -4222,7 +4319,7 @@
             <a:r>
               <a:rPr lang="en-US" dirty="0" smtClean="0">
                 <a:solidFill>
-                  <a:schemeClr val="tx1"/>
+                  <a:schemeClr val="bg1"/>
                 </a:solidFill>
               </a:rPr>
               <a:t>Sarah Stevens</a:t>
@@ -4232,7 +4329,7 @@
             <a:r>
               <a:rPr lang="en-US" dirty="0" smtClean="0">
                 <a:solidFill>
-                  <a:schemeClr val="tx1"/>
+                  <a:schemeClr val="bg1"/>
                 </a:solidFill>
               </a:rPr>
               <a:t>@</a:t>
@@ -4240,14 +4337,14 @@
             <a:r>
               <a:rPr lang="en-US" dirty="0" err="1" smtClean="0">
                 <a:solidFill>
-                  <a:schemeClr val="tx1"/>
+                  <a:schemeClr val="bg1"/>
                 </a:solidFill>
               </a:rPr>
               <a:t>microStevens</a:t>
             </a:r>
             <a:endParaRPr lang="en-US" dirty="0" smtClean="0">
               <a:solidFill>
-                <a:schemeClr val="tx1"/>
+                <a:schemeClr val="bg1"/>
               </a:solidFill>
             </a:endParaRPr>
           </a:p>
@@ -4255,14 +4352,14 @@
             <a:r>
               <a:rPr lang="en-US" dirty="0" smtClean="0">
                 <a:solidFill>
-                  <a:schemeClr val="tx1"/>
+                  <a:schemeClr val="bg1"/>
                 </a:solidFill>
               </a:rPr>
               <a:t>McMahon Lab</a:t>
             </a:r>
             <a:endParaRPr lang="en-US" dirty="0">
               <a:solidFill>
-                <a:schemeClr val="tx1"/>
+                <a:schemeClr val="bg1"/>
               </a:solidFill>
             </a:endParaRPr>
           </a:p>
@@ -4289,7 +4386,7 @@
   <p:timing>
     <p:tnLst>
       <p:par>
-        <p:cTn xmlns:p14="http://schemas.microsoft.com/office/powerpoint/2010/main" id="1" dur="indefinite" restart="never" nodeType="tmRoot"/>
+        <p:cTn id="1" dur="indefinite" restart="never" nodeType="tmRoot"/>
       </p:par>
     </p:tnLst>
   </p:timing>
@@ -4371,7 +4468,6 @@
               <a:rPr lang="en-US" dirty="0"/>
               <a:t>recombination between such strains?</a:t>
             </a:r>
-            <a:endParaRPr lang="en-US" dirty="0"/>
           </a:p>
         </p:txBody>
       </p:sp>
@@ -4503,13 +4599,13 @@
       <p:transition spd="slow" p14:dur="2000"/>
     </mc:Choice>
     <mc:Fallback>
-      <p:transition xmlns:p14="http://schemas.microsoft.com/office/powerpoint/2010/main" spd="slow"/>
+      <p:transition spd="slow"/>
     </mc:Fallback>
   </mc:AlternateContent>
   <p:timing>
     <p:tnLst>
       <p:par>
-        <p:cTn xmlns:p14="http://schemas.microsoft.com/office/powerpoint/2010/main" id="1" dur="indefinite" restart="never" nodeType="tmRoot"/>
+        <p:cTn id="1" dur="indefinite" restart="never" nodeType="tmRoot"/>
       </p:par>
     </p:tnLst>
   </p:timing>
@@ -4654,13 +4750,13 @@
       <p:transition spd="slow" p14:dur="2000"/>
     </mc:Choice>
     <mc:Fallback>
-      <p:transition xmlns:p14="http://schemas.microsoft.com/office/powerpoint/2010/main" spd="slow"/>
+      <p:transition spd="slow"/>
     </mc:Fallback>
   </mc:AlternateContent>
   <p:timing>
     <p:tnLst>
       <p:par>
-        <p:cTn xmlns:p14="http://schemas.microsoft.com/office/powerpoint/2010/main" id="1" dur="indefinite" restart="never" nodeType="tmRoot"/>
+        <p:cTn id="1" dur="indefinite" restart="never" nodeType="tmRoot"/>
       </p:par>
     </p:tnLst>
   </p:timing>
@@ -4901,13 +4997,13 @@
       <p:transition spd="slow" p14:dur="2000"/>
     </mc:Choice>
     <mc:Fallback>
-      <p:transition xmlns:p14="http://schemas.microsoft.com/office/powerpoint/2010/main" spd="slow"/>
+      <p:transition spd="slow"/>
     </mc:Fallback>
   </mc:AlternateContent>
   <p:timing>
     <p:tnLst>
       <p:par>
-        <p:cTn xmlns:p14="http://schemas.microsoft.com/office/powerpoint/2010/main" id="1" dur="indefinite" restart="never" nodeType="tmRoot"/>
+        <p:cTn id="1" dur="indefinite" restart="never" nodeType="tmRoot"/>
       </p:par>
     </p:tnLst>
   </p:timing>
@@ -5048,13 +5144,13 @@
       <p:transition spd="slow" p14:dur="2000"/>
     </mc:Choice>
     <mc:Fallback>
-      <p:transition xmlns:p14="http://schemas.microsoft.com/office/powerpoint/2010/main" spd="slow"/>
+      <p:transition spd="slow"/>
     </mc:Fallback>
   </mc:AlternateContent>
   <p:timing>
     <p:tnLst>
       <p:par>
-        <p:cTn xmlns:p14="http://schemas.microsoft.com/office/powerpoint/2010/main" id="1" dur="indefinite" restart="never" nodeType="tmRoot"/>
+        <p:cTn id="1" dur="indefinite" restart="never" nodeType="tmRoot"/>
       </p:par>
     </p:tnLst>
   </p:timing>
@@ -5295,13 +5391,13 @@
       <p:transition spd="slow" p14:dur="2000"/>
     </mc:Choice>
     <mc:Fallback>
-      <p:transition xmlns:p14="http://schemas.microsoft.com/office/powerpoint/2010/main" spd="slow"/>
+      <p:transition spd="slow"/>
     </mc:Fallback>
   </mc:AlternateContent>
   <p:timing>
     <p:tnLst>
       <p:par>
-        <p:cTn xmlns:p14="http://schemas.microsoft.com/office/powerpoint/2010/main" id="1" dur="indefinite" restart="never" nodeType="tmRoot"/>
+        <p:cTn id="1" dur="indefinite" restart="never" nodeType="tmRoot"/>
       </p:par>
     </p:tnLst>
   </p:timing>
@@ -5425,7 +5521,7 @@
   <p:timing>
     <p:tnLst>
       <p:par>
-        <p:cTn xmlns:p14="http://schemas.microsoft.com/office/powerpoint/2010/main" id="1" dur="indefinite" restart="never" nodeType="tmRoot"/>
+        <p:cTn id="1" dur="indefinite" restart="never" nodeType="tmRoot"/>
       </p:par>
     </p:tnLst>
   </p:timing>
@@ -5589,7 +5685,7 @@
   <p:timing>
     <p:tnLst>
       <p:par>
-        <p:cTn xmlns:p14="http://schemas.microsoft.com/office/powerpoint/2010/main" id="1" dur="indefinite" restart="never" nodeType="tmRoot"/>
+        <p:cTn id="1" dur="indefinite" restart="never" nodeType="tmRoot"/>
       </p:par>
     </p:tnLst>
   </p:timing>
@@ -5622,7 +5718,7 @@
           <p:nvPr/>
         </p:nvPicPr>
         <p:blipFill>
-          <a:blip r:embed="rId2">
+          <a:blip r:embed="rId3">
             <a:extLst>
               <a:ext uri="{28A0092B-C50C-407E-A947-70E740481C1C}">
                 <a14:useLocalDpi xmlns:a14="http://schemas.microsoft.com/office/drawing/2010/main" val="0"/>
@@ -5648,14 +5744,14 @@
           </a:ln>
           <a:extLst>
             <a:ext uri="{909E8E84-426E-40dd-AFC4-6F175D3DCCD1}">
-              <a14:hiddenFill xmlns:a14="http://schemas.microsoft.com/office/drawing/2010/main">
+              <a14:hiddenFill xmlns:a14="http://schemas.microsoft.com/office/drawing/2010/main" xmlns="">
                 <a:solidFill>
                   <a:srgbClr val="FFFFFF"/>
                 </a:solidFill>
               </a14:hiddenFill>
             </a:ext>
             <a:ext uri="{91240B29-F687-4f45-9708-019B960494DF}">
-              <a14:hiddenLine xmlns:a14="http://schemas.microsoft.com/office/drawing/2010/main" w="9525">
+              <a14:hiddenLine xmlns:a14="http://schemas.microsoft.com/office/drawing/2010/main" xmlns="" w="9525">
                 <a:solidFill>
                   <a:srgbClr val="000000"/>
                 </a:solidFill>
@@ -5804,7 +5900,7 @@
   <p:timing>
     <p:tnLst>
       <p:par>
-        <p:cTn xmlns:p14="http://schemas.microsoft.com/office/powerpoint/2010/main" id="1" dur="indefinite" restart="never" nodeType="tmRoot"/>
+        <p:cTn id="1" dur="indefinite" restart="never" nodeType="tmRoot"/>
       </p:par>
     </p:tnLst>
   </p:timing>
@@ -5890,7 +5986,7 @@
   <p:timing>
     <p:tnLst>
       <p:par>
-        <p:cTn xmlns:p14="http://schemas.microsoft.com/office/powerpoint/2010/main" id="1" dur="indefinite" restart="never" nodeType="tmRoot"/>
+        <p:cTn id="1" dur="indefinite" restart="never" nodeType="tmRoot"/>
       </p:par>
     </p:tnLst>
   </p:timing>
@@ -6016,36 +6112,219 @@
             <a:spLocks noGrp="1"/>
           </p:cNvSpPr>
           <p:nvPr>
-            <p:ph idx="1"/>
-          </p:nvPr>
-        </p:nvSpPr>
-        <p:spPr/>
-        <p:txBody>
-          <a:bodyPr/>
-          <a:lstStyle/>
-          <a:p>
-            <a:r>
-              <a:rPr lang="en-US" dirty="0" smtClean="0"/>
-              <a:t>Crystal Bog</a:t>
-            </a:r>
-          </a:p>
-          <a:p>
-            <a:r>
-              <a:rPr lang="en-US" dirty="0" smtClean="0"/>
-              <a:t>Mary Lake</a:t>
-            </a:r>
-          </a:p>
-          <a:p>
-            <a:r>
-              <a:rPr lang="en-US" dirty="0" smtClean="0"/>
-              <a:t>Mendota</a:t>
-            </a:r>
-          </a:p>
-          <a:p>
-            <a:r>
-              <a:rPr lang="en-US" dirty="0" smtClean="0"/>
-              <a:t>Trout Bog</a:t>
-            </a:r>
+            <p:ph sz="half" idx="1"/>
+          </p:nvPr>
+        </p:nvSpPr>
+        <p:spPr/>
+        <p:txBody>
+          <a:bodyPr>
+            <a:normAutofit fontScale="92500" lnSpcReduction="10000"/>
+          </a:bodyPr>
+          <a:lstStyle/>
+          <a:p>
+            <a:r>
+              <a:rPr lang="en-US" dirty="0" smtClean="0"/>
+              <a:t>Crystal </a:t>
+            </a:r>
+            <a:r>
+              <a:rPr lang="en-US" dirty="0" smtClean="0"/>
+              <a:t>Bog </a:t>
+            </a:r>
+          </a:p>
+          <a:p>
+            <a:pPr lvl="1"/>
+            <a:r>
+              <a:rPr lang="en-US" dirty="0" smtClean="0"/>
+              <a:t>2007-2009</a:t>
+            </a:r>
+          </a:p>
+          <a:p>
+            <a:pPr lvl="1"/>
+            <a:r>
+              <a:rPr lang="en-US" dirty="0" smtClean="0"/>
+              <a:t>82 metagenomes</a:t>
+            </a:r>
+          </a:p>
+          <a:p>
+            <a:pPr lvl="1"/>
+            <a:r>
+              <a:rPr lang="en-US" dirty="0" smtClean="0"/>
+              <a:t>20 </a:t>
+            </a:r>
+            <a:r>
+              <a:rPr lang="en-US" dirty="0" err="1" smtClean="0"/>
+              <a:t>Gbp</a:t>
+            </a:r>
+            <a:r>
+              <a:rPr lang="en-US" dirty="0" smtClean="0"/>
+              <a:t> assembled</a:t>
+            </a:r>
+            <a:endParaRPr lang="en-US" dirty="0" smtClean="0"/>
+          </a:p>
+          <a:p>
+            <a:r>
+              <a:rPr lang="en-US" dirty="0" smtClean="0"/>
+              <a:t>Mary </a:t>
+            </a:r>
+            <a:r>
+              <a:rPr lang="en-US" dirty="0" smtClean="0"/>
+              <a:t>Lake </a:t>
+            </a:r>
+          </a:p>
+          <a:p>
+            <a:pPr lvl="1"/>
+            <a:r>
+              <a:rPr lang="en-US" dirty="0" smtClean="0"/>
+              <a:t>2009, 12 depths</a:t>
+            </a:r>
+          </a:p>
+          <a:p>
+            <a:pPr lvl="1"/>
+            <a:r>
+              <a:rPr lang="en-US" dirty="0" smtClean="0"/>
+              <a:t>12 metagenomes</a:t>
+            </a:r>
+          </a:p>
+          <a:p>
+            <a:pPr lvl="1"/>
+            <a:r>
+              <a:rPr lang="en-US" dirty="0" smtClean="0"/>
+              <a:t>11 </a:t>
+            </a:r>
+            <a:r>
+              <a:rPr lang="en-US" dirty="0" err="1" smtClean="0"/>
+              <a:t>Mbp</a:t>
+            </a:r>
+            <a:r>
+              <a:rPr lang="en-US" dirty="0" smtClean="0"/>
+              <a:t> assembled</a:t>
+            </a:r>
+            <a:endParaRPr lang="en-US" dirty="0" smtClean="0"/>
+          </a:p>
+        </p:txBody>
+      </p:sp>
+      <p:sp>
+        <p:nvSpPr>
+          <p:cNvPr id="4" name="Content Placeholder 3"/>
+          <p:cNvSpPr>
+            <a:spLocks noGrp="1"/>
+          </p:cNvSpPr>
+          <p:nvPr>
+            <p:ph sz="half" idx="2"/>
+          </p:nvPr>
+        </p:nvSpPr>
+        <p:spPr/>
+        <p:txBody>
+          <a:bodyPr>
+            <a:normAutofit fontScale="92500" lnSpcReduction="10000"/>
+          </a:bodyPr>
+          <a:lstStyle/>
+          <a:p>
+            <a:r>
+              <a:rPr lang="en-US" dirty="0"/>
+              <a:t>Mendota </a:t>
+            </a:r>
+          </a:p>
+          <a:p>
+            <a:pPr lvl="1"/>
+            <a:r>
+              <a:rPr lang="en-US" dirty="0"/>
+              <a:t>2008-2012</a:t>
+            </a:r>
+          </a:p>
+          <a:p>
+            <a:pPr lvl="1"/>
+            <a:r>
+              <a:rPr lang="en-US" dirty="0"/>
+              <a:t>94 </a:t>
+            </a:r>
+            <a:r>
+              <a:rPr lang="en-US" dirty="0" smtClean="0"/>
+              <a:t>metagenomes</a:t>
+            </a:r>
+          </a:p>
+          <a:p>
+            <a:pPr lvl="1"/>
+            <a:r>
+              <a:rPr lang="en-US" dirty="0" smtClean="0"/>
+              <a:t>11 </a:t>
+            </a:r>
+            <a:r>
+              <a:rPr lang="en-US" dirty="0" err="1"/>
+              <a:t>Gbp</a:t>
+            </a:r>
+            <a:r>
+              <a:rPr lang="en-US" dirty="0"/>
+              <a:t> assembled</a:t>
+            </a:r>
+          </a:p>
+          <a:p>
+            <a:r>
+              <a:rPr lang="en-US" dirty="0"/>
+              <a:t>Trout Bog </a:t>
+            </a:r>
+          </a:p>
+          <a:p>
+            <a:pPr lvl="1"/>
+            <a:r>
+              <a:rPr lang="en-US" dirty="0" err="1"/>
+              <a:t>epilimnion</a:t>
+            </a:r>
+            <a:r>
+              <a:rPr lang="en-US" dirty="0"/>
+              <a:t> </a:t>
+            </a:r>
+          </a:p>
+          <a:p>
+            <a:pPr lvl="2"/>
+            <a:r>
+              <a:rPr lang="en-US" dirty="0" smtClean="0"/>
+              <a:t>2007-2009</a:t>
+            </a:r>
+          </a:p>
+          <a:p>
+            <a:pPr lvl="2"/>
+            <a:r>
+              <a:rPr lang="en-US" dirty="0" smtClean="0"/>
+              <a:t>47 metagenomes</a:t>
+            </a:r>
+            <a:endParaRPr lang="en-US" dirty="0"/>
+          </a:p>
+          <a:p>
+            <a:pPr lvl="1"/>
+            <a:r>
+              <a:rPr lang="en-US" dirty="0" err="1"/>
+              <a:t>hypolimnion</a:t>
+            </a:r>
+            <a:r>
+              <a:rPr lang="en-US" dirty="0"/>
+              <a:t> </a:t>
+            </a:r>
+          </a:p>
+          <a:p>
+            <a:pPr lvl="2"/>
+            <a:r>
+              <a:rPr lang="en-US" dirty="0"/>
+              <a:t>2005, 2007-2009, </a:t>
+            </a:r>
+            <a:r>
+              <a:rPr lang="en-US" dirty="0" smtClean="0"/>
+              <a:t>2012-2013</a:t>
+            </a:r>
+          </a:p>
+          <a:p>
+            <a:pPr lvl="2"/>
+            <a:r>
+              <a:rPr lang="en-US" dirty="0" smtClean="0"/>
+              <a:t>82 metagenomes</a:t>
+            </a:r>
+          </a:p>
+          <a:p>
+            <a:pPr lvl="2"/>
+            <a:endParaRPr lang="en-US" dirty="0"/>
+          </a:p>
+          <a:p>
+            <a:endParaRPr lang="en-US" dirty="0"/>
           </a:p>
         </p:txBody>
       </p:sp>
@@ -6063,106 +6342,6 @@
 </file>
 
 <file path=ppt/slides/slide8.xml><?xml version="1.0" encoding="utf-8"?>
-<p:sld xmlns:a="http://schemas.openxmlformats.org/drawingml/2006/main" xmlns:r="http://schemas.openxmlformats.org/officeDocument/2006/relationships" xmlns:p="http://schemas.openxmlformats.org/presentationml/2006/main">
-  <p:cSld>
-    <p:spTree>
-      <p:nvGrpSpPr>
-        <p:cNvPr id="1" name=""/>
-        <p:cNvGrpSpPr/>
-        <p:nvPr/>
-      </p:nvGrpSpPr>
-      <p:grpSpPr>
-        <a:xfrm>
-          <a:off x="0" y="0"/>
-          <a:ext cx="0" cy="0"/>
-          <a:chOff x="0" y="0"/>
-          <a:chExt cx="0" cy="0"/>
-        </a:xfrm>
-      </p:grpSpPr>
-      <p:sp>
-        <p:nvSpPr>
-          <p:cNvPr id="2" name="Title 1"/>
-          <p:cNvSpPr>
-            <a:spLocks noGrp="1"/>
-          </p:cNvSpPr>
-          <p:nvPr>
-            <p:ph type="title"/>
-          </p:nvPr>
-        </p:nvSpPr>
-        <p:spPr/>
-        <p:txBody>
-          <a:bodyPr/>
-          <a:lstStyle/>
-          <a:p>
-            <a:r>
-              <a:rPr lang="en-US" dirty="0" smtClean="0"/>
-              <a:t>Stats on MAGs so far</a:t>
-            </a:r>
-            <a:endParaRPr lang="en-US" dirty="0"/>
-          </a:p>
-        </p:txBody>
-      </p:sp>
-      <p:sp>
-        <p:nvSpPr>
-          <p:cNvPr id="3" name="Content Placeholder 2"/>
-          <p:cNvSpPr>
-            <a:spLocks noGrp="1"/>
-          </p:cNvSpPr>
-          <p:nvPr>
-            <p:ph idx="1"/>
-          </p:nvPr>
-        </p:nvSpPr>
-        <p:spPr/>
-        <p:txBody>
-          <a:bodyPr/>
-          <a:lstStyle/>
-          <a:p>
-            <a:r>
-              <a:rPr lang="en-US" dirty="0" smtClean="0"/>
-              <a:t>Crystal Bog</a:t>
-            </a:r>
-          </a:p>
-          <a:p>
-            <a:pPr lvl="1"/>
-            <a:r>
-              <a:rPr lang="en-US" dirty="0"/>
-              <a:t>2505 bins, 564 passed filtering</a:t>
-            </a:r>
-            <a:endParaRPr lang="en-US" dirty="0" smtClean="0"/>
-          </a:p>
-          <a:p>
-            <a:r>
-              <a:rPr lang="en-US" dirty="0" smtClean="0"/>
-              <a:t>Mary Lake</a:t>
-            </a:r>
-          </a:p>
-          <a:p>
-            <a:pPr lvl="1"/>
-            <a:r>
-              <a:rPr lang="en-US" dirty="0"/>
-              <a:t>352 bins, 104 passed filtering</a:t>
-            </a:r>
-            <a:endParaRPr lang="en-US" dirty="0" smtClean="0"/>
-          </a:p>
-          <a:p>
-            <a:endParaRPr lang="en-US" dirty="0"/>
-          </a:p>
-        </p:txBody>
-      </p:sp>
-    </p:spTree>
-    <p:extLst>
-      <p:ext uri="{BB962C8B-B14F-4D97-AF65-F5344CB8AC3E}">
-        <p14:creationId xmlns:p14="http://schemas.microsoft.com/office/powerpoint/2010/main" val="3930018211"/>
-      </p:ext>
-    </p:extLst>
-  </p:cSld>
-  <p:clrMapOvr>
-    <a:masterClrMapping/>
-  </p:clrMapOvr>
-</p:sld>
-</file>
-
-<file path=ppt/slides/slide9.xml><?xml version="1.0" encoding="utf-8"?>
 <p:sld xmlns:a="http://schemas.openxmlformats.org/drawingml/2006/main" xmlns:r="http://schemas.openxmlformats.org/officeDocument/2006/relationships" xmlns:p="http://schemas.openxmlformats.org/presentationml/2006/main">
   <p:cSld>
     <p:spTree>
@@ -6231,6 +6410,255 @@
     <p:extLst>
       <p:ext uri="{BB962C8B-B14F-4D97-AF65-F5344CB8AC3E}">
         <p14:creationId xmlns:p14="http://schemas.microsoft.com/office/powerpoint/2010/main" val="484787663"/>
+      </p:ext>
+    </p:extLst>
+  </p:cSld>
+  <p:clrMapOvr>
+    <a:masterClrMapping/>
+  </p:clrMapOvr>
+</p:sld>
+</file>
+
+<file path=ppt/slides/slide9.xml><?xml version="1.0" encoding="utf-8"?>
+<p:sld xmlns:a="http://schemas.openxmlformats.org/drawingml/2006/main" xmlns:r="http://schemas.openxmlformats.org/officeDocument/2006/relationships" xmlns:p="http://schemas.openxmlformats.org/presentationml/2006/main">
+  <p:cSld>
+    <p:spTree>
+      <p:nvGrpSpPr>
+        <p:cNvPr id="1" name=""/>
+        <p:cNvGrpSpPr/>
+        <p:nvPr/>
+      </p:nvGrpSpPr>
+      <p:grpSpPr>
+        <a:xfrm>
+          <a:off x="0" y="0"/>
+          <a:ext cx="0" cy="0"/>
+          <a:chOff x="0" y="0"/>
+          <a:chExt cx="0" cy="0"/>
+        </a:xfrm>
+      </p:grpSpPr>
+      <p:sp>
+        <p:nvSpPr>
+          <p:cNvPr id="2" name="Title 1"/>
+          <p:cNvSpPr>
+            <a:spLocks noGrp="1"/>
+          </p:cNvSpPr>
+          <p:nvPr>
+            <p:ph type="title"/>
+          </p:nvPr>
+        </p:nvSpPr>
+        <p:spPr/>
+        <p:txBody>
+          <a:bodyPr/>
+          <a:lstStyle/>
+          <a:p>
+            <a:r>
+              <a:rPr lang="en-US" dirty="0" smtClean="0"/>
+              <a:t>Stats on MAGs so far</a:t>
+            </a:r>
+            <a:endParaRPr lang="en-US" dirty="0"/>
+          </a:p>
+        </p:txBody>
+      </p:sp>
+      <p:sp>
+        <p:nvSpPr>
+          <p:cNvPr id="3" name="Content Placeholder 2"/>
+          <p:cNvSpPr>
+            <a:spLocks noGrp="1"/>
+          </p:cNvSpPr>
+          <p:nvPr>
+            <p:ph idx="1"/>
+          </p:nvPr>
+        </p:nvSpPr>
+        <p:spPr/>
+        <p:txBody>
+          <a:bodyPr>
+            <a:normAutofit fontScale="92500" lnSpcReduction="10000"/>
+          </a:bodyPr>
+          <a:lstStyle/>
+          <a:p>
+            <a:r>
+              <a:rPr lang="en-US" dirty="0" smtClean="0"/>
+              <a:t>Crystal Bog</a:t>
+            </a:r>
+          </a:p>
+          <a:p>
+            <a:pPr lvl="1"/>
+            <a:r>
+              <a:rPr lang="en-US" dirty="0"/>
+              <a:t>2505 bins, 564 passed </a:t>
+            </a:r>
+            <a:r>
+              <a:rPr lang="en-US" dirty="0" smtClean="0"/>
+              <a:t>filtering</a:t>
+            </a:r>
+          </a:p>
+          <a:p>
+            <a:pPr lvl="1"/>
+            <a:r>
+              <a:rPr lang="en-US" dirty="0"/>
+              <a:t>Phyla with &gt; 10 bins:  </a:t>
+            </a:r>
+            <a:endParaRPr lang="en-US" dirty="0" smtClean="0"/>
+          </a:p>
+          <a:p>
+            <a:pPr lvl="2"/>
+            <a:r>
+              <a:rPr lang="en-US" dirty="0" err="1" smtClean="0"/>
+              <a:t>Actinobacteria</a:t>
+            </a:r>
+            <a:r>
+              <a:rPr lang="en-US" dirty="0" smtClean="0"/>
+              <a:t>(342), </a:t>
+            </a:r>
+            <a:r>
+              <a:rPr lang="en-US" dirty="0" err="1" smtClean="0"/>
+              <a:t>Proteobacteria</a:t>
+            </a:r>
+            <a:r>
+              <a:rPr lang="en-US" dirty="0" smtClean="0"/>
+              <a:t>(267), </a:t>
+            </a:r>
+            <a:r>
+              <a:rPr lang="en-US" dirty="0" err="1" smtClean="0"/>
+              <a:t>Verrucomicrobia</a:t>
+            </a:r>
+            <a:r>
+              <a:rPr lang="en-US" dirty="0" smtClean="0"/>
+              <a:t>(113), </a:t>
+            </a:r>
+            <a:r>
+              <a:rPr lang="en-US" dirty="0" err="1" smtClean="0"/>
+              <a:t>Bacteroidetes</a:t>
+            </a:r>
+            <a:r>
+              <a:rPr lang="en-US" dirty="0" smtClean="0"/>
+              <a:t>(41), </a:t>
+            </a:r>
+            <a:r>
+              <a:rPr lang="en-US" dirty="0" err="1"/>
+              <a:t>Candidatus</a:t>
+            </a:r>
+            <a:r>
+              <a:rPr lang="en-US" dirty="0"/>
+              <a:t> </a:t>
+            </a:r>
+            <a:r>
+              <a:rPr lang="en-US" dirty="0" err="1" smtClean="0"/>
+              <a:t>Saccharibacteria</a:t>
+            </a:r>
+            <a:r>
+              <a:rPr lang="en-US" dirty="0" smtClean="0"/>
+              <a:t>(31), </a:t>
+            </a:r>
+            <a:r>
+              <a:rPr lang="en-US" dirty="0" err="1" smtClean="0"/>
+              <a:t>Chlorobi</a:t>
+            </a:r>
+            <a:r>
+              <a:rPr lang="en-US" dirty="0" smtClean="0"/>
+              <a:t>(29), </a:t>
+            </a:r>
+            <a:r>
+              <a:rPr lang="en-US" dirty="0" err="1" smtClean="0"/>
+              <a:t>Parcubacteria</a:t>
+            </a:r>
+            <a:r>
+              <a:rPr lang="en-US" dirty="0" smtClean="0"/>
+              <a:t> (10), </a:t>
+            </a:r>
+          </a:p>
+          <a:p>
+            <a:r>
+              <a:rPr lang="en-US" dirty="0" smtClean="0"/>
+              <a:t>Mary </a:t>
+            </a:r>
+            <a:r>
+              <a:rPr lang="en-US" dirty="0" smtClean="0"/>
+              <a:t>Lake</a:t>
+            </a:r>
+          </a:p>
+          <a:p>
+            <a:pPr lvl="1"/>
+            <a:r>
+              <a:rPr lang="en-US" dirty="0"/>
+              <a:t>352 bins, 104 passed </a:t>
+            </a:r>
+            <a:r>
+              <a:rPr lang="en-US" dirty="0" smtClean="0"/>
+              <a:t>filtering</a:t>
+            </a:r>
+          </a:p>
+          <a:p>
+            <a:pPr lvl="1"/>
+            <a:r>
+              <a:rPr lang="en-US" dirty="0" smtClean="0"/>
+              <a:t>Phyla </a:t>
+            </a:r>
+            <a:r>
+              <a:rPr lang="en-US" dirty="0"/>
+              <a:t>with &gt; 10 bins</a:t>
+            </a:r>
+            <a:r>
+              <a:rPr lang="en-US" dirty="0" smtClean="0"/>
+              <a:t>:</a:t>
+            </a:r>
+          </a:p>
+          <a:p>
+            <a:pPr lvl="2"/>
+            <a:r>
+              <a:rPr lang="en-US" dirty="0" err="1" smtClean="0"/>
+              <a:t>Proteobacteria</a:t>
+            </a:r>
+            <a:r>
+              <a:rPr lang="en-US" dirty="0" smtClean="0"/>
+              <a:t>(99), </a:t>
+            </a:r>
+            <a:r>
+              <a:rPr lang="en-US" dirty="0" err="1" smtClean="0"/>
+              <a:t>Actinobacteria</a:t>
+            </a:r>
+            <a:r>
+              <a:rPr lang="en-US" dirty="0" smtClean="0"/>
+              <a:t>(34), </a:t>
+            </a:r>
+            <a:r>
+              <a:rPr lang="en-US" dirty="0" err="1" smtClean="0"/>
+              <a:t>Planctomycetes</a:t>
+            </a:r>
+            <a:r>
+              <a:rPr lang="en-US" dirty="0" smtClean="0"/>
+              <a:t>(21), </a:t>
+            </a:r>
+            <a:r>
+              <a:rPr lang="en-US" dirty="0" err="1" smtClean="0"/>
+              <a:t>Verrucomicrobia</a:t>
+            </a:r>
+            <a:r>
+              <a:rPr lang="en-US" dirty="0" smtClean="0"/>
+              <a:t>(18), </a:t>
+            </a:r>
+            <a:r>
+              <a:rPr lang="en-US" dirty="0" err="1" smtClean="0"/>
+              <a:t>Bacteroidetes</a:t>
+            </a:r>
+            <a:r>
+              <a:rPr lang="en-US" dirty="0" smtClean="0"/>
+              <a:t>(18), Cyanobacteria(11)</a:t>
+            </a:r>
+          </a:p>
+          <a:p>
+            <a:pPr lvl="2"/>
+            <a:endParaRPr lang="en-US" dirty="0"/>
+          </a:p>
+          <a:p>
+            <a:endParaRPr lang="en-US" dirty="0"/>
+          </a:p>
+        </p:txBody>
+      </p:sp>
+    </p:spTree>
+    <p:extLst>
+      <p:ext uri="{BB962C8B-B14F-4D97-AF65-F5344CB8AC3E}">
+        <p14:creationId xmlns:p14="http://schemas.microsoft.com/office/powerpoint/2010/main" val="3930018211"/>
       </p:ext>
     </p:extLst>
   </p:cSld>

--- a/5YCM/Slides_5YCM.pptx
+++ b/5YCM/Slides_5YCM.pptx
@@ -9,20 +9,20 @@
   </p:notesMasterIdLst>
   <p:sldIdLst>
     <p:sldId id="283" r:id="rId2"/>
-    <p:sldId id="258" r:id="rId3"/>
-    <p:sldId id="279" r:id="rId4"/>
-    <p:sldId id="280" r:id="rId5"/>
-    <p:sldId id="271" r:id="rId6"/>
-    <p:sldId id="281" r:id="rId7"/>
-    <p:sldId id="284" r:id="rId8"/>
-    <p:sldId id="286" r:id="rId9"/>
-    <p:sldId id="285" r:id="rId10"/>
-    <p:sldId id="287" r:id="rId11"/>
+    <p:sldId id="279" r:id="rId3"/>
+    <p:sldId id="280" r:id="rId4"/>
+    <p:sldId id="271" r:id="rId5"/>
+    <p:sldId id="281" r:id="rId6"/>
+    <p:sldId id="284" r:id="rId7"/>
+    <p:sldId id="286" r:id="rId8"/>
+    <p:sldId id="285" r:id="rId9"/>
+    <p:sldId id="287" r:id="rId10"/>
+    <p:sldId id="288" r:id="rId11"/>
     <p:sldId id="259" r:id="rId12"/>
     <p:sldId id="260" r:id="rId13"/>
-    <p:sldId id="261" r:id="rId14"/>
-    <p:sldId id="262" r:id="rId15"/>
-    <p:sldId id="263" r:id="rId16"/>
+    <p:sldId id="289" r:id="rId14"/>
+    <p:sldId id="290" r:id="rId15"/>
+    <p:sldId id="291" r:id="rId16"/>
   </p:sldIdLst>
   <p:sldSz cx="9144000" cy="6858000" type="screen4x3"/>
   <p:notesSz cx="6858000" cy="9144000"/>
@@ -127,7 +127,6 @@
         <p14:section name="Default Section" id="{758B7049-0ADF-8F49-B7F9-64A0A5BF8FB7}">
           <p14:sldIdLst>
             <p14:sldId id="283"/>
-            <p14:sldId id="258"/>
           </p14:sldIdLst>
         </p14:section>
         <p14:section name="Intro" id="{D8B685A9-0AAD-7543-883D-95E09FCFE2CC}">
@@ -144,19 +143,20 @@
             <p14:sldId id="286"/>
             <p14:sldId id="285"/>
             <p14:sldId id="287"/>
+            <p14:sldId id="288"/>
           </p14:sldIdLst>
         </p14:section>
-        <p14:section name="newQ TB vs CB" id="{13BE6138-C886-F44C-B651-ED3CD75CCBC0}">
+        <p14:section name="TB vs CB - allopatric speciation" id="{13BE6138-C886-F44C-B651-ED3CD75CCBC0}">
           <p14:sldIdLst>
             <p14:sldId id="259"/>
             <p14:sldId id="260"/>
           </p14:sldIdLst>
         </p14:section>
-        <p14:section name="Seq-disc pops" id="{9F3C7D96-9249-F84E-AABC-BBB1943E75A5}">
+        <p14:section name="Seq-disc pops" id="{B0D091A9-3B4D-DF4E-A38E-1A78E2025175}">
           <p14:sldIdLst>
-            <p14:sldId id="261"/>
-            <p14:sldId id="262"/>
-            <p14:sldId id="263"/>
+            <p14:sldId id="289"/>
+            <p14:sldId id="290"/>
+            <p14:sldId id="291"/>
           </p14:sldIdLst>
         </p14:section>
       </p14:sectionLst>
@@ -573,7 +573,73 @@
           <a:bodyPr/>
           <a:lstStyle/>
           <a:p>
-            <a:endParaRPr lang="en-US" baseline="0" dirty="0" smtClean="0"/>
+            <a:r>
+              <a:rPr lang="en-US" sz="1200" b="0" i="0" u="none" strike="noStrike" kern="1200" baseline="0" dirty="0" err="1" smtClean="0">
+                <a:solidFill>
+                  <a:schemeClr val="tx1"/>
+                </a:solidFill>
+                <a:latin typeface="+mn-lt"/>
+                <a:ea typeface="+mn-ea"/>
+                <a:cs typeface="+mn-cs"/>
+              </a:rPr>
+              <a:t>Azam</a:t>
+            </a:r>
+            <a:r>
+              <a:rPr lang="en-US" sz="1200" b="0" i="0" u="none" strike="noStrike" kern="1200" baseline="0" dirty="0" smtClean="0">
+                <a:solidFill>
+                  <a:schemeClr val="tx1"/>
+                </a:solidFill>
+                <a:latin typeface="+mn-lt"/>
+                <a:ea typeface="+mn-ea"/>
+                <a:cs typeface="+mn-cs"/>
+              </a:rPr>
+              <a:t> and </a:t>
+            </a:r>
+            <a:r>
+              <a:rPr lang="en-US" sz="1200" b="0" i="0" u="none" strike="noStrike" kern="1200" baseline="0" dirty="0" err="1" smtClean="0">
+                <a:solidFill>
+                  <a:schemeClr val="tx1"/>
+                </a:solidFill>
+                <a:latin typeface="+mn-lt"/>
+                <a:ea typeface="+mn-ea"/>
+                <a:cs typeface="+mn-cs"/>
+              </a:rPr>
+              <a:t>Malfatti</a:t>
+            </a:r>
+            <a:r>
+              <a:rPr lang="en-US" sz="1200" b="0" i="0" u="none" strike="noStrike" kern="1200" baseline="0" dirty="0" smtClean="0">
+                <a:solidFill>
+                  <a:schemeClr val="tx1"/>
+                </a:solidFill>
+                <a:latin typeface="+mn-lt"/>
+                <a:ea typeface="+mn-ea"/>
+                <a:cs typeface="+mn-cs"/>
+              </a:rPr>
+              <a:t> Nature Rev </a:t>
+            </a:r>
+            <a:r>
+              <a:rPr lang="en-US" sz="1200" b="0" i="0" u="none" strike="noStrike" kern="1200" baseline="0" dirty="0" err="1" smtClean="0">
+                <a:solidFill>
+                  <a:schemeClr val="tx1"/>
+                </a:solidFill>
+                <a:latin typeface="+mn-lt"/>
+                <a:ea typeface="+mn-ea"/>
+                <a:cs typeface="+mn-cs"/>
+              </a:rPr>
+              <a:t>Microbiol</a:t>
+            </a:r>
+            <a:r>
+              <a:rPr lang="en-US" sz="1200" b="0" i="0" u="none" strike="noStrike" kern="1200" baseline="0" dirty="0" smtClean="0">
+                <a:solidFill>
+                  <a:schemeClr val="tx1"/>
+                </a:solidFill>
+                <a:latin typeface="+mn-lt"/>
+                <a:ea typeface="+mn-ea"/>
+                <a:cs typeface="+mn-cs"/>
+              </a:rPr>
+              <a:t> 2007</a:t>
+            </a:r>
+            <a:endParaRPr lang="en-US" dirty="0"/>
           </a:p>
         </p:txBody>
       </p:sp>
@@ -592,7 +658,7 @@
           <a:bodyPr/>
           <a:lstStyle/>
           <a:p>
-            <a:fld id="{E24C21EA-28B2-0442-AFB4-706342F125BD}" type="slidenum">
+            <a:fld id="{35EF5441-D692-534E-884D-601F4C7E917A}" type="slidenum">
               <a:rPr lang="en-US" smtClean="0"/>
               <a:t>2</a:t>
             </a:fld>
@@ -603,7 +669,7 @@
     </p:spTree>
     <p:extLst>
       <p:ext uri="{BB962C8B-B14F-4D97-AF65-F5344CB8AC3E}">
-        <p14:creationId xmlns:p14="http://schemas.microsoft.com/office/powerpoint/2010/main" val="3248793117"/>
+        <p14:creationId xmlns:p14="http://schemas.microsoft.com/office/powerpoint/2010/main" val="3718429866"/>
       </p:ext>
     </p:extLst>
   </p:cSld>
@@ -657,72 +723,6 @@
           <a:bodyPr/>
           <a:lstStyle/>
           <a:p>
-            <a:r>
-              <a:rPr lang="en-US" sz="1200" b="0" i="0" u="none" strike="noStrike" kern="1200" baseline="0" dirty="0" err="1" smtClean="0">
-                <a:solidFill>
-                  <a:schemeClr val="tx1"/>
-                </a:solidFill>
-                <a:latin typeface="+mn-lt"/>
-                <a:ea typeface="+mn-ea"/>
-                <a:cs typeface="+mn-cs"/>
-              </a:rPr>
-              <a:t>Azam</a:t>
-            </a:r>
-            <a:r>
-              <a:rPr lang="en-US" sz="1200" b="0" i="0" u="none" strike="noStrike" kern="1200" baseline="0" dirty="0" smtClean="0">
-                <a:solidFill>
-                  <a:schemeClr val="tx1"/>
-                </a:solidFill>
-                <a:latin typeface="+mn-lt"/>
-                <a:ea typeface="+mn-ea"/>
-                <a:cs typeface="+mn-cs"/>
-              </a:rPr>
-              <a:t> and </a:t>
-            </a:r>
-            <a:r>
-              <a:rPr lang="en-US" sz="1200" b="0" i="0" u="none" strike="noStrike" kern="1200" baseline="0" dirty="0" err="1" smtClean="0">
-                <a:solidFill>
-                  <a:schemeClr val="tx1"/>
-                </a:solidFill>
-                <a:latin typeface="+mn-lt"/>
-                <a:ea typeface="+mn-ea"/>
-                <a:cs typeface="+mn-cs"/>
-              </a:rPr>
-              <a:t>Malfatti</a:t>
-            </a:r>
-            <a:r>
-              <a:rPr lang="en-US" sz="1200" b="0" i="0" u="none" strike="noStrike" kern="1200" baseline="0" dirty="0" smtClean="0">
-                <a:solidFill>
-                  <a:schemeClr val="tx1"/>
-                </a:solidFill>
-                <a:latin typeface="+mn-lt"/>
-                <a:ea typeface="+mn-ea"/>
-                <a:cs typeface="+mn-cs"/>
-              </a:rPr>
-              <a:t> Nature Rev </a:t>
-            </a:r>
-            <a:r>
-              <a:rPr lang="en-US" sz="1200" b="0" i="0" u="none" strike="noStrike" kern="1200" baseline="0" dirty="0" err="1" smtClean="0">
-                <a:solidFill>
-                  <a:schemeClr val="tx1"/>
-                </a:solidFill>
-                <a:latin typeface="+mn-lt"/>
-                <a:ea typeface="+mn-ea"/>
-                <a:cs typeface="+mn-cs"/>
-              </a:rPr>
-              <a:t>Microbiol</a:t>
-            </a:r>
-            <a:r>
-              <a:rPr lang="en-US" sz="1200" b="0" i="0" u="none" strike="noStrike" kern="1200" baseline="0" dirty="0" smtClean="0">
-                <a:solidFill>
-                  <a:schemeClr val="tx1"/>
-                </a:solidFill>
-                <a:latin typeface="+mn-lt"/>
-                <a:ea typeface="+mn-ea"/>
-                <a:cs typeface="+mn-cs"/>
-              </a:rPr>
-              <a:t> 2007</a:t>
-            </a:r>
             <a:endParaRPr lang="en-US" dirty="0"/>
           </a:p>
         </p:txBody>
@@ -742,7 +742,7 @@
           <a:bodyPr/>
           <a:lstStyle/>
           <a:p>
-            <a:fld id="{35EF5441-D692-534E-884D-601F4C7E917A}" type="slidenum">
+            <a:fld id="{03226FDB-C243-F04F-A3A4-63881AA9751B}" type="slidenum">
               <a:rPr lang="en-US" smtClean="0"/>
               <a:t>3</a:t>
             </a:fld>
@@ -753,7 +753,7 @@
     </p:spTree>
     <p:extLst>
       <p:ext uri="{BB962C8B-B14F-4D97-AF65-F5344CB8AC3E}">
-        <p14:creationId xmlns:p14="http://schemas.microsoft.com/office/powerpoint/2010/main" val="3718429866"/>
+        <p14:creationId xmlns:p14="http://schemas.microsoft.com/office/powerpoint/2010/main" val="1015896996"/>
       </p:ext>
     </p:extLst>
   </p:cSld>
@@ -828,7 +828,7 @@
           <a:p>
             <a:fld id="{03226FDB-C243-F04F-A3A4-63881AA9751B}" type="slidenum">
               <a:rPr lang="en-US" smtClean="0"/>
-              <a:t>4</a:t>
+              <a:t>6</a:t>
             </a:fld>
             <a:endParaRPr lang="en-US"/>
           </a:p>
@@ -837,7 +837,7 @@
     </p:spTree>
     <p:extLst>
       <p:ext uri="{BB962C8B-B14F-4D97-AF65-F5344CB8AC3E}">
-        <p14:creationId xmlns:p14="http://schemas.microsoft.com/office/powerpoint/2010/main" val="1015896996"/>
+        <p14:creationId xmlns:p14="http://schemas.microsoft.com/office/powerpoint/2010/main" val="692976913"/>
       </p:ext>
     </p:extLst>
   </p:cSld>
@@ -923,7 +923,7 @@
           <a:p>
             <a:fld id="{03226FDB-C243-F04F-A3A4-63881AA9751B}" type="slidenum">
               <a:rPr lang="en-US" smtClean="0"/>
-              <a:t>9</a:t>
+              <a:t>8</a:t>
             </a:fld>
             <a:endParaRPr lang="en-US"/>
           </a:p>
@@ -986,29 +986,6 @@
           <a:bodyPr/>
           <a:lstStyle/>
           <a:p>
-            <a:r>
-              <a:rPr lang="en-US" dirty="0" smtClean="0"/>
-              <a:t>TB</a:t>
-            </a:r>
-            <a:r>
-              <a:rPr lang="en-US" baseline="0" dirty="0" smtClean="0"/>
-              <a:t> – </a:t>
-            </a:r>
-            <a:r>
-              <a:rPr lang="en-US" baseline="0" dirty="0" err="1" smtClean="0"/>
-              <a:t>Dimictic</a:t>
-            </a:r>
-            <a:endParaRPr lang="en-US" baseline="0" dirty="0" smtClean="0"/>
-          </a:p>
-          <a:p>
-            <a:r>
-              <a:rPr lang="en-US" baseline="0" dirty="0" smtClean="0"/>
-              <a:t>CB -- </a:t>
-            </a:r>
-            <a:r>
-              <a:rPr lang="en-US" baseline="0" dirty="0" err="1" smtClean="0"/>
-              <a:t>Polymictic</a:t>
-            </a:r>
             <a:endParaRPr lang="en-US" dirty="0"/>
           </a:p>
         </p:txBody>
@@ -1028,9 +1005,9 @@
           <a:bodyPr/>
           <a:lstStyle/>
           <a:p>
-            <a:fld id="{E24C21EA-28B2-0442-AFB4-706342F125BD}" type="slidenum">
-              <a:rPr lang="en-US" smtClean="0"/>
-              <a:t>11</a:t>
+            <a:fld id="{03226FDB-C243-F04F-A3A4-63881AA9751B}" type="slidenum">
+              <a:rPr lang="en-US" smtClean="0"/>
+              <a:t>10</a:t>
             </a:fld>
             <a:endParaRPr lang="en-US"/>
           </a:p>
@@ -1039,7 +1016,7 @@
     </p:spTree>
     <p:extLst>
       <p:ext uri="{BB962C8B-B14F-4D97-AF65-F5344CB8AC3E}">
-        <p14:creationId xmlns:p14="http://schemas.microsoft.com/office/powerpoint/2010/main" val="37004290"/>
+        <p14:creationId xmlns:p14="http://schemas.microsoft.com/office/powerpoint/2010/main" val="131210726"/>
       </p:ext>
     </p:extLst>
   </p:cSld>
@@ -1095,22 +1072,26 @@
           <a:p>
             <a:r>
               <a:rPr lang="en-US" dirty="0" smtClean="0"/>
-              <a:t>Mary</a:t>
+              <a:t>TB</a:t>
             </a:r>
             <a:r>
               <a:rPr lang="en-US" baseline="0" dirty="0" smtClean="0"/>
-              <a:t> Lake never mixes-</a:t>
-            </a:r>
-            <a:r>
-              <a:rPr lang="en-US" baseline="0" smtClean="0"/>
-              <a:t>meromictic</a:t>
+              <a:t> – </a:t>
+            </a:r>
+            <a:r>
+              <a:rPr lang="en-US" baseline="0" dirty="0" err="1" smtClean="0"/>
+              <a:t>Dimictic</a:t>
             </a:r>
             <a:endParaRPr lang="en-US" baseline="0" dirty="0" smtClean="0"/>
           </a:p>
           <a:p>
             <a:r>
-              <a:rPr lang="en-US" dirty="0" smtClean="0"/>
-              <a:t>*Are there related sequence-discrete populations in TB and CB?  How closely related are they?  Do they share a common gene pool?  Are there genes present in one lake but not the other for these closely related populations? Is there an ecological or physical barrier to recombination between these two lakes?*</a:t>
+              <a:rPr lang="en-US" baseline="0" dirty="0" smtClean="0"/>
+              <a:t>CB -- </a:t>
+            </a:r>
+            <a:r>
+              <a:rPr lang="en-US" baseline="0" dirty="0" err="1" smtClean="0"/>
+              <a:t>Polymictic</a:t>
             </a:r>
             <a:endParaRPr lang="en-US" dirty="0"/>
           </a:p>
@@ -1133,7 +1114,7 @@
           <a:p>
             <a:fld id="{E24C21EA-28B2-0442-AFB4-706342F125BD}" type="slidenum">
               <a:rPr lang="en-US" smtClean="0"/>
-              <a:t>12</a:t>
+              <a:t>11</a:t>
             </a:fld>
             <a:endParaRPr lang="en-US"/>
           </a:p>
@@ -1142,7 +1123,7 @@
     </p:spTree>
     <p:extLst>
       <p:ext uri="{BB962C8B-B14F-4D97-AF65-F5344CB8AC3E}">
-        <p14:creationId xmlns:p14="http://schemas.microsoft.com/office/powerpoint/2010/main" val="2502112913"/>
+        <p14:creationId xmlns:p14="http://schemas.microsoft.com/office/powerpoint/2010/main" val="37004290"/>
       </p:ext>
     </p:extLst>
   </p:cSld>
@@ -1198,6 +1179,109 @@
           <a:p>
             <a:r>
               <a:rPr lang="en-US" dirty="0" smtClean="0"/>
+              <a:t>Mary</a:t>
+            </a:r>
+            <a:r>
+              <a:rPr lang="en-US" baseline="0" dirty="0" smtClean="0"/>
+              <a:t> Lake never mixes-</a:t>
+            </a:r>
+            <a:r>
+              <a:rPr lang="en-US" baseline="0" smtClean="0"/>
+              <a:t>meromictic</a:t>
+            </a:r>
+            <a:endParaRPr lang="en-US" baseline="0" dirty="0" smtClean="0"/>
+          </a:p>
+          <a:p>
+            <a:r>
+              <a:rPr lang="en-US" dirty="0" smtClean="0"/>
+              <a:t>*Are there related sequence-discrete populations in TB and CB?  How closely related are they?  Do they share a common gene pool?  Are there genes present in one lake but not the other for these closely related populations? Is there an ecological or physical barrier to recombination between these two lakes?*</a:t>
+            </a:r>
+            <a:endParaRPr lang="en-US" dirty="0"/>
+          </a:p>
+        </p:txBody>
+      </p:sp>
+      <p:sp>
+        <p:nvSpPr>
+          <p:cNvPr id="4" name="Slide Number Placeholder 3"/>
+          <p:cNvSpPr>
+            <a:spLocks noGrp="1"/>
+          </p:cNvSpPr>
+          <p:nvPr>
+            <p:ph type="sldNum" sz="quarter" idx="10"/>
+          </p:nvPr>
+        </p:nvSpPr>
+        <p:spPr/>
+        <p:txBody>
+          <a:bodyPr/>
+          <a:lstStyle/>
+          <a:p>
+            <a:fld id="{E24C21EA-28B2-0442-AFB4-706342F125BD}" type="slidenum">
+              <a:rPr lang="en-US" smtClean="0"/>
+              <a:t>12</a:t>
+            </a:fld>
+            <a:endParaRPr lang="en-US"/>
+          </a:p>
+        </p:txBody>
+      </p:sp>
+    </p:spTree>
+    <p:extLst>
+      <p:ext uri="{BB962C8B-B14F-4D97-AF65-F5344CB8AC3E}">
+        <p14:creationId xmlns:p14="http://schemas.microsoft.com/office/powerpoint/2010/main" val="2502112913"/>
+      </p:ext>
+    </p:extLst>
+  </p:cSld>
+  <p:clrMapOvr>
+    <a:masterClrMapping/>
+  </p:clrMapOvr>
+</p:notes>
+</file>
+
+<file path=ppt/notesSlides/notesSlide8.xml><?xml version="1.0" encoding="utf-8"?>
+<p:notes xmlns:a="http://schemas.openxmlformats.org/drawingml/2006/main" xmlns:r="http://schemas.openxmlformats.org/officeDocument/2006/relationships" xmlns:p="http://schemas.openxmlformats.org/presentationml/2006/main">
+  <p:cSld>
+    <p:spTree>
+      <p:nvGrpSpPr>
+        <p:cNvPr id="1" name=""/>
+        <p:cNvGrpSpPr/>
+        <p:nvPr/>
+      </p:nvGrpSpPr>
+      <p:grpSpPr>
+        <a:xfrm>
+          <a:off x="0" y="0"/>
+          <a:ext cx="0" cy="0"/>
+          <a:chOff x="0" y="0"/>
+          <a:chExt cx="0" cy="0"/>
+        </a:xfrm>
+      </p:grpSpPr>
+      <p:sp>
+        <p:nvSpPr>
+          <p:cNvPr id="2" name="Slide Image Placeholder 1"/>
+          <p:cNvSpPr>
+            <a:spLocks noGrp="1" noRot="1" noChangeAspect="1"/>
+          </p:cNvSpPr>
+          <p:nvPr>
+            <p:ph type="sldImg"/>
+          </p:nvPr>
+        </p:nvSpPr>
+        <p:spPr/>
+      </p:sp>
+      <p:sp>
+        <p:nvSpPr>
+          <p:cNvPr id="3" name="Notes Placeholder 2"/>
+          <p:cNvSpPr>
+            <a:spLocks noGrp="1"/>
+          </p:cNvSpPr>
+          <p:nvPr>
+            <p:ph type="body" idx="1"/>
+          </p:nvPr>
+        </p:nvSpPr>
+        <p:spPr/>
+        <p:txBody>
+          <a:bodyPr/>
+          <a:lstStyle/>
+          <a:p>
+            <a:r>
+              <a:rPr lang="en-US" dirty="0" smtClean="0"/>
               <a:t>Lake Lanier to isolate genome</a:t>
             </a:r>
             <a:endParaRPr lang="en-US" dirty="0"/>
@@ -1230,7 +1314,7 @@
     </p:spTree>
     <p:extLst>
       <p:ext uri="{BB962C8B-B14F-4D97-AF65-F5344CB8AC3E}">
-        <p14:creationId xmlns:p14="http://schemas.microsoft.com/office/powerpoint/2010/main" val="1946951325"/>
+        <p14:creationId xmlns:p14="http://schemas.microsoft.com/office/powerpoint/2010/main" val="1437136823"/>
       </p:ext>
     </p:extLst>
   </p:cSld>
@@ -4427,54 +4511,1585 @@
           <a:p>
             <a:r>
               <a:rPr lang="en-US" dirty="0" smtClean="0"/>
-              <a:t>Questions</a:t>
+              <a:t>Goals/Timeline</a:t>
             </a:r>
             <a:endParaRPr lang="en-US" dirty="0"/>
           </a:p>
         </p:txBody>
       </p:sp>
-      <p:sp>
-        <p:nvSpPr>
-          <p:cNvPr id="3" name="Content Placeholder 2"/>
-          <p:cNvSpPr>
-            <a:spLocks noGrp="1"/>
-          </p:cNvSpPr>
-          <p:nvPr>
-            <p:ph idx="1"/>
-          </p:nvPr>
-        </p:nvSpPr>
-        <p:spPr/>
-        <p:txBody>
-          <a:bodyPr/>
-          <a:lstStyle/>
-          <a:p>
-            <a:r>
-              <a:rPr lang="en-US" dirty="0" smtClean="0"/>
-              <a:t>Are </a:t>
-            </a:r>
-            <a:r>
-              <a:rPr lang="en-US" dirty="0"/>
-              <a:t>there ecologically distinct strains/genotypes within previously defined sequence-discrete populations?</a:t>
-            </a:r>
-          </a:p>
-          <a:p>
-            <a:r>
-              <a:rPr lang="en-US" dirty="0"/>
-              <a:t>What stage of speciation are these distinct strains/genotypes at in their separation? Is there a barrier to</a:t>
-            </a:r>
-          </a:p>
-          <a:p>
-            <a:r>
-              <a:rPr lang="en-US" dirty="0"/>
-              <a:t>recombination between such strains?</a:t>
-            </a:r>
+      <p:grpSp>
+        <p:nvGrpSpPr>
+          <p:cNvPr id="32" name="Group 31"/>
+          <p:cNvGrpSpPr/>
+          <p:nvPr/>
+        </p:nvGrpSpPr>
+        <p:grpSpPr>
+          <a:xfrm>
+            <a:off x="581888" y="4187540"/>
+            <a:ext cx="7846464" cy="910577"/>
+            <a:chOff x="592279" y="3044536"/>
+            <a:chExt cx="7846464" cy="910577"/>
+          </a:xfrm>
+        </p:grpSpPr>
+        <p:cxnSp>
+          <p:nvCxnSpPr>
+            <p:cNvPr id="5" name="Straight Connector 4"/>
+            <p:cNvCxnSpPr/>
+            <p:nvPr/>
+          </p:nvCxnSpPr>
+          <p:spPr>
+            <a:xfrm>
+              <a:off x="862445" y="3148445"/>
+              <a:ext cx="7481455" cy="31173"/>
+            </a:xfrm>
+            <a:prstGeom prst="line">
+              <a:avLst/>
+            </a:prstGeom>
+            <a:ln>
+              <a:solidFill>
+                <a:schemeClr val="tx1"/>
+              </a:solidFill>
+            </a:ln>
+          </p:spPr>
+          <p:style>
+            <a:lnRef idx="2">
+              <a:schemeClr val="accent1"/>
+            </a:lnRef>
+            <a:fillRef idx="0">
+              <a:schemeClr val="accent1"/>
+            </a:fillRef>
+            <a:effectRef idx="1">
+              <a:schemeClr val="accent1"/>
+            </a:effectRef>
+            <a:fontRef idx="minor">
+              <a:schemeClr val="tx1"/>
+            </a:fontRef>
+          </p:style>
+        </p:cxnSp>
+        <p:cxnSp>
+          <p:nvCxnSpPr>
+            <p:cNvPr id="7" name="Straight Connector 6"/>
+            <p:cNvCxnSpPr/>
+            <p:nvPr/>
+          </p:nvCxnSpPr>
+          <p:spPr>
+            <a:xfrm>
+              <a:off x="862445" y="3044536"/>
+              <a:ext cx="0" cy="249381"/>
+            </a:xfrm>
+            <a:prstGeom prst="line">
+              <a:avLst/>
+            </a:prstGeom>
+            <a:ln>
+              <a:solidFill>
+                <a:schemeClr val="tx1"/>
+              </a:solidFill>
+            </a:ln>
+          </p:spPr>
+          <p:style>
+            <a:lnRef idx="2">
+              <a:schemeClr val="accent1"/>
+            </a:lnRef>
+            <a:fillRef idx="0">
+              <a:schemeClr val="accent1"/>
+            </a:fillRef>
+            <a:effectRef idx="1">
+              <a:schemeClr val="accent1"/>
+            </a:effectRef>
+            <a:fontRef idx="minor">
+              <a:schemeClr val="tx1"/>
+            </a:fontRef>
+          </p:style>
+        </p:cxnSp>
+        <p:cxnSp>
+          <p:nvCxnSpPr>
+            <p:cNvPr id="8" name="Straight Connector 7"/>
+            <p:cNvCxnSpPr/>
+            <p:nvPr/>
+          </p:nvCxnSpPr>
+          <p:spPr>
+            <a:xfrm>
+              <a:off x="8350827" y="3044536"/>
+              <a:ext cx="0" cy="249381"/>
+            </a:xfrm>
+            <a:prstGeom prst="line">
+              <a:avLst/>
+            </a:prstGeom>
+            <a:ln>
+              <a:solidFill>
+                <a:schemeClr val="tx1"/>
+              </a:solidFill>
+            </a:ln>
+          </p:spPr>
+          <p:style>
+            <a:lnRef idx="2">
+              <a:schemeClr val="accent1"/>
+            </a:lnRef>
+            <a:fillRef idx="0">
+              <a:schemeClr val="accent1"/>
+            </a:fillRef>
+            <a:effectRef idx="1">
+              <a:schemeClr val="accent1"/>
+            </a:effectRef>
+            <a:fontRef idx="minor">
+              <a:schemeClr val="tx1"/>
+            </a:fontRef>
+          </p:style>
+        </p:cxnSp>
+        <p:cxnSp>
+          <p:nvCxnSpPr>
+            <p:cNvPr id="9" name="Straight Connector 8"/>
+            <p:cNvCxnSpPr/>
+            <p:nvPr/>
+          </p:nvCxnSpPr>
+          <p:spPr>
+            <a:xfrm>
+              <a:off x="1543207" y="3044536"/>
+              <a:ext cx="0" cy="249381"/>
+            </a:xfrm>
+            <a:prstGeom prst="line">
+              <a:avLst/>
+            </a:prstGeom>
+            <a:ln>
+              <a:solidFill>
+                <a:schemeClr val="tx1"/>
+              </a:solidFill>
+            </a:ln>
+          </p:spPr>
+          <p:style>
+            <a:lnRef idx="2">
+              <a:schemeClr val="accent1"/>
+            </a:lnRef>
+            <a:fillRef idx="0">
+              <a:schemeClr val="accent1"/>
+            </a:fillRef>
+            <a:effectRef idx="1">
+              <a:schemeClr val="accent1"/>
+            </a:effectRef>
+            <a:fontRef idx="minor">
+              <a:schemeClr val="tx1"/>
+            </a:fontRef>
+          </p:style>
+        </p:cxnSp>
+        <p:cxnSp>
+          <p:nvCxnSpPr>
+            <p:cNvPr id="10" name="Straight Connector 9"/>
+            <p:cNvCxnSpPr/>
+            <p:nvPr/>
+          </p:nvCxnSpPr>
+          <p:spPr>
+            <a:xfrm>
+              <a:off x="2223969" y="3044536"/>
+              <a:ext cx="0" cy="249381"/>
+            </a:xfrm>
+            <a:prstGeom prst="line">
+              <a:avLst/>
+            </a:prstGeom>
+            <a:ln>
+              <a:solidFill>
+                <a:schemeClr val="tx1"/>
+              </a:solidFill>
+            </a:ln>
+          </p:spPr>
+          <p:style>
+            <a:lnRef idx="2">
+              <a:schemeClr val="accent1"/>
+            </a:lnRef>
+            <a:fillRef idx="0">
+              <a:schemeClr val="accent1"/>
+            </a:fillRef>
+            <a:effectRef idx="1">
+              <a:schemeClr val="accent1"/>
+            </a:effectRef>
+            <a:fontRef idx="minor">
+              <a:schemeClr val="tx1"/>
+            </a:fontRef>
+          </p:style>
+        </p:cxnSp>
+        <p:cxnSp>
+          <p:nvCxnSpPr>
+            <p:cNvPr id="11" name="Straight Connector 10"/>
+            <p:cNvCxnSpPr/>
+            <p:nvPr/>
+          </p:nvCxnSpPr>
+          <p:spPr>
+            <a:xfrm>
+              <a:off x="2904731" y="3044536"/>
+              <a:ext cx="0" cy="249381"/>
+            </a:xfrm>
+            <a:prstGeom prst="line">
+              <a:avLst/>
+            </a:prstGeom>
+            <a:ln>
+              <a:solidFill>
+                <a:schemeClr val="tx1"/>
+              </a:solidFill>
+            </a:ln>
+          </p:spPr>
+          <p:style>
+            <a:lnRef idx="2">
+              <a:schemeClr val="accent1"/>
+            </a:lnRef>
+            <a:fillRef idx="0">
+              <a:schemeClr val="accent1"/>
+            </a:fillRef>
+            <a:effectRef idx="1">
+              <a:schemeClr val="accent1"/>
+            </a:effectRef>
+            <a:fontRef idx="minor">
+              <a:schemeClr val="tx1"/>
+            </a:fontRef>
+          </p:style>
+        </p:cxnSp>
+        <p:cxnSp>
+          <p:nvCxnSpPr>
+            <p:cNvPr id="12" name="Straight Connector 11"/>
+            <p:cNvCxnSpPr/>
+            <p:nvPr/>
+          </p:nvCxnSpPr>
+          <p:spPr>
+            <a:xfrm>
+              <a:off x="3585493" y="3044536"/>
+              <a:ext cx="0" cy="249381"/>
+            </a:xfrm>
+            <a:prstGeom prst="line">
+              <a:avLst/>
+            </a:prstGeom>
+            <a:ln>
+              <a:solidFill>
+                <a:schemeClr val="tx1"/>
+              </a:solidFill>
+            </a:ln>
+          </p:spPr>
+          <p:style>
+            <a:lnRef idx="2">
+              <a:schemeClr val="accent1"/>
+            </a:lnRef>
+            <a:fillRef idx="0">
+              <a:schemeClr val="accent1"/>
+            </a:fillRef>
+            <a:effectRef idx="1">
+              <a:schemeClr val="accent1"/>
+            </a:effectRef>
+            <a:fontRef idx="minor">
+              <a:schemeClr val="tx1"/>
+            </a:fontRef>
+          </p:style>
+        </p:cxnSp>
+        <p:cxnSp>
+          <p:nvCxnSpPr>
+            <p:cNvPr id="13" name="Straight Connector 12"/>
+            <p:cNvCxnSpPr/>
+            <p:nvPr/>
+          </p:nvCxnSpPr>
+          <p:spPr>
+            <a:xfrm>
+              <a:off x="4266255" y="3044536"/>
+              <a:ext cx="0" cy="249381"/>
+            </a:xfrm>
+            <a:prstGeom prst="line">
+              <a:avLst/>
+            </a:prstGeom>
+            <a:ln>
+              <a:solidFill>
+                <a:schemeClr val="tx1"/>
+              </a:solidFill>
+            </a:ln>
+          </p:spPr>
+          <p:style>
+            <a:lnRef idx="2">
+              <a:schemeClr val="accent1"/>
+            </a:lnRef>
+            <a:fillRef idx="0">
+              <a:schemeClr val="accent1"/>
+            </a:fillRef>
+            <a:effectRef idx="1">
+              <a:schemeClr val="accent1"/>
+            </a:effectRef>
+            <a:fontRef idx="minor">
+              <a:schemeClr val="tx1"/>
+            </a:fontRef>
+          </p:style>
+        </p:cxnSp>
+        <p:cxnSp>
+          <p:nvCxnSpPr>
+            <p:cNvPr id="14" name="Straight Connector 13"/>
+            <p:cNvCxnSpPr/>
+            <p:nvPr/>
+          </p:nvCxnSpPr>
+          <p:spPr>
+            <a:xfrm>
+              <a:off x="4947017" y="3044536"/>
+              <a:ext cx="0" cy="249381"/>
+            </a:xfrm>
+            <a:prstGeom prst="line">
+              <a:avLst/>
+            </a:prstGeom>
+            <a:ln>
+              <a:solidFill>
+                <a:schemeClr val="tx1"/>
+              </a:solidFill>
+            </a:ln>
+          </p:spPr>
+          <p:style>
+            <a:lnRef idx="2">
+              <a:schemeClr val="accent1"/>
+            </a:lnRef>
+            <a:fillRef idx="0">
+              <a:schemeClr val="accent1"/>
+            </a:fillRef>
+            <a:effectRef idx="1">
+              <a:schemeClr val="accent1"/>
+            </a:effectRef>
+            <a:fontRef idx="minor">
+              <a:schemeClr val="tx1"/>
+            </a:fontRef>
+          </p:style>
+        </p:cxnSp>
+        <p:cxnSp>
+          <p:nvCxnSpPr>
+            <p:cNvPr id="15" name="Straight Connector 14"/>
+            <p:cNvCxnSpPr/>
+            <p:nvPr/>
+          </p:nvCxnSpPr>
+          <p:spPr>
+            <a:xfrm>
+              <a:off x="5627779" y="3044536"/>
+              <a:ext cx="0" cy="249381"/>
+            </a:xfrm>
+            <a:prstGeom prst="line">
+              <a:avLst/>
+            </a:prstGeom>
+            <a:ln>
+              <a:solidFill>
+                <a:schemeClr val="tx1"/>
+              </a:solidFill>
+            </a:ln>
+          </p:spPr>
+          <p:style>
+            <a:lnRef idx="2">
+              <a:schemeClr val="accent1"/>
+            </a:lnRef>
+            <a:fillRef idx="0">
+              <a:schemeClr val="accent1"/>
+            </a:fillRef>
+            <a:effectRef idx="1">
+              <a:schemeClr val="accent1"/>
+            </a:effectRef>
+            <a:fontRef idx="minor">
+              <a:schemeClr val="tx1"/>
+            </a:fontRef>
+          </p:style>
+        </p:cxnSp>
+        <p:cxnSp>
+          <p:nvCxnSpPr>
+            <p:cNvPr id="16" name="Straight Connector 15"/>
+            <p:cNvCxnSpPr/>
+            <p:nvPr/>
+          </p:nvCxnSpPr>
+          <p:spPr>
+            <a:xfrm>
+              <a:off x="6308541" y="3044536"/>
+              <a:ext cx="0" cy="249381"/>
+            </a:xfrm>
+            <a:prstGeom prst="line">
+              <a:avLst/>
+            </a:prstGeom>
+            <a:ln>
+              <a:solidFill>
+                <a:schemeClr val="tx1"/>
+              </a:solidFill>
+            </a:ln>
+          </p:spPr>
+          <p:style>
+            <a:lnRef idx="2">
+              <a:schemeClr val="accent1"/>
+            </a:lnRef>
+            <a:fillRef idx="0">
+              <a:schemeClr val="accent1"/>
+            </a:fillRef>
+            <a:effectRef idx="1">
+              <a:schemeClr val="accent1"/>
+            </a:effectRef>
+            <a:fontRef idx="minor">
+              <a:schemeClr val="tx1"/>
+            </a:fontRef>
+          </p:style>
+        </p:cxnSp>
+        <p:cxnSp>
+          <p:nvCxnSpPr>
+            <p:cNvPr id="17" name="Straight Connector 16"/>
+            <p:cNvCxnSpPr/>
+            <p:nvPr/>
+          </p:nvCxnSpPr>
+          <p:spPr>
+            <a:xfrm>
+              <a:off x="6989303" y="3044536"/>
+              <a:ext cx="0" cy="249381"/>
+            </a:xfrm>
+            <a:prstGeom prst="line">
+              <a:avLst/>
+            </a:prstGeom>
+            <a:ln>
+              <a:solidFill>
+                <a:schemeClr val="tx1"/>
+              </a:solidFill>
+            </a:ln>
+          </p:spPr>
+          <p:style>
+            <a:lnRef idx="2">
+              <a:schemeClr val="accent1"/>
+            </a:lnRef>
+            <a:fillRef idx="0">
+              <a:schemeClr val="accent1"/>
+            </a:fillRef>
+            <a:effectRef idx="1">
+              <a:schemeClr val="accent1"/>
+            </a:effectRef>
+            <a:fontRef idx="minor">
+              <a:schemeClr val="tx1"/>
+            </a:fontRef>
+          </p:style>
+        </p:cxnSp>
+        <p:cxnSp>
+          <p:nvCxnSpPr>
+            <p:cNvPr id="18" name="Straight Connector 17"/>
+            <p:cNvCxnSpPr/>
+            <p:nvPr/>
+          </p:nvCxnSpPr>
+          <p:spPr>
+            <a:xfrm>
+              <a:off x="7670065" y="3044536"/>
+              <a:ext cx="0" cy="249381"/>
+            </a:xfrm>
+            <a:prstGeom prst="line">
+              <a:avLst/>
+            </a:prstGeom>
+            <a:ln>
+              <a:solidFill>
+                <a:schemeClr val="tx1"/>
+              </a:solidFill>
+            </a:ln>
+          </p:spPr>
+          <p:style>
+            <a:lnRef idx="2">
+              <a:schemeClr val="accent1"/>
+            </a:lnRef>
+            <a:fillRef idx="0">
+              <a:schemeClr val="accent1"/>
+            </a:fillRef>
+            <a:effectRef idx="1">
+              <a:schemeClr val="accent1"/>
+            </a:effectRef>
+            <a:fontRef idx="minor">
+              <a:schemeClr val="tx1"/>
+            </a:fontRef>
+          </p:style>
+        </p:cxnSp>
+        <p:sp>
+          <p:nvSpPr>
+            <p:cNvPr id="19" name="TextBox 18"/>
+            <p:cNvSpPr txBox="1"/>
+            <p:nvPr/>
+          </p:nvSpPr>
+          <p:spPr>
+            <a:xfrm rot="18529060">
+              <a:off x="2535607" y="3412426"/>
+              <a:ext cx="561109" cy="369332"/>
+            </a:xfrm>
+            <a:prstGeom prst="rect">
+              <a:avLst/>
+            </a:prstGeom>
+            <a:noFill/>
+          </p:spPr>
+          <p:txBody>
+            <a:bodyPr wrap="square" rtlCol="0">
+              <a:spAutoFit/>
+            </a:bodyPr>
+            <a:lstStyle/>
+            <a:p>
+              <a:r>
+                <a:rPr lang="en-US" dirty="0" smtClean="0"/>
+                <a:t>Jan</a:t>
+              </a:r>
+              <a:endParaRPr lang="en-US" dirty="0"/>
+            </a:p>
+          </p:txBody>
+        </p:sp>
+        <p:sp>
+          <p:nvSpPr>
+            <p:cNvPr id="21" name="TextBox 20"/>
+            <p:cNvSpPr txBox="1"/>
+            <p:nvPr/>
+          </p:nvSpPr>
+          <p:spPr>
+            <a:xfrm rot="18529060">
+              <a:off x="1176129" y="3412426"/>
+              <a:ext cx="561109" cy="369332"/>
+            </a:xfrm>
+            <a:prstGeom prst="rect">
+              <a:avLst/>
+            </a:prstGeom>
+            <a:noFill/>
+          </p:spPr>
+          <p:txBody>
+            <a:bodyPr wrap="square" rtlCol="0">
+              <a:spAutoFit/>
+            </a:bodyPr>
+            <a:lstStyle/>
+            <a:p>
+              <a:r>
+                <a:rPr lang="en-US" dirty="0" smtClean="0"/>
+                <a:t>Nov</a:t>
+              </a:r>
+              <a:endParaRPr lang="en-US" dirty="0"/>
+            </a:p>
+          </p:txBody>
+        </p:sp>
+        <p:sp>
+          <p:nvSpPr>
+            <p:cNvPr id="22" name="TextBox 21"/>
+            <p:cNvSpPr txBox="1"/>
+            <p:nvPr/>
+          </p:nvSpPr>
+          <p:spPr>
+            <a:xfrm rot="18529060">
+              <a:off x="1855868" y="3412426"/>
+              <a:ext cx="561109" cy="369332"/>
+            </a:xfrm>
+            <a:prstGeom prst="rect">
+              <a:avLst/>
+            </a:prstGeom>
+            <a:noFill/>
+          </p:spPr>
+          <p:txBody>
+            <a:bodyPr wrap="square" rtlCol="0">
+              <a:spAutoFit/>
+            </a:bodyPr>
+            <a:lstStyle/>
+            <a:p>
+              <a:r>
+                <a:rPr lang="en-US" dirty="0" smtClean="0"/>
+                <a:t>Dec</a:t>
+              </a:r>
+              <a:endParaRPr lang="en-US" dirty="0"/>
+            </a:p>
+          </p:txBody>
+        </p:sp>
+        <p:sp>
+          <p:nvSpPr>
+            <p:cNvPr id="23" name="TextBox 22"/>
+            <p:cNvSpPr txBox="1"/>
+            <p:nvPr/>
+          </p:nvSpPr>
+          <p:spPr>
+            <a:xfrm rot="18529060">
+              <a:off x="496390" y="3412426"/>
+              <a:ext cx="561109" cy="369332"/>
+            </a:xfrm>
+            <a:prstGeom prst="rect">
+              <a:avLst/>
+            </a:prstGeom>
+            <a:noFill/>
+          </p:spPr>
+          <p:txBody>
+            <a:bodyPr wrap="square" rtlCol="0">
+              <a:spAutoFit/>
+            </a:bodyPr>
+            <a:lstStyle/>
+            <a:p>
+              <a:r>
+                <a:rPr lang="en-US" smtClean="0"/>
+                <a:t>Oct</a:t>
+              </a:r>
+              <a:endParaRPr lang="en-US"/>
+            </a:p>
+          </p:txBody>
+        </p:sp>
+        <p:sp>
+          <p:nvSpPr>
+            <p:cNvPr id="24" name="TextBox 23"/>
+            <p:cNvSpPr txBox="1"/>
+            <p:nvPr/>
+          </p:nvSpPr>
+          <p:spPr>
+            <a:xfrm rot="18529060">
+              <a:off x="3215346" y="3412426"/>
+              <a:ext cx="561109" cy="369332"/>
+            </a:xfrm>
+            <a:prstGeom prst="rect">
+              <a:avLst/>
+            </a:prstGeom>
+            <a:noFill/>
+          </p:spPr>
+          <p:txBody>
+            <a:bodyPr wrap="square" rtlCol="0">
+              <a:spAutoFit/>
+            </a:bodyPr>
+            <a:lstStyle/>
+            <a:p>
+              <a:r>
+                <a:rPr lang="en-US" dirty="0" smtClean="0"/>
+                <a:t>Feb</a:t>
+              </a:r>
+              <a:endParaRPr lang="en-US" dirty="0"/>
+            </a:p>
+          </p:txBody>
+        </p:sp>
+        <p:sp>
+          <p:nvSpPr>
+            <p:cNvPr id="25" name="TextBox 24"/>
+            <p:cNvSpPr txBox="1"/>
+            <p:nvPr/>
+          </p:nvSpPr>
+          <p:spPr>
+            <a:xfrm rot="18529060">
+              <a:off x="3861751" y="3438398"/>
+              <a:ext cx="627778" cy="369332"/>
+            </a:xfrm>
+            <a:prstGeom prst="rect">
+              <a:avLst/>
+            </a:prstGeom>
+            <a:noFill/>
+          </p:spPr>
+          <p:txBody>
+            <a:bodyPr wrap="square" rtlCol="0">
+              <a:spAutoFit/>
+            </a:bodyPr>
+            <a:lstStyle/>
+            <a:p>
+              <a:r>
+                <a:rPr lang="en-US" smtClean="0"/>
+                <a:t>Mar</a:t>
+              </a:r>
+              <a:endParaRPr lang="en-US" dirty="0"/>
+            </a:p>
+          </p:txBody>
+        </p:sp>
+        <p:sp>
+          <p:nvSpPr>
+            <p:cNvPr id="26" name="TextBox 25"/>
+            <p:cNvSpPr txBox="1"/>
+            <p:nvPr/>
+          </p:nvSpPr>
+          <p:spPr>
+            <a:xfrm rot="18529060">
+              <a:off x="4574824" y="3412426"/>
+              <a:ext cx="561109" cy="369332"/>
+            </a:xfrm>
+            <a:prstGeom prst="rect">
+              <a:avLst/>
+            </a:prstGeom>
+            <a:noFill/>
+          </p:spPr>
+          <p:txBody>
+            <a:bodyPr wrap="square" rtlCol="0">
+              <a:spAutoFit/>
+            </a:bodyPr>
+            <a:lstStyle/>
+            <a:p>
+              <a:r>
+                <a:rPr lang="en-US" dirty="0" smtClean="0"/>
+                <a:t>Apr</a:t>
+              </a:r>
+              <a:endParaRPr lang="en-US" dirty="0"/>
+            </a:p>
+          </p:txBody>
+        </p:sp>
+        <p:sp>
+          <p:nvSpPr>
+            <p:cNvPr id="27" name="TextBox 26"/>
+            <p:cNvSpPr txBox="1"/>
+            <p:nvPr/>
+          </p:nvSpPr>
+          <p:spPr>
+            <a:xfrm rot="18529060">
+              <a:off x="5211022" y="3446351"/>
+              <a:ext cx="648192" cy="369332"/>
+            </a:xfrm>
+            <a:prstGeom prst="rect">
+              <a:avLst/>
+            </a:prstGeom>
+            <a:noFill/>
+          </p:spPr>
+          <p:txBody>
+            <a:bodyPr wrap="square" rtlCol="0">
+              <a:spAutoFit/>
+            </a:bodyPr>
+            <a:lstStyle/>
+            <a:p>
+              <a:r>
+                <a:rPr lang="en-US" smtClean="0"/>
+                <a:t>May</a:t>
+              </a:r>
+              <a:endParaRPr lang="en-US" dirty="0"/>
+            </a:p>
+          </p:txBody>
+        </p:sp>
+        <p:sp>
+          <p:nvSpPr>
+            <p:cNvPr id="28" name="TextBox 27"/>
+            <p:cNvSpPr txBox="1"/>
+            <p:nvPr/>
+          </p:nvSpPr>
+          <p:spPr>
+            <a:xfrm rot="18529060">
+              <a:off x="5934302" y="3412426"/>
+              <a:ext cx="561109" cy="369332"/>
+            </a:xfrm>
+            <a:prstGeom prst="rect">
+              <a:avLst/>
+            </a:prstGeom>
+            <a:noFill/>
+          </p:spPr>
+          <p:txBody>
+            <a:bodyPr wrap="square" rtlCol="0">
+              <a:spAutoFit/>
+            </a:bodyPr>
+            <a:lstStyle/>
+            <a:p>
+              <a:r>
+                <a:rPr lang="en-US" dirty="0" smtClean="0"/>
+                <a:t>Jun</a:t>
+              </a:r>
+              <a:endParaRPr lang="en-US" dirty="0"/>
+            </a:p>
+          </p:txBody>
+        </p:sp>
+        <p:sp>
+          <p:nvSpPr>
+            <p:cNvPr id="29" name="TextBox 28"/>
+            <p:cNvSpPr txBox="1"/>
+            <p:nvPr/>
+          </p:nvSpPr>
+          <p:spPr>
+            <a:xfrm rot="18529060">
+              <a:off x="6614041" y="3412426"/>
+              <a:ext cx="561109" cy="369332"/>
+            </a:xfrm>
+            <a:prstGeom prst="rect">
+              <a:avLst/>
+            </a:prstGeom>
+            <a:noFill/>
+          </p:spPr>
+          <p:txBody>
+            <a:bodyPr wrap="square" rtlCol="0">
+              <a:spAutoFit/>
+            </a:bodyPr>
+            <a:lstStyle/>
+            <a:p>
+              <a:r>
+                <a:rPr lang="en-US" smtClean="0"/>
+                <a:t>Jul</a:t>
+              </a:r>
+              <a:endParaRPr lang="en-US"/>
+            </a:p>
+          </p:txBody>
+        </p:sp>
+        <p:sp>
+          <p:nvSpPr>
+            <p:cNvPr id="30" name="TextBox 29"/>
+            <p:cNvSpPr txBox="1"/>
+            <p:nvPr/>
+          </p:nvSpPr>
+          <p:spPr>
+            <a:xfrm rot="18529060">
+              <a:off x="7293780" y="3412426"/>
+              <a:ext cx="561109" cy="369332"/>
+            </a:xfrm>
+            <a:prstGeom prst="rect">
+              <a:avLst/>
+            </a:prstGeom>
+            <a:noFill/>
+          </p:spPr>
+          <p:txBody>
+            <a:bodyPr wrap="square" rtlCol="0">
+              <a:spAutoFit/>
+            </a:bodyPr>
+            <a:lstStyle/>
+            <a:p>
+              <a:r>
+                <a:rPr lang="en-US" dirty="0" smtClean="0"/>
+                <a:t>Aug</a:t>
+              </a:r>
+              <a:endParaRPr lang="en-US" dirty="0"/>
+            </a:p>
+          </p:txBody>
+        </p:sp>
+        <p:sp>
+          <p:nvSpPr>
+            <p:cNvPr id="31" name="TextBox 30"/>
+            <p:cNvSpPr txBox="1"/>
+            <p:nvPr/>
+          </p:nvSpPr>
+          <p:spPr>
+            <a:xfrm rot="18529060">
+              <a:off x="7973522" y="3412426"/>
+              <a:ext cx="561109" cy="369332"/>
+            </a:xfrm>
+            <a:prstGeom prst="rect">
+              <a:avLst/>
+            </a:prstGeom>
+            <a:noFill/>
+          </p:spPr>
+          <p:txBody>
+            <a:bodyPr wrap="square" rtlCol="0">
+              <a:spAutoFit/>
+            </a:bodyPr>
+            <a:lstStyle/>
+            <a:p>
+              <a:r>
+                <a:rPr lang="en-US" smtClean="0"/>
+                <a:t>Sep</a:t>
+              </a:r>
+              <a:endParaRPr lang="en-US"/>
+            </a:p>
+          </p:txBody>
+        </p:sp>
+      </p:grpSp>
+      <p:cxnSp>
+        <p:nvCxnSpPr>
+          <p:cNvPr id="36" name="Straight Arrow Connector 35"/>
+          <p:cNvCxnSpPr/>
+          <p:nvPr/>
+        </p:nvCxnSpPr>
+        <p:spPr>
+          <a:xfrm>
+            <a:off x="7659674" y="5074445"/>
+            <a:ext cx="0" cy="578223"/>
+          </a:xfrm>
+          <a:prstGeom prst="straightConnector1">
+            <a:avLst/>
+          </a:prstGeom>
+          <a:ln>
+            <a:solidFill>
+              <a:schemeClr val="tx1"/>
+            </a:solidFill>
+            <a:tailEnd type="triangle"/>
+          </a:ln>
+        </p:spPr>
+        <p:style>
+          <a:lnRef idx="2">
+            <a:schemeClr val="accent1"/>
+          </a:lnRef>
+          <a:fillRef idx="0">
+            <a:schemeClr val="accent1"/>
+          </a:fillRef>
+          <a:effectRef idx="1">
+            <a:schemeClr val="accent1"/>
+          </a:effectRef>
+          <a:fontRef idx="minor">
+            <a:schemeClr val="tx1"/>
+          </a:fontRef>
+        </p:style>
+      </p:cxnSp>
+      <p:cxnSp>
+        <p:nvCxnSpPr>
+          <p:cNvPr id="37" name="Straight Arrow Connector 36"/>
+          <p:cNvCxnSpPr/>
+          <p:nvPr/>
+        </p:nvCxnSpPr>
+        <p:spPr>
+          <a:xfrm>
+            <a:off x="4253974" y="5074445"/>
+            <a:ext cx="0" cy="578223"/>
+          </a:xfrm>
+          <a:prstGeom prst="straightConnector1">
+            <a:avLst/>
+          </a:prstGeom>
+          <a:ln>
+            <a:solidFill>
+              <a:schemeClr val="tx1"/>
+            </a:solidFill>
+            <a:tailEnd type="triangle"/>
+          </a:ln>
+        </p:spPr>
+        <p:style>
+          <a:lnRef idx="2">
+            <a:schemeClr val="accent1"/>
+          </a:lnRef>
+          <a:fillRef idx="0">
+            <a:schemeClr val="accent1"/>
+          </a:fillRef>
+          <a:effectRef idx="1">
+            <a:schemeClr val="accent1"/>
+          </a:effectRef>
+          <a:fontRef idx="minor">
+            <a:schemeClr val="tx1"/>
+          </a:fontRef>
+        </p:style>
+      </p:cxnSp>
+      <p:cxnSp>
+        <p:nvCxnSpPr>
+          <p:cNvPr id="38" name="Straight Arrow Connector 37"/>
+          <p:cNvCxnSpPr/>
+          <p:nvPr/>
+        </p:nvCxnSpPr>
+        <p:spPr>
+          <a:xfrm>
+            <a:off x="2824662" y="5074445"/>
+            <a:ext cx="0" cy="578223"/>
+          </a:xfrm>
+          <a:prstGeom prst="straightConnector1">
+            <a:avLst/>
+          </a:prstGeom>
+          <a:ln>
+            <a:solidFill>
+              <a:schemeClr val="tx1"/>
+            </a:solidFill>
+            <a:tailEnd type="triangle"/>
+          </a:ln>
+        </p:spPr>
+        <p:style>
+          <a:lnRef idx="2">
+            <a:schemeClr val="accent1"/>
+          </a:lnRef>
+          <a:fillRef idx="0">
+            <a:schemeClr val="accent1"/>
+          </a:fillRef>
+          <a:effectRef idx="1">
+            <a:schemeClr val="accent1"/>
+          </a:effectRef>
+          <a:fontRef idx="minor">
+            <a:schemeClr val="tx1"/>
+          </a:fontRef>
+        </p:style>
+      </p:cxnSp>
+      <p:sp>
+        <p:nvSpPr>
+          <p:cNvPr id="39" name="TextBox 38"/>
+          <p:cNvSpPr txBox="1"/>
+          <p:nvPr/>
+        </p:nvSpPr>
+        <p:spPr>
+          <a:xfrm>
+            <a:off x="2213578" y="5766954"/>
+            <a:ext cx="1223530" cy="646331"/>
+          </a:xfrm>
+          <a:prstGeom prst="rect">
+            <a:avLst/>
+          </a:prstGeom>
+          <a:noFill/>
+        </p:spPr>
+        <p:txBody>
+          <a:bodyPr wrap="square" rtlCol="0">
+            <a:spAutoFit/>
+          </a:bodyPr>
+          <a:lstStyle/>
+          <a:p>
+            <a:pPr algn="ctr"/>
+            <a:r>
+              <a:rPr lang="en-US" dirty="0" smtClean="0"/>
+              <a:t>Schedule Prospectus</a:t>
+            </a:r>
+            <a:endParaRPr lang="en-US" dirty="0"/>
+          </a:p>
+        </p:txBody>
+      </p:sp>
+      <p:sp>
+        <p:nvSpPr>
+          <p:cNvPr id="40" name="TextBox 39"/>
+          <p:cNvSpPr txBox="1"/>
+          <p:nvPr/>
+        </p:nvSpPr>
+        <p:spPr>
+          <a:xfrm>
+            <a:off x="3629968" y="5774307"/>
+            <a:ext cx="1223530" cy="369332"/>
+          </a:xfrm>
+          <a:prstGeom prst="rect">
+            <a:avLst/>
+          </a:prstGeom>
+          <a:noFill/>
+        </p:spPr>
+        <p:txBody>
+          <a:bodyPr wrap="square" rtlCol="0">
+            <a:spAutoFit/>
+          </a:bodyPr>
+          <a:lstStyle/>
+          <a:p>
+            <a:r>
+              <a:rPr lang="en-US" dirty="0" smtClean="0"/>
+              <a:t>Prospectus</a:t>
+            </a:r>
+            <a:endParaRPr lang="en-US" dirty="0"/>
+          </a:p>
+        </p:txBody>
+      </p:sp>
+      <p:sp>
+        <p:nvSpPr>
+          <p:cNvPr id="41" name="TextBox 40"/>
+          <p:cNvSpPr txBox="1"/>
+          <p:nvPr/>
+        </p:nvSpPr>
+        <p:spPr>
+          <a:xfrm>
+            <a:off x="7146622" y="5766954"/>
+            <a:ext cx="1026103" cy="646331"/>
+          </a:xfrm>
+          <a:prstGeom prst="rect">
+            <a:avLst/>
+          </a:prstGeom>
+          <a:noFill/>
+        </p:spPr>
+        <p:txBody>
+          <a:bodyPr wrap="square" rtlCol="0">
+            <a:spAutoFit/>
+          </a:bodyPr>
+          <a:lstStyle/>
+          <a:p>
+            <a:pPr algn="ctr"/>
+            <a:r>
+              <a:rPr lang="en-US" dirty="0" smtClean="0"/>
+              <a:t>Thesis </a:t>
+            </a:r>
+          </a:p>
+          <a:p>
+            <a:pPr algn="ctr"/>
+            <a:r>
+              <a:rPr lang="en-US" dirty="0" smtClean="0"/>
+              <a:t>Defense</a:t>
+            </a:r>
+            <a:endParaRPr lang="en-US" dirty="0"/>
+          </a:p>
+        </p:txBody>
+      </p:sp>
+      <p:sp>
+        <p:nvSpPr>
+          <p:cNvPr id="43" name="Left Brace 42"/>
+          <p:cNvSpPr/>
+          <p:nvPr/>
+        </p:nvSpPr>
+        <p:spPr>
+          <a:xfrm rot="5400000">
+            <a:off x="1487658" y="3300707"/>
+            <a:ext cx="86525" cy="1365314"/>
+          </a:xfrm>
+          <a:prstGeom prst="leftBrace">
+            <a:avLst/>
+          </a:prstGeom>
+          <a:ln>
+            <a:solidFill>
+              <a:schemeClr val="tx1"/>
+            </a:solidFill>
+          </a:ln>
+          <a:effectLst>
+            <a:outerShdw blurRad="40000" dist="20000" dir="10800000" rotWithShape="0">
+              <a:srgbClr val="000000">
+                <a:alpha val="38000"/>
+              </a:srgbClr>
+            </a:outerShdw>
+          </a:effectLst>
+        </p:spPr>
+        <p:style>
+          <a:lnRef idx="2">
+            <a:schemeClr val="accent1"/>
+          </a:lnRef>
+          <a:fillRef idx="0">
+            <a:schemeClr val="accent1"/>
+          </a:fillRef>
+          <a:effectRef idx="1">
+            <a:schemeClr val="accent1"/>
+          </a:effectRef>
+          <a:fontRef idx="minor">
+            <a:schemeClr val="tx1"/>
+          </a:fontRef>
+        </p:style>
+        <p:txBody>
+          <a:bodyPr rtlCol="0" anchor="ctr"/>
+          <a:lstStyle/>
+          <a:p>
+            <a:pPr algn="ctr"/>
+            <a:endParaRPr lang="en-US"/>
+          </a:p>
+        </p:txBody>
+      </p:sp>
+      <p:sp>
+        <p:nvSpPr>
+          <p:cNvPr id="45" name="TextBox 44"/>
+          <p:cNvSpPr txBox="1"/>
+          <p:nvPr/>
+        </p:nvSpPr>
+        <p:spPr>
+          <a:xfrm>
+            <a:off x="544875" y="2647428"/>
+            <a:ext cx="1986627" cy="1200329"/>
+          </a:xfrm>
+          <a:prstGeom prst="rect">
+            <a:avLst/>
+          </a:prstGeom>
+          <a:noFill/>
+        </p:spPr>
+        <p:txBody>
+          <a:bodyPr wrap="square" rtlCol="0">
+            <a:spAutoFit/>
+          </a:bodyPr>
+          <a:lstStyle/>
+          <a:p>
+            <a:pPr algn="ctr"/>
+            <a:r>
+              <a:rPr lang="en-US" dirty="0" smtClean="0"/>
+              <a:t>Get bins from all metagenome sets de-replicated and classified</a:t>
+            </a:r>
+            <a:endParaRPr lang="en-US" dirty="0"/>
+          </a:p>
+        </p:txBody>
+      </p:sp>
+      <p:sp>
+        <p:nvSpPr>
+          <p:cNvPr id="46" name="Left Brace 45"/>
+          <p:cNvSpPr/>
+          <p:nvPr/>
+        </p:nvSpPr>
+        <p:spPr>
+          <a:xfrm rot="5400000">
+            <a:off x="2852974" y="2935353"/>
+            <a:ext cx="86525" cy="1365314"/>
+          </a:xfrm>
+          <a:prstGeom prst="leftBrace">
+            <a:avLst/>
+          </a:prstGeom>
+          <a:ln>
+            <a:solidFill>
+              <a:schemeClr val="tx1"/>
+            </a:solidFill>
+          </a:ln>
+          <a:effectLst>
+            <a:outerShdw blurRad="40000" dist="20000" dir="10800000" rotWithShape="0">
+              <a:srgbClr val="000000">
+                <a:alpha val="38000"/>
+              </a:srgbClr>
+            </a:outerShdw>
+          </a:effectLst>
+        </p:spPr>
+        <p:style>
+          <a:lnRef idx="2">
+            <a:schemeClr val="accent1"/>
+          </a:lnRef>
+          <a:fillRef idx="0">
+            <a:schemeClr val="accent1"/>
+          </a:fillRef>
+          <a:effectRef idx="1">
+            <a:schemeClr val="accent1"/>
+          </a:effectRef>
+          <a:fontRef idx="minor">
+            <a:schemeClr val="tx1"/>
+          </a:fontRef>
+        </p:style>
+        <p:txBody>
+          <a:bodyPr rtlCol="0" anchor="ctr"/>
+          <a:lstStyle/>
+          <a:p>
+            <a:pPr algn="ctr"/>
+            <a:endParaRPr lang="en-US"/>
+          </a:p>
+        </p:txBody>
+      </p:sp>
+      <p:cxnSp>
+        <p:nvCxnSpPr>
+          <p:cNvPr id="47" name="Straight Arrow Connector 46"/>
+          <p:cNvCxnSpPr/>
+          <p:nvPr/>
+        </p:nvCxnSpPr>
+        <p:spPr>
+          <a:xfrm flipH="1" flipV="1">
+            <a:off x="2894339" y="2510593"/>
+            <a:ext cx="7564" cy="1106331"/>
+          </a:xfrm>
+          <a:prstGeom prst="straightConnector1">
+            <a:avLst/>
+          </a:prstGeom>
+          <a:ln>
+            <a:solidFill>
+              <a:schemeClr val="tx1"/>
+            </a:solidFill>
+            <a:tailEnd type="triangle"/>
+          </a:ln>
+        </p:spPr>
+        <p:style>
+          <a:lnRef idx="2">
+            <a:schemeClr val="accent1"/>
+          </a:lnRef>
+          <a:fillRef idx="0">
+            <a:schemeClr val="accent1"/>
+          </a:fillRef>
+          <a:effectRef idx="1">
+            <a:schemeClr val="accent1"/>
+          </a:effectRef>
+          <a:fontRef idx="minor">
+            <a:schemeClr val="tx1"/>
+          </a:fontRef>
+        </p:style>
+      </p:cxnSp>
+      <p:sp>
+        <p:nvSpPr>
+          <p:cNvPr id="48" name="TextBox 47"/>
+          <p:cNvSpPr txBox="1"/>
+          <p:nvPr/>
+        </p:nvSpPr>
+        <p:spPr>
+          <a:xfrm>
+            <a:off x="1901026" y="1781138"/>
+            <a:ext cx="1986627" cy="646331"/>
+          </a:xfrm>
+          <a:prstGeom prst="rect">
+            <a:avLst/>
+          </a:prstGeom>
+          <a:noFill/>
+        </p:spPr>
+        <p:txBody>
+          <a:bodyPr wrap="square" rtlCol="0">
+            <a:spAutoFit/>
+          </a:bodyPr>
+          <a:lstStyle/>
+          <a:p>
+            <a:pPr algn="ctr"/>
+            <a:r>
+              <a:rPr lang="en-US" dirty="0" smtClean="0"/>
+              <a:t>Data Analysis of</a:t>
+            </a:r>
+          </a:p>
+          <a:p>
+            <a:pPr algn="ctr"/>
+            <a:r>
+              <a:rPr lang="en-US" dirty="0" smtClean="0"/>
+              <a:t>Haplotypes/SNVs</a:t>
+            </a:r>
+            <a:endParaRPr lang="en-US" dirty="0"/>
+          </a:p>
+        </p:txBody>
+      </p:sp>
+      <p:sp>
+        <p:nvSpPr>
+          <p:cNvPr id="53" name="Left Brace 52"/>
+          <p:cNvSpPr/>
+          <p:nvPr/>
+        </p:nvSpPr>
+        <p:spPr>
+          <a:xfrm rot="5400000">
+            <a:off x="4210711" y="3135971"/>
+            <a:ext cx="86525" cy="1365314"/>
+          </a:xfrm>
+          <a:prstGeom prst="leftBrace">
+            <a:avLst/>
+          </a:prstGeom>
+          <a:ln>
+            <a:solidFill>
+              <a:schemeClr val="tx1"/>
+            </a:solidFill>
+          </a:ln>
+          <a:effectLst>
+            <a:outerShdw blurRad="40000" dist="20000" dir="10800000" rotWithShape="0">
+              <a:srgbClr val="000000">
+                <a:alpha val="38000"/>
+              </a:srgbClr>
+            </a:outerShdw>
+          </a:effectLst>
+        </p:spPr>
+        <p:style>
+          <a:lnRef idx="2">
+            <a:schemeClr val="accent1"/>
+          </a:lnRef>
+          <a:fillRef idx="0">
+            <a:schemeClr val="accent1"/>
+          </a:fillRef>
+          <a:effectRef idx="1">
+            <a:schemeClr val="accent1"/>
+          </a:effectRef>
+          <a:fontRef idx="minor">
+            <a:schemeClr val="tx1"/>
+          </a:fontRef>
+        </p:style>
+        <p:txBody>
+          <a:bodyPr rtlCol="0" anchor="ctr"/>
+          <a:lstStyle/>
+          <a:p>
+            <a:pPr algn="ctr"/>
+            <a:endParaRPr lang="en-US"/>
+          </a:p>
+        </p:txBody>
+      </p:sp>
+      <p:sp>
+        <p:nvSpPr>
+          <p:cNvPr id="54" name="TextBox 53"/>
+          <p:cNvSpPr txBox="1"/>
+          <p:nvPr/>
+        </p:nvSpPr>
+        <p:spPr>
+          <a:xfrm>
+            <a:off x="3485509" y="3116387"/>
+            <a:ext cx="1655316" cy="369332"/>
+          </a:xfrm>
+          <a:prstGeom prst="rect">
+            <a:avLst/>
+          </a:prstGeom>
+          <a:noFill/>
+        </p:spPr>
+        <p:txBody>
+          <a:bodyPr wrap="square" rtlCol="0">
+            <a:spAutoFit/>
+          </a:bodyPr>
+          <a:lstStyle/>
+          <a:p>
+            <a:pPr algn="ctr"/>
+            <a:r>
+              <a:rPr lang="en-US" dirty="0" smtClean="0"/>
+              <a:t>Write 3</a:t>
+            </a:r>
+            <a:r>
+              <a:rPr lang="en-US" baseline="30000" dirty="0" smtClean="0"/>
+              <a:t>rd</a:t>
+            </a:r>
+            <a:r>
+              <a:rPr lang="en-US" dirty="0" smtClean="0"/>
+              <a:t> Paper</a:t>
+            </a:r>
+            <a:endParaRPr lang="en-US" dirty="0"/>
+          </a:p>
+        </p:txBody>
+      </p:sp>
+      <p:sp>
+        <p:nvSpPr>
+          <p:cNvPr id="55" name="Left Brace 54"/>
+          <p:cNvSpPr/>
+          <p:nvPr/>
+        </p:nvSpPr>
+        <p:spPr>
+          <a:xfrm rot="5400000">
+            <a:off x="5235281" y="3604478"/>
+            <a:ext cx="79661" cy="684552"/>
+          </a:xfrm>
+          <a:prstGeom prst="leftBrace">
+            <a:avLst/>
+          </a:prstGeom>
+          <a:ln>
+            <a:solidFill>
+              <a:schemeClr val="tx1"/>
+            </a:solidFill>
+          </a:ln>
+          <a:effectLst>
+            <a:outerShdw blurRad="40000" dist="20000" dir="10800000" rotWithShape="0">
+              <a:srgbClr val="000000">
+                <a:alpha val="38000"/>
+              </a:srgbClr>
+            </a:outerShdw>
+          </a:effectLst>
+        </p:spPr>
+        <p:style>
+          <a:lnRef idx="2">
+            <a:schemeClr val="accent1"/>
+          </a:lnRef>
+          <a:fillRef idx="0">
+            <a:schemeClr val="accent1"/>
+          </a:fillRef>
+          <a:effectRef idx="1">
+            <a:schemeClr val="accent1"/>
+          </a:effectRef>
+          <a:fontRef idx="minor">
+            <a:schemeClr val="tx1"/>
+          </a:fontRef>
+        </p:style>
+        <p:txBody>
+          <a:bodyPr rtlCol="0" anchor="ctr"/>
+          <a:lstStyle/>
+          <a:p>
+            <a:pPr algn="ctr"/>
+            <a:endParaRPr lang="en-US"/>
+          </a:p>
+        </p:txBody>
+      </p:sp>
+      <p:cxnSp>
+        <p:nvCxnSpPr>
+          <p:cNvPr id="56" name="Straight Arrow Connector 55"/>
+          <p:cNvCxnSpPr/>
+          <p:nvPr/>
+        </p:nvCxnSpPr>
+        <p:spPr>
+          <a:xfrm flipH="1" flipV="1">
+            <a:off x="5275111" y="3033801"/>
+            <a:ext cx="1898" cy="866001"/>
+          </a:xfrm>
+          <a:prstGeom prst="straightConnector1">
+            <a:avLst/>
+          </a:prstGeom>
+          <a:ln>
+            <a:solidFill>
+              <a:schemeClr val="tx1"/>
+            </a:solidFill>
+            <a:tailEnd type="triangle"/>
+          </a:ln>
+        </p:spPr>
+        <p:style>
+          <a:lnRef idx="2">
+            <a:schemeClr val="accent1"/>
+          </a:lnRef>
+          <a:fillRef idx="0">
+            <a:schemeClr val="accent1"/>
+          </a:fillRef>
+          <a:effectRef idx="1">
+            <a:schemeClr val="accent1"/>
+          </a:effectRef>
+          <a:fontRef idx="minor">
+            <a:schemeClr val="tx1"/>
+          </a:fontRef>
+        </p:style>
+      </p:cxnSp>
+      <p:sp>
+        <p:nvSpPr>
+          <p:cNvPr id="57" name="TextBox 56"/>
+          <p:cNvSpPr txBox="1"/>
+          <p:nvPr/>
+        </p:nvSpPr>
+        <p:spPr>
+          <a:xfrm>
+            <a:off x="4651728" y="2607763"/>
+            <a:ext cx="1246765" cy="369332"/>
+          </a:xfrm>
+          <a:prstGeom prst="rect">
+            <a:avLst/>
+          </a:prstGeom>
+          <a:noFill/>
+        </p:spPr>
+        <p:txBody>
+          <a:bodyPr wrap="square" rtlCol="0">
+            <a:spAutoFit/>
+          </a:bodyPr>
+          <a:lstStyle/>
+          <a:p>
+            <a:pPr algn="ctr"/>
+            <a:r>
+              <a:rPr lang="en-US" dirty="0" smtClean="0"/>
+              <a:t>Edit Paper</a:t>
+            </a:r>
+            <a:endParaRPr lang="en-US" dirty="0"/>
+          </a:p>
+        </p:txBody>
+      </p:sp>
+      <p:sp>
+        <p:nvSpPr>
+          <p:cNvPr id="60" name="Left Brace 59"/>
+          <p:cNvSpPr/>
+          <p:nvPr/>
+        </p:nvSpPr>
+        <p:spPr>
+          <a:xfrm rot="5400000">
+            <a:off x="6242827" y="2699051"/>
+            <a:ext cx="103455" cy="2730238"/>
+          </a:xfrm>
+          <a:prstGeom prst="leftBrace">
+            <a:avLst/>
+          </a:prstGeom>
+          <a:ln>
+            <a:solidFill>
+              <a:schemeClr val="tx1"/>
+            </a:solidFill>
+          </a:ln>
+          <a:effectLst>
+            <a:outerShdw blurRad="40000" dist="20000" dir="10800000" rotWithShape="0">
+              <a:srgbClr val="000000">
+                <a:alpha val="38000"/>
+              </a:srgbClr>
+            </a:outerShdw>
+          </a:effectLst>
+        </p:spPr>
+        <p:style>
+          <a:lnRef idx="2">
+            <a:schemeClr val="accent1"/>
+          </a:lnRef>
+          <a:fillRef idx="0">
+            <a:schemeClr val="accent1"/>
+          </a:fillRef>
+          <a:effectRef idx="1">
+            <a:schemeClr val="accent1"/>
+          </a:effectRef>
+          <a:fontRef idx="minor">
+            <a:schemeClr val="tx1"/>
+          </a:fontRef>
+        </p:style>
+        <p:txBody>
+          <a:bodyPr rtlCol="0" anchor="ctr"/>
+          <a:lstStyle/>
+          <a:p>
+            <a:pPr algn="ctr"/>
+            <a:endParaRPr lang="en-US"/>
+          </a:p>
+        </p:txBody>
+      </p:sp>
+      <p:cxnSp>
+        <p:nvCxnSpPr>
+          <p:cNvPr id="61" name="Straight Arrow Connector 60"/>
+          <p:cNvCxnSpPr/>
+          <p:nvPr/>
+        </p:nvCxnSpPr>
+        <p:spPr>
+          <a:xfrm flipV="1">
+            <a:off x="6294554" y="2452985"/>
+            <a:ext cx="0" cy="1573643"/>
+          </a:xfrm>
+          <a:prstGeom prst="straightConnector1">
+            <a:avLst/>
+          </a:prstGeom>
+          <a:ln>
+            <a:solidFill>
+              <a:schemeClr val="tx1"/>
+            </a:solidFill>
+            <a:tailEnd type="triangle"/>
+          </a:ln>
+        </p:spPr>
+        <p:style>
+          <a:lnRef idx="2">
+            <a:schemeClr val="accent1"/>
+          </a:lnRef>
+          <a:fillRef idx="0">
+            <a:schemeClr val="accent1"/>
+          </a:fillRef>
+          <a:effectRef idx="1">
+            <a:schemeClr val="accent1"/>
+          </a:effectRef>
+          <a:fontRef idx="minor">
+            <a:schemeClr val="tx1"/>
+          </a:fontRef>
+        </p:style>
+      </p:cxnSp>
+      <p:sp>
+        <p:nvSpPr>
+          <p:cNvPr id="63" name="TextBox 62"/>
+          <p:cNvSpPr txBox="1"/>
+          <p:nvPr/>
+        </p:nvSpPr>
+        <p:spPr>
+          <a:xfrm>
+            <a:off x="5524727" y="1510318"/>
+            <a:ext cx="1576866" cy="923330"/>
+          </a:xfrm>
+          <a:prstGeom prst="rect">
+            <a:avLst/>
+          </a:prstGeom>
+          <a:noFill/>
+        </p:spPr>
+        <p:txBody>
+          <a:bodyPr wrap="square" rtlCol="0">
+            <a:spAutoFit/>
+          </a:bodyPr>
+          <a:lstStyle/>
+          <a:p>
+            <a:pPr algn="ctr"/>
+            <a:r>
+              <a:rPr lang="en-US" dirty="0" smtClean="0"/>
+              <a:t>Thesis Writing </a:t>
+            </a:r>
+            <a:r>
+              <a:rPr lang="en-US" smtClean="0"/>
+              <a:t>and Defense Prep</a:t>
+            </a:r>
+            <a:endParaRPr lang="en-US" dirty="0"/>
           </a:p>
         </p:txBody>
       </p:sp>
     </p:spTree>
     <p:extLst>
       <p:ext uri="{BB962C8B-B14F-4D97-AF65-F5344CB8AC3E}">
-        <p14:creationId xmlns:p14="http://schemas.microsoft.com/office/powerpoint/2010/main" val="2491628351"/>
+        <p14:creationId xmlns:p14="http://schemas.microsoft.com/office/powerpoint/2010/main" val="1334990838"/>
       </p:ext>
     </p:extLst>
   </p:cSld>
@@ -4985,7 +6600,7 @@
     </p:spTree>
     <p:extLst>
       <p:ext uri="{BB962C8B-B14F-4D97-AF65-F5344CB8AC3E}">
-        <p14:creationId xmlns:p14="http://schemas.microsoft.com/office/powerpoint/2010/main" val="399616156"/>
+        <p14:creationId xmlns:p14="http://schemas.microsoft.com/office/powerpoint/2010/main" val="1499778607"/>
       </p:ext>
     </p:extLst>
   </p:cSld>
@@ -5132,7 +6747,7 @@
     </p:spTree>
     <p:extLst>
       <p:ext uri="{BB962C8B-B14F-4D97-AF65-F5344CB8AC3E}">
-        <p14:creationId xmlns:p14="http://schemas.microsoft.com/office/powerpoint/2010/main" val="3711425285"/>
+        <p14:creationId xmlns:p14="http://schemas.microsoft.com/office/powerpoint/2010/main" val="1763483010"/>
       </p:ext>
     </p:extLst>
   </p:cSld>
@@ -5379,7 +6994,7 @@
     </p:spTree>
     <p:extLst>
       <p:ext uri="{BB962C8B-B14F-4D97-AF65-F5344CB8AC3E}">
-        <p14:creationId xmlns:p14="http://schemas.microsoft.com/office/powerpoint/2010/main" val="1633372005"/>
+        <p14:creationId xmlns:p14="http://schemas.microsoft.com/office/powerpoint/2010/main" val="1210006352"/>
       </p:ext>
     </p:extLst>
   </p:cSld>
@@ -5431,130 +7046,6 @@
             <p:ph type="title"/>
           </p:nvPr>
         </p:nvSpPr>
-        <p:spPr/>
-        <p:txBody>
-          <a:bodyPr/>
-          <a:lstStyle/>
-          <a:p>
-            <a:r>
-              <a:rPr lang="en-US" dirty="0" smtClean="0"/>
-              <a:t>Agenda</a:t>
-            </a:r>
-            <a:endParaRPr lang="en-US" dirty="0"/>
-          </a:p>
-        </p:txBody>
-      </p:sp>
-      <p:sp>
-        <p:nvSpPr>
-          <p:cNvPr id="3" name="Content Placeholder 2"/>
-          <p:cNvSpPr>
-            <a:spLocks noGrp="1"/>
-          </p:cNvSpPr>
-          <p:nvPr>
-            <p:ph idx="1"/>
-          </p:nvPr>
-        </p:nvSpPr>
-        <p:spPr/>
-        <p:txBody>
-          <a:bodyPr/>
-          <a:lstStyle/>
-          <a:p>
-            <a:r>
-              <a:rPr lang="en-US" dirty="0" smtClean="0"/>
-              <a:t>Introduction / Sequence-discrete populations</a:t>
-            </a:r>
-          </a:p>
-          <a:p>
-            <a:r>
-              <a:rPr lang="en-US" dirty="0" smtClean="0"/>
-              <a:t>Contrasting </a:t>
-            </a:r>
-            <a:r>
-              <a:rPr lang="en-US" dirty="0"/>
-              <a:t>patterns of genome-level diversity across distinct co-occurring populations</a:t>
-            </a:r>
-            <a:endParaRPr lang="en-US" dirty="0" smtClean="0"/>
-          </a:p>
-          <a:p>
-            <a:r>
-              <a:rPr lang="en-US" dirty="0" smtClean="0"/>
-              <a:t>Next Questions</a:t>
-            </a:r>
-          </a:p>
-          <a:p>
-            <a:pPr lvl="1"/>
-            <a:r>
-              <a:rPr lang="en-US" dirty="0" smtClean="0"/>
-              <a:t>Selection within </a:t>
-            </a:r>
-            <a:r>
-              <a:rPr lang="en-US" dirty="0" err="1" smtClean="0"/>
-              <a:t>vs</a:t>
-            </a:r>
-            <a:r>
-              <a:rPr lang="en-US" dirty="0" smtClean="0"/>
-              <a:t> between sequence-discrete populations</a:t>
-            </a:r>
-          </a:p>
-          <a:p>
-            <a:pPr lvl="1"/>
-            <a:r>
-              <a:rPr lang="en-US" dirty="0" smtClean="0"/>
-              <a:t>Comparison of shared Trout Bog and Crystal Bog populations</a:t>
-            </a:r>
-          </a:p>
-          <a:p>
-            <a:endParaRPr lang="en-US" dirty="0"/>
-          </a:p>
-        </p:txBody>
-      </p:sp>
-    </p:spTree>
-    <p:extLst>
-      <p:ext uri="{BB962C8B-B14F-4D97-AF65-F5344CB8AC3E}">
-        <p14:creationId xmlns:p14="http://schemas.microsoft.com/office/powerpoint/2010/main" val="2768573932"/>
-      </p:ext>
-    </p:extLst>
-  </p:cSld>
-  <p:clrMapOvr>
-    <a:masterClrMapping/>
-  </p:clrMapOvr>
-  <p:timing>
-    <p:tnLst>
-      <p:par>
-        <p:cTn id="1" dur="indefinite" restart="never" nodeType="tmRoot"/>
-      </p:par>
-    </p:tnLst>
-  </p:timing>
-</p:sld>
-</file>
-
-<file path=ppt/slides/slide3.xml><?xml version="1.0" encoding="utf-8"?>
-<p:sld xmlns:a="http://schemas.openxmlformats.org/drawingml/2006/main" xmlns:r="http://schemas.openxmlformats.org/officeDocument/2006/relationships" xmlns:p="http://schemas.openxmlformats.org/presentationml/2006/main">
-  <p:cSld>
-    <p:spTree>
-      <p:nvGrpSpPr>
-        <p:cNvPr id="1" name=""/>
-        <p:cNvGrpSpPr/>
-        <p:nvPr/>
-      </p:nvGrpSpPr>
-      <p:grpSpPr>
-        <a:xfrm>
-          <a:off x="0" y="0"/>
-          <a:ext cx="0" cy="0"/>
-          <a:chOff x="0" y="0"/>
-          <a:chExt cx="0" cy="0"/>
-        </a:xfrm>
-      </p:grpSpPr>
-      <p:sp>
-        <p:nvSpPr>
-          <p:cNvPr id="2" name="Title 1"/>
-          <p:cNvSpPr>
-            <a:spLocks noGrp="1"/>
-          </p:cNvSpPr>
-          <p:nvPr>
-            <p:ph type="title"/>
-          </p:nvPr>
-        </p:nvSpPr>
         <p:spPr>
           <a:xfrm>
             <a:off x="457200" y="147633"/>
@@ -5692,7 +7183,7 @@
 </p:sld>
 </file>
 
-<file path=ppt/slides/slide4.xml><?xml version="1.0" encoding="utf-8"?>
+<file path=ppt/slides/slide3.xml><?xml version="1.0" encoding="utf-8"?>
 <p:sld xmlns:a="http://schemas.openxmlformats.org/drawingml/2006/main" xmlns:r="http://schemas.openxmlformats.org/officeDocument/2006/relationships" xmlns:p="http://schemas.openxmlformats.org/presentationml/2006/main">
   <p:cSld>
     <p:spTree>
@@ -5907,7 +7398,7 @@
 </p:sld>
 </file>
 
-<file path=ppt/slides/slide5.xml><?xml version="1.0" encoding="utf-8"?>
+<file path=ppt/slides/slide4.xml><?xml version="1.0" encoding="utf-8"?>
 <p:sld xmlns:a="http://schemas.openxmlformats.org/drawingml/2006/main" xmlns:r="http://schemas.openxmlformats.org/officeDocument/2006/relationships" xmlns:p="http://schemas.openxmlformats.org/presentationml/2006/main">
   <p:cSld>
     <p:spTree>
@@ -5993,6 +7484,78 @@
 </p:sld>
 </file>
 
+<file path=ppt/slides/slide5.xml><?xml version="1.0" encoding="utf-8"?>
+<p:sld xmlns:a="http://schemas.openxmlformats.org/drawingml/2006/main" xmlns:r="http://schemas.openxmlformats.org/officeDocument/2006/relationships" xmlns:p="http://schemas.openxmlformats.org/presentationml/2006/main">
+  <p:cSld>
+    <p:spTree>
+      <p:nvGrpSpPr>
+        <p:cNvPr id="1" name=""/>
+        <p:cNvGrpSpPr/>
+        <p:nvPr/>
+      </p:nvGrpSpPr>
+      <p:grpSpPr>
+        <a:xfrm>
+          <a:off x="0" y="0"/>
+          <a:ext cx="0" cy="0"/>
+          <a:chOff x="0" y="0"/>
+          <a:chExt cx="0" cy="0"/>
+        </a:xfrm>
+      </p:grpSpPr>
+      <p:sp>
+        <p:nvSpPr>
+          <p:cNvPr id="3" name="Title 2"/>
+          <p:cNvSpPr>
+            <a:spLocks noGrp="1"/>
+          </p:cNvSpPr>
+          <p:nvPr>
+            <p:ph type="ctrTitle"/>
+          </p:nvPr>
+        </p:nvSpPr>
+        <p:spPr/>
+        <p:txBody>
+          <a:bodyPr/>
+          <a:lstStyle/>
+          <a:p>
+            <a:r>
+              <a:rPr lang="en-US" dirty="0" smtClean="0"/>
+              <a:t>Current Project</a:t>
+            </a:r>
+            <a:endParaRPr lang="en-US" dirty="0"/>
+          </a:p>
+        </p:txBody>
+      </p:sp>
+      <p:sp>
+        <p:nvSpPr>
+          <p:cNvPr id="4" name="Subtitle 3"/>
+          <p:cNvSpPr>
+            <a:spLocks noGrp="1"/>
+          </p:cNvSpPr>
+          <p:nvPr>
+            <p:ph type="subTitle" idx="1"/>
+          </p:nvPr>
+        </p:nvSpPr>
+        <p:spPr/>
+        <p:txBody>
+          <a:bodyPr/>
+          <a:lstStyle/>
+          <a:p>
+            <a:endParaRPr lang="en-US"/>
+          </a:p>
+        </p:txBody>
+      </p:sp>
+    </p:spTree>
+    <p:extLst>
+      <p:ext uri="{BB962C8B-B14F-4D97-AF65-F5344CB8AC3E}">
+        <p14:creationId xmlns:p14="http://schemas.microsoft.com/office/powerpoint/2010/main" val="2024700940"/>
+      </p:ext>
+    </p:extLst>
+  </p:cSld>
+  <p:clrMapOvr>
+    <a:masterClrMapping/>
+  </p:clrMapOvr>
+</p:sld>
+</file>
+
 <file path=ppt/slides/slide6.xml><?xml version="1.0" encoding="utf-8"?>
 <p:sld xmlns:a="http://schemas.openxmlformats.org/drawingml/2006/main" xmlns:r="http://schemas.openxmlformats.org/officeDocument/2006/relationships" xmlns:p="http://schemas.openxmlformats.org/presentationml/2006/main">
   <p:cSld>
@@ -6012,12 +7575,12 @@
       </p:grpSpPr>
       <p:sp>
         <p:nvSpPr>
-          <p:cNvPr id="3" name="Title 2"/>
-          <p:cNvSpPr>
-            <a:spLocks noGrp="1"/>
-          </p:cNvSpPr>
-          <p:nvPr>
-            <p:ph type="ctrTitle"/>
+          <p:cNvPr id="2" name="Title 1"/>
+          <p:cNvSpPr>
+            <a:spLocks noGrp="1"/>
+          </p:cNvSpPr>
+          <p:nvPr>
+            <p:ph type="title"/>
           </p:nvPr>
         </p:nvSpPr>
         <p:spPr/>
@@ -6027,7 +7590,7 @@
           <a:p>
             <a:r>
               <a:rPr lang="en-US" dirty="0" smtClean="0"/>
-              <a:t>Current Project</a:t>
+              <a:t>Stats on Metagenomes</a:t>
             </a:r>
             <a:endParaRPr lang="en-US" dirty="0"/>
           </a:p>
@@ -6035,27 +7598,231 @@
       </p:sp>
       <p:sp>
         <p:nvSpPr>
-          <p:cNvPr id="4" name="Subtitle 3"/>
-          <p:cNvSpPr>
-            <a:spLocks noGrp="1"/>
-          </p:cNvSpPr>
-          <p:nvPr>
-            <p:ph type="subTitle" idx="1"/>
+          <p:cNvPr id="3" name="Content Placeholder 2"/>
+          <p:cNvSpPr>
+            <a:spLocks noGrp="1"/>
+          </p:cNvSpPr>
+          <p:nvPr>
+            <p:ph sz="half" idx="1"/>
           </p:nvPr>
         </p:nvSpPr>
         <p:spPr/>
         <p:txBody>
-          <a:bodyPr/>
-          <a:lstStyle/>
-          <a:p>
-            <a:endParaRPr lang="en-US"/>
+          <a:bodyPr>
+            <a:normAutofit fontScale="92500" lnSpcReduction="10000"/>
+          </a:bodyPr>
+          <a:lstStyle/>
+          <a:p>
+            <a:r>
+              <a:rPr lang="en-US" dirty="0" smtClean="0"/>
+              <a:t>Crystal </a:t>
+            </a:r>
+            <a:r>
+              <a:rPr lang="en-US" dirty="0" smtClean="0"/>
+              <a:t>Bog </a:t>
+            </a:r>
+          </a:p>
+          <a:p>
+            <a:pPr lvl="1"/>
+            <a:r>
+              <a:rPr lang="en-US" dirty="0" smtClean="0"/>
+              <a:t>2007-2009</a:t>
+            </a:r>
+          </a:p>
+          <a:p>
+            <a:pPr lvl="1"/>
+            <a:r>
+              <a:rPr lang="en-US" dirty="0" smtClean="0"/>
+              <a:t>82 metagenomes</a:t>
+            </a:r>
+          </a:p>
+          <a:p>
+            <a:pPr lvl="1"/>
+            <a:r>
+              <a:rPr lang="en-US" dirty="0" smtClean="0"/>
+              <a:t>20 </a:t>
+            </a:r>
+            <a:r>
+              <a:rPr lang="en-US" dirty="0" err="1" smtClean="0"/>
+              <a:t>Gbp</a:t>
+            </a:r>
+            <a:r>
+              <a:rPr lang="en-US" dirty="0" smtClean="0"/>
+              <a:t> assembled</a:t>
+            </a:r>
+            <a:endParaRPr lang="en-US" dirty="0" smtClean="0"/>
+          </a:p>
+          <a:p>
+            <a:r>
+              <a:rPr lang="en-US" dirty="0" smtClean="0"/>
+              <a:t>Mary </a:t>
+            </a:r>
+            <a:r>
+              <a:rPr lang="en-US" dirty="0" smtClean="0"/>
+              <a:t>Lake </a:t>
+            </a:r>
+          </a:p>
+          <a:p>
+            <a:pPr lvl="1"/>
+            <a:r>
+              <a:rPr lang="en-US" dirty="0" smtClean="0"/>
+              <a:t>2009, 12 depths</a:t>
+            </a:r>
+          </a:p>
+          <a:p>
+            <a:pPr lvl="1"/>
+            <a:r>
+              <a:rPr lang="en-US" dirty="0" smtClean="0"/>
+              <a:t>12 metagenomes</a:t>
+            </a:r>
+          </a:p>
+          <a:p>
+            <a:pPr lvl="1"/>
+            <a:r>
+              <a:rPr lang="en-US" dirty="0" smtClean="0"/>
+              <a:t>11 </a:t>
+            </a:r>
+            <a:r>
+              <a:rPr lang="en-US" dirty="0" err="1" smtClean="0"/>
+              <a:t>Mbp</a:t>
+            </a:r>
+            <a:r>
+              <a:rPr lang="en-US" dirty="0" smtClean="0"/>
+              <a:t> assembled</a:t>
+            </a:r>
+            <a:endParaRPr lang="en-US" dirty="0" smtClean="0"/>
+          </a:p>
+        </p:txBody>
+      </p:sp>
+      <p:sp>
+        <p:nvSpPr>
+          <p:cNvPr id="4" name="Content Placeholder 3"/>
+          <p:cNvSpPr>
+            <a:spLocks noGrp="1"/>
+          </p:cNvSpPr>
+          <p:nvPr>
+            <p:ph sz="half" idx="2"/>
+          </p:nvPr>
+        </p:nvSpPr>
+        <p:spPr/>
+        <p:txBody>
+          <a:bodyPr>
+            <a:normAutofit fontScale="92500" lnSpcReduction="10000"/>
+          </a:bodyPr>
+          <a:lstStyle/>
+          <a:p>
+            <a:r>
+              <a:rPr lang="en-US" dirty="0"/>
+              <a:t>Mendota </a:t>
+            </a:r>
+          </a:p>
+          <a:p>
+            <a:pPr lvl="1"/>
+            <a:r>
+              <a:rPr lang="en-US" dirty="0"/>
+              <a:t>2008-2012</a:t>
+            </a:r>
+          </a:p>
+          <a:p>
+            <a:pPr lvl="1"/>
+            <a:r>
+              <a:rPr lang="en-US" dirty="0"/>
+              <a:t>94 </a:t>
+            </a:r>
+            <a:r>
+              <a:rPr lang="en-US" dirty="0" smtClean="0"/>
+              <a:t>metagenomes</a:t>
+            </a:r>
+          </a:p>
+          <a:p>
+            <a:pPr lvl="1"/>
+            <a:r>
+              <a:rPr lang="en-US" dirty="0" smtClean="0"/>
+              <a:t>11 </a:t>
+            </a:r>
+            <a:r>
+              <a:rPr lang="en-US" dirty="0" err="1"/>
+              <a:t>Gbp</a:t>
+            </a:r>
+            <a:r>
+              <a:rPr lang="en-US" dirty="0"/>
+              <a:t> assembled</a:t>
+            </a:r>
+          </a:p>
+          <a:p>
+            <a:r>
+              <a:rPr lang="en-US" dirty="0"/>
+              <a:t>Trout Bog </a:t>
+            </a:r>
+          </a:p>
+          <a:p>
+            <a:pPr lvl="1"/>
+            <a:r>
+              <a:rPr lang="en-US" dirty="0" err="1"/>
+              <a:t>epilimnion</a:t>
+            </a:r>
+            <a:r>
+              <a:rPr lang="en-US" dirty="0"/>
+              <a:t> </a:t>
+            </a:r>
+          </a:p>
+          <a:p>
+            <a:pPr lvl="2"/>
+            <a:r>
+              <a:rPr lang="en-US" dirty="0" smtClean="0"/>
+              <a:t>2007-2009</a:t>
+            </a:r>
+          </a:p>
+          <a:p>
+            <a:pPr lvl="2"/>
+            <a:r>
+              <a:rPr lang="en-US" dirty="0" smtClean="0"/>
+              <a:t>47 metagenomes</a:t>
+            </a:r>
+            <a:endParaRPr lang="en-US" dirty="0"/>
+          </a:p>
+          <a:p>
+            <a:pPr lvl="1"/>
+            <a:r>
+              <a:rPr lang="en-US" dirty="0" err="1"/>
+              <a:t>hypolimnion</a:t>
+            </a:r>
+            <a:r>
+              <a:rPr lang="en-US" dirty="0"/>
+              <a:t> </a:t>
+            </a:r>
+          </a:p>
+          <a:p>
+            <a:pPr lvl="2"/>
+            <a:r>
+              <a:rPr lang="en-US" dirty="0"/>
+              <a:t>2005, 2007-2009, </a:t>
+            </a:r>
+            <a:r>
+              <a:rPr lang="en-US" dirty="0" smtClean="0"/>
+              <a:t>2012-2013</a:t>
+            </a:r>
+          </a:p>
+          <a:p>
+            <a:pPr lvl="2"/>
+            <a:r>
+              <a:rPr lang="en-US" dirty="0" smtClean="0"/>
+              <a:t>82 metagenomes</a:t>
+            </a:r>
+          </a:p>
+          <a:p>
+            <a:pPr lvl="2"/>
+            <a:endParaRPr lang="en-US" dirty="0"/>
+          </a:p>
+          <a:p>
+            <a:endParaRPr lang="en-US" dirty="0"/>
           </a:p>
         </p:txBody>
       </p:sp>
     </p:spTree>
     <p:extLst>
       <p:ext uri="{BB962C8B-B14F-4D97-AF65-F5344CB8AC3E}">
-        <p14:creationId xmlns:p14="http://schemas.microsoft.com/office/powerpoint/2010/main" val="2024700940"/>
+        <p14:creationId xmlns:p14="http://schemas.microsoft.com/office/powerpoint/2010/main" val="2510057821"/>
       </p:ext>
     </p:extLst>
   </p:cSld>
@@ -6099,281 +7866,9 @@
           <a:p>
             <a:r>
               <a:rPr lang="en-US" dirty="0" smtClean="0"/>
-              <a:t>Stats on Metagenomes</a:t>
+              <a:t>Data Processing</a:t>
             </a:r>
             <a:endParaRPr lang="en-US" dirty="0"/>
-          </a:p>
-        </p:txBody>
-      </p:sp>
-      <p:sp>
-        <p:nvSpPr>
-          <p:cNvPr id="3" name="Content Placeholder 2"/>
-          <p:cNvSpPr>
-            <a:spLocks noGrp="1"/>
-          </p:cNvSpPr>
-          <p:nvPr>
-            <p:ph sz="half" idx="1"/>
-          </p:nvPr>
-        </p:nvSpPr>
-        <p:spPr/>
-        <p:txBody>
-          <a:bodyPr>
-            <a:normAutofit fontScale="92500" lnSpcReduction="10000"/>
-          </a:bodyPr>
-          <a:lstStyle/>
-          <a:p>
-            <a:r>
-              <a:rPr lang="en-US" dirty="0" smtClean="0"/>
-              <a:t>Crystal </a:t>
-            </a:r>
-            <a:r>
-              <a:rPr lang="en-US" dirty="0" smtClean="0"/>
-              <a:t>Bog </a:t>
-            </a:r>
-          </a:p>
-          <a:p>
-            <a:pPr lvl="1"/>
-            <a:r>
-              <a:rPr lang="en-US" dirty="0" smtClean="0"/>
-              <a:t>2007-2009</a:t>
-            </a:r>
-          </a:p>
-          <a:p>
-            <a:pPr lvl="1"/>
-            <a:r>
-              <a:rPr lang="en-US" dirty="0" smtClean="0"/>
-              <a:t>82 metagenomes</a:t>
-            </a:r>
-          </a:p>
-          <a:p>
-            <a:pPr lvl="1"/>
-            <a:r>
-              <a:rPr lang="en-US" dirty="0" smtClean="0"/>
-              <a:t>20 </a:t>
-            </a:r>
-            <a:r>
-              <a:rPr lang="en-US" dirty="0" err="1" smtClean="0"/>
-              <a:t>Gbp</a:t>
-            </a:r>
-            <a:r>
-              <a:rPr lang="en-US" dirty="0" smtClean="0"/>
-              <a:t> assembled</a:t>
-            </a:r>
-            <a:endParaRPr lang="en-US" dirty="0" smtClean="0"/>
-          </a:p>
-          <a:p>
-            <a:r>
-              <a:rPr lang="en-US" dirty="0" smtClean="0"/>
-              <a:t>Mary </a:t>
-            </a:r>
-            <a:r>
-              <a:rPr lang="en-US" dirty="0" smtClean="0"/>
-              <a:t>Lake </a:t>
-            </a:r>
-          </a:p>
-          <a:p>
-            <a:pPr lvl="1"/>
-            <a:r>
-              <a:rPr lang="en-US" dirty="0" smtClean="0"/>
-              <a:t>2009, 12 depths</a:t>
-            </a:r>
-          </a:p>
-          <a:p>
-            <a:pPr lvl="1"/>
-            <a:r>
-              <a:rPr lang="en-US" dirty="0" smtClean="0"/>
-              <a:t>12 metagenomes</a:t>
-            </a:r>
-          </a:p>
-          <a:p>
-            <a:pPr lvl="1"/>
-            <a:r>
-              <a:rPr lang="en-US" dirty="0" smtClean="0"/>
-              <a:t>11 </a:t>
-            </a:r>
-            <a:r>
-              <a:rPr lang="en-US" dirty="0" err="1" smtClean="0"/>
-              <a:t>Mbp</a:t>
-            </a:r>
-            <a:r>
-              <a:rPr lang="en-US" dirty="0" smtClean="0"/>
-              <a:t> assembled</a:t>
-            </a:r>
-            <a:endParaRPr lang="en-US" dirty="0" smtClean="0"/>
-          </a:p>
-        </p:txBody>
-      </p:sp>
-      <p:sp>
-        <p:nvSpPr>
-          <p:cNvPr id="4" name="Content Placeholder 3"/>
-          <p:cNvSpPr>
-            <a:spLocks noGrp="1"/>
-          </p:cNvSpPr>
-          <p:nvPr>
-            <p:ph sz="half" idx="2"/>
-          </p:nvPr>
-        </p:nvSpPr>
-        <p:spPr/>
-        <p:txBody>
-          <a:bodyPr>
-            <a:normAutofit fontScale="92500" lnSpcReduction="10000"/>
-          </a:bodyPr>
-          <a:lstStyle/>
-          <a:p>
-            <a:r>
-              <a:rPr lang="en-US" dirty="0"/>
-              <a:t>Mendota </a:t>
-            </a:r>
-          </a:p>
-          <a:p>
-            <a:pPr lvl="1"/>
-            <a:r>
-              <a:rPr lang="en-US" dirty="0"/>
-              <a:t>2008-2012</a:t>
-            </a:r>
-          </a:p>
-          <a:p>
-            <a:pPr lvl="1"/>
-            <a:r>
-              <a:rPr lang="en-US" dirty="0"/>
-              <a:t>94 </a:t>
-            </a:r>
-            <a:r>
-              <a:rPr lang="en-US" dirty="0" smtClean="0"/>
-              <a:t>metagenomes</a:t>
-            </a:r>
-          </a:p>
-          <a:p>
-            <a:pPr lvl="1"/>
-            <a:r>
-              <a:rPr lang="en-US" dirty="0" smtClean="0"/>
-              <a:t>11 </a:t>
-            </a:r>
-            <a:r>
-              <a:rPr lang="en-US" dirty="0" err="1"/>
-              <a:t>Gbp</a:t>
-            </a:r>
-            <a:r>
-              <a:rPr lang="en-US" dirty="0"/>
-              <a:t> assembled</a:t>
-            </a:r>
-          </a:p>
-          <a:p>
-            <a:r>
-              <a:rPr lang="en-US" dirty="0"/>
-              <a:t>Trout Bog </a:t>
-            </a:r>
-          </a:p>
-          <a:p>
-            <a:pPr lvl="1"/>
-            <a:r>
-              <a:rPr lang="en-US" dirty="0" err="1"/>
-              <a:t>epilimnion</a:t>
-            </a:r>
-            <a:r>
-              <a:rPr lang="en-US" dirty="0"/>
-              <a:t> </a:t>
-            </a:r>
-          </a:p>
-          <a:p>
-            <a:pPr lvl="2"/>
-            <a:r>
-              <a:rPr lang="en-US" dirty="0" smtClean="0"/>
-              <a:t>2007-2009</a:t>
-            </a:r>
-          </a:p>
-          <a:p>
-            <a:pPr lvl="2"/>
-            <a:r>
-              <a:rPr lang="en-US" dirty="0" smtClean="0"/>
-              <a:t>47 metagenomes</a:t>
-            </a:r>
-            <a:endParaRPr lang="en-US" dirty="0"/>
-          </a:p>
-          <a:p>
-            <a:pPr lvl="1"/>
-            <a:r>
-              <a:rPr lang="en-US" dirty="0" err="1"/>
-              <a:t>hypolimnion</a:t>
-            </a:r>
-            <a:r>
-              <a:rPr lang="en-US" dirty="0"/>
-              <a:t> </a:t>
-            </a:r>
-          </a:p>
-          <a:p>
-            <a:pPr lvl="2"/>
-            <a:r>
-              <a:rPr lang="en-US" dirty="0"/>
-              <a:t>2005, 2007-2009, </a:t>
-            </a:r>
-            <a:r>
-              <a:rPr lang="en-US" dirty="0" smtClean="0"/>
-              <a:t>2012-2013</a:t>
-            </a:r>
-          </a:p>
-          <a:p>
-            <a:pPr lvl="2"/>
-            <a:r>
-              <a:rPr lang="en-US" dirty="0" smtClean="0"/>
-              <a:t>82 metagenomes</a:t>
-            </a:r>
-          </a:p>
-          <a:p>
-            <a:pPr lvl="2"/>
-            <a:endParaRPr lang="en-US" dirty="0"/>
-          </a:p>
-          <a:p>
-            <a:endParaRPr lang="en-US" dirty="0"/>
-          </a:p>
-        </p:txBody>
-      </p:sp>
-    </p:spTree>
-    <p:extLst>
-      <p:ext uri="{BB962C8B-B14F-4D97-AF65-F5344CB8AC3E}">
-        <p14:creationId xmlns:p14="http://schemas.microsoft.com/office/powerpoint/2010/main" val="2510057821"/>
-      </p:ext>
-    </p:extLst>
-  </p:cSld>
-  <p:clrMapOvr>
-    <a:masterClrMapping/>
-  </p:clrMapOvr>
-</p:sld>
-</file>
-
-<file path=ppt/slides/slide8.xml><?xml version="1.0" encoding="utf-8"?>
-<p:sld xmlns:a="http://schemas.openxmlformats.org/drawingml/2006/main" xmlns:r="http://schemas.openxmlformats.org/officeDocument/2006/relationships" xmlns:p="http://schemas.openxmlformats.org/presentationml/2006/main">
-  <p:cSld>
-    <p:spTree>
-      <p:nvGrpSpPr>
-        <p:cNvPr id="1" name=""/>
-        <p:cNvGrpSpPr/>
-        <p:nvPr/>
-      </p:nvGrpSpPr>
-      <p:grpSpPr>
-        <a:xfrm>
-          <a:off x="0" y="0"/>
-          <a:ext cx="0" cy="0"/>
-          <a:chOff x="0" y="0"/>
-          <a:chExt cx="0" cy="0"/>
-        </a:xfrm>
-      </p:grpSpPr>
-      <p:sp>
-        <p:nvSpPr>
-          <p:cNvPr id="2" name="Title 1"/>
-          <p:cNvSpPr>
-            <a:spLocks noGrp="1"/>
-          </p:cNvSpPr>
-          <p:nvPr>
-            <p:ph type="title"/>
-          </p:nvPr>
-        </p:nvSpPr>
-        <p:spPr/>
-        <p:txBody>
-          <a:bodyPr/>
-          <a:lstStyle/>
-          <a:p>
-            <a:endParaRPr lang="en-US"/>
           </a:p>
         </p:txBody>
       </p:sp>
@@ -6419,6 +7914,255 @@
 </p:sld>
 </file>
 
+<file path=ppt/slides/slide8.xml><?xml version="1.0" encoding="utf-8"?>
+<p:sld xmlns:a="http://schemas.openxmlformats.org/drawingml/2006/main" xmlns:r="http://schemas.openxmlformats.org/officeDocument/2006/relationships" xmlns:p="http://schemas.openxmlformats.org/presentationml/2006/main">
+  <p:cSld>
+    <p:spTree>
+      <p:nvGrpSpPr>
+        <p:cNvPr id="1" name=""/>
+        <p:cNvGrpSpPr/>
+        <p:nvPr/>
+      </p:nvGrpSpPr>
+      <p:grpSpPr>
+        <a:xfrm>
+          <a:off x="0" y="0"/>
+          <a:ext cx="0" cy="0"/>
+          <a:chOff x="0" y="0"/>
+          <a:chExt cx="0" cy="0"/>
+        </a:xfrm>
+      </p:grpSpPr>
+      <p:sp>
+        <p:nvSpPr>
+          <p:cNvPr id="2" name="Title 1"/>
+          <p:cNvSpPr>
+            <a:spLocks noGrp="1"/>
+          </p:cNvSpPr>
+          <p:nvPr>
+            <p:ph type="title"/>
+          </p:nvPr>
+        </p:nvSpPr>
+        <p:spPr/>
+        <p:txBody>
+          <a:bodyPr/>
+          <a:lstStyle/>
+          <a:p>
+            <a:r>
+              <a:rPr lang="en-US" dirty="0" smtClean="0"/>
+              <a:t>Stats on MAGs so far</a:t>
+            </a:r>
+            <a:endParaRPr lang="en-US" dirty="0"/>
+          </a:p>
+        </p:txBody>
+      </p:sp>
+      <p:sp>
+        <p:nvSpPr>
+          <p:cNvPr id="3" name="Content Placeholder 2"/>
+          <p:cNvSpPr>
+            <a:spLocks noGrp="1"/>
+          </p:cNvSpPr>
+          <p:nvPr>
+            <p:ph idx="1"/>
+          </p:nvPr>
+        </p:nvSpPr>
+        <p:spPr/>
+        <p:txBody>
+          <a:bodyPr>
+            <a:normAutofit fontScale="92500" lnSpcReduction="10000"/>
+          </a:bodyPr>
+          <a:lstStyle/>
+          <a:p>
+            <a:r>
+              <a:rPr lang="en-US" dirty="0" smtClean="0"/>
+              <a:t>Crystal Bog</a:t>
+            </a:r>
+          </a:p>
+          <a:p>
+            <a:pPr lvl="1"/>
+            <a:r>
+              <a:rPr lang="en-US" dirty="0"/>
+              <a:t>2505 bins, 564 passed </a:t>
+            </a:r>
+            <a:r>
+              <a:rPr lang="en-US" dirty="0" smtClean="0"/>
+              <a:t>filtering</a:t>
+            </a:r>
+          </a:p>
+          <a:p>
+            <a:pPr lvl="1"/>
+            <a:r>
+              <a:rPr lang="en-US" dirty="0"/>
+              <a:t>Phyla with &gt; 10 bins:  </a:t>
+            </a:r>
+            <a:endParaRPr lang="en-US" dirty="0" smtClean="0"/>
+          </a:p>
+          <a:p>
+            <a:pPr lvl="2"/>
+            <a:r>
+              <a:rPr lang="en-US" dirty="0" err="1" smtClean="0"/>
+              <a:t>Actinobacteria</a:t>
+            </a:r>
+            <a:r>
+              <a:rPr lang="en-US" dirty="0" smtClean="0"/>
+              <a:t>(342), </a:t>
+            </a:r>
+            <a:r>
+              <a:rPr lang="en-US" dirty="0" err="1" smtClean="0"/>
+              <a:t>Proteobacteria</a:t>
+            </a:r>
+            <a:r>
+              <a:rPr lang="en-US" dirty="0" smtClean="0"/>
+              <a:t>(267), </a:t>
+            </a:r>
+            <a:r>
+              <a:rPr lang="en-US" dirty="0" err="1" smtClean="0"/>
+              <a:t>Verrucomicrobia</a:t>
+            </a:r>
+            <a:r>
+              <a:rPr lang="en-US" dirty="0" smtClean="0"/>
+              <a:t>(113), </a:t>
+            </a:r>
+            <a:r>
+              <a:rPr lang="en-US" dirty="0" err="1" smtClean="0"/>
+              <a:t>Bacteroidetes</a:t>
+            </a:r>
+            <a:r>
+              <a:rPr lang="en-US" dirty="0" smtClean="0"/>
+              <a:t>(41), </a:t>
+            </a:r>
+            <a:r>
+              <a:rPr lang="en-US" dirty="0" err="1"/>
+              <a:t>Candidatus</a:t>
+            </a:r>
+            <a:r>
+              <a:rPr lang="en-US" dirty="0"/>
+              <a:t> </a:t>
+            </a:r>
+            <a:r>
+              <a:rPr lang="en-US" dirty="0" err="1" smtClean="0"/>
+              <a:t>Saccharibacteria</a:t>
+            </a:r>
+            <a:r>
+              <a:rPr lang="en-US" dirty="0" smtClean="0"/>
+              <a:t>(31), </a:t>
+            </a:r>
+            <a:r>
+              <a:rPr lang="en-US" dirty="0" err="1" smtClean="0"/>
+              <a:t>Chlorobi</a:t>
+            </a:r>
+            <a:r>
+              <a:rPr lang="en-US" dirty="0" smtClean="0"/>
+              <a:t>(29), </a:t>
+            </a:r>
+            <a:r>
+              <a:rPr lang="en-US" dirty="0" err="1" smtClean="0"/>
+              <a:t>Parcubacteria</a:t>
+            </a:r>
+            <a:r>
+              <a:rPr lang="en-US" dirty="0" smtClean="0"/>
+              <a:t> (10), </a:t>
+            </a:r>
+          </a:p>
+          <a:p>
+            <a:r>
+              <a:rPr lang="en-US" dirty="0" smtClean="0"/>
+              <a:t>Mary </a:t>
+            </a:r>
+            <a:r>
+              <a:rPr lang="en-US" dirty="0" smtClean="0"/>
+              <a:t>Lake</a:t>
+            </a:r>
+          </a:p>
+          <a:p>
+            <a:pPr lvl="1"/>
+            <a:r>
+              <a:rPr lang="en-US" dirty="0"/>
+              <a:t>352 bins, 104 passed </a:t>
+            </a:r>
+            <a:r>
+              <a:rPr lang="en-US" dirty="0" smtClean="0"/>
+              <a:t>filtering</a:t>
+            </a:r>
+          </a:p>
+          <a:p>
+            <a:pPr lvl="1"/>
+            <a:r>
+              <a:rPr lang="en-US" dirty="0" smtClean="0"/>
+              <a:t>Phyla </a:t>
+            </a:r>
+            <a:r>
+              <a:rPr lang="en-US" dirty="0"/>
+              <a:t>with &gt; 10 bins</a:t>
+            </a:r>
+            <a:r>
+              <a:rPr lang="en-US" dirty="0" smtClean="0"/>
+              <a:t>:</a:t>
+            </a:r>
+          </a:p>
+          <a:p>
+            <a:pPr lvl="2"/>
+            <a:r>
+              <a:rPr lang="en-US" dirty="0" err="1" smtClean="0"/>
+              <a:t>Proteobacteria</a:t>
+            </a:r>
+            <a:r>
+              <a:rPr lang="en-US" dirty="0" smtClean="0"/>
+              <a:t>(99), </a:t>
+            </a:r>
+            <a:r>
+              <a:rPr lang="en-US" dirty="0" err="1" smtClean="0"/>
+              <a:t>Actinobacteria</a:t>
+            </a:r>
+            <a:r>
+              <a:rPr lang="en-US" dirty="0" smtClean="0"/>
+              <a:t>(34), </a:t>
+            </a:r>
+            <a:r>
+              <a:rPr lang="en-US" dirty="0" err="1" smtClean="0"/>
+              <a:t>Planctomycetes</a:t>
+            </a:r>
+            <a:r>
+              <a:rPr lang="en-US" dirty="0" smtClean="0"/>
+              <a:t>(21), </a:t>
+            </a:r>
+            <a:r>
+              <a:rPr lang="en-US" dirty="0" err="1" smtClean="0"/>
+              <a:t>Verrucomicrobia</a:t>
+            </a:r>
+            <a:r>
+              <a:rPr lang="en-US" dirty="0" smtClean="0"/>
+              <a:t>(18), </a:t>
+            </a:r>
+            <a:r>
+              <a:rPr lang="en-US" dirty="0" err="1" smtClean="0"/>
+              <a:t>Bacteroidetes</a:t>
+            </a:r>
+            <a:r>
+              <a:rPr lang="en-US" dirty="0" smtClean="0"/>
+              <a:t>(18), Cyanobacteria(11)</a:t>
+            </a:r>
+          </a:p>
+          <a:p>
+            <a:pPr lvl="2"/>
+            <a:endParaRPr lang="en-US" dirty="0"/>
+          </a:p>
+          <a:p>
+            <a:endParaRPr lang="en-US" dirty="0"/>
+          </a:p>
+        </p:txBody>
+      </p:sp>
+    </p:spTree>
+    <p:extLst>
+      <p:ext uri="{BB962C8B-B14F-4D97-AF65-F5344CB8AC3E}">
+        <p14:creationId xmlns:p14="http://schemas.microsoft.com/office/powerpoint/2010/main" val="3930018211"/>
+      </p:ext>
+    </p:extLst>
+  </p:cSld>
+  <p:clrMapOvr>
+    <a:masterClrMapping/>
+  </p:clrMapOvr>
+</p:sld>
+</file>
+
 <file path=ppt/slides/slide9.xml><?xml version="1.0" encoding="utf-8"?>
 <p:sld xmlns:a="http://schemas.openxmlformats.org/drawingml/2006/main" xmlns:r="http://schemas.openxmlformats.org/officeDocument/2006/relationships" xmlns:p="http://schemas.openxmlformats.org/presentationml/2006/main">
   <p:cSld>
@@ -6453,7 +8197,7 @@
           <a:p>
             <a:r>
               <a:rPr lang="en-US" dirty="0" smtClean="0"/>
-              <a:t>Stats on MAGs so far</a:t>
+              <a:t>Questions</a:t>
             </a:r>
             <a:endParaRPr lang="en-US" dirty="0"/>
           </a:p>
@@ -6471,186 +8215,38 @@
         </p:nvSpPr>
         <p:spPr/>
         <p:txBody>
-          <a:bodyPr>
-            <a:normAutofit fontScale="92500" lnSpcReduction="10000"/>
-          </a:bodyPr>
-          <a:lstStyle/>
-          <a:p>
-            <a:r>
-              <a:rPr lang="en-US" dirty="0" smtClean="0"/>
-              <a:t>Crystal Bog</a:t>
-            </a:r>
-          </a:p>
-          <a:p>
-            <a:pPr lvl="1"/>
+          <a:bodyPr/>
+          <a:lstStyle/>
+          <a:p>
+            <a:r>
+              <a:rPr lang="en-US" dirty="0" smtClean="0"/>
+              <a:t>Are </a:t>
+            </a:r>
             <a:r>
               <a:rPr lang="en-US" dirty="0"/>
-              <a:t>2505 bins, 564 passed </a:t>
-            </a:r>
-            <a:r>
-              <a:rPr lang="en-US" dirty="0" smtClean="0"/>
-              <a:t>filtering</a:t>
-            </a:r>
-          </a:p>
-          <a:p>
-            <a:pPr lvl="1"/>
+              <a:t>there ecologically distinct strains/genotypes within previously defined sequence-discrete populations?</a:t>
+            </a:r>
+          </a:p>
+          <a:p>
             <a:r>
               <a:rPr lang="en-US" dirty="0"/>
-              <a:t>Phyla with &gt; 10 bins:  </a:t>
+              <a:t>What stage of speciation are these distinct strains/genotypes at in their separation? </a:t>
             </a:r>
             <a:endParaRPr lang="en-US" dirty="0" smtClean="0"/>
           </a:p>
           <a:p>
-            <a:pPr lvl="2"/>
-            <a:r>
-              <a:rPr lang="en-US" dirty="0" err="1" smtClean="0"/>
-              <a:t>Actinobacteria</a:t>
-            </a:r>
-            <a:r>
-              <a:rPr lang="en-US" dirty="0" smtClean="0"/>
-              <a:t>(342), </a:t>
-            </a:r>
-            <a:r>
-              <a:rPr lang="en-US" dirty="0" err="1" smtClean="0"/>
-              <a:t>Proteobacteria</a:t>
-            </a:r>
-            <a:r>
-              <a:rPr lang="en-US" dirty="0" smtClean="0"/>
-              <a:t>(267), </a:t>
-            </a:r>
-            <a:r>
-              <a:rPr lang="en-US" dirty="0" err="1" smtClean="0"/>
-              <a:t>Verrucomicrobia</a:t>
-            </a:r>
-            <a:r>
-              <a:rPr lang="en-US" dirty="0" smtClean="0"/>
-              <a:t>(113), </a:t>
-            </a:r>
-            <a:r>
-              <a:rPr lang="en-US" dirty="0" err="1" smtClean="0"/>
-              <a:t>Bacteroidetes</a:t>
-            </a:r>
-            <a:r>
-              <a:rPr lang="en-US" dirty="0" smtClean="0"/>
-              <a:t>(41), </a:t>
-            </a:r>
-            <a:r>
-              <a:rPr lang="en-US" dirty="0" err="1"/>
-              <a:t>Candidatus</a:t>
+            <a:r>
+              <a:rPr lang="en-US" dirty="0" smtClean="0"/>
+              <a:t>Is </a:t>
             </a:r>
             <a:r>
               <a:rPr lang="en-US" dirty="0"/>
-              <a:t> </a:t>
-            </a:r>
-            <a:r>
-              <a:rPr lang="en-US" dirty="0" err="1" smtClean="0"/>
-              <a:t>Saccharibacteria</a:t>
-            </a:r>
-            <a:r>
-              <a:rPr lang="en-US" dirty="0" smtClean="0"/>
-              <a:t>(31), </a:t>
-            </a:r>
-            <a:r>
-              <a:rPr lang="en-US" dirty="0" err="1" smtClean="0"/>
-              <a:t>Chlorobi</a:t>
-            </a:r>
-            <a:r>
-              <a:rPr lang="en-US" dirty="0" smtClean="0"/>
-              <a:t>(29), </a:t>
-            </a:r>
-            <a:r>
-              <a:rPr lang="en-US" dirty="0" err="1" smtClean="0"/>
-              <a:t>Parcubacteria</a:t>
-            </a:r>
-            <a:r>
-              <a:rPr lang="en-US" dirty="0" smtClean="0"/>
-              <a:t> (10), </a:t>
-            </a:r>
-          </a:p>
-          <a:p>
-            <a:r>
-              <a:rPr lang="en-US" dirty="0" smtClean="0"/>
-              <a:t>Mary </a:t>
-            </a:r>
-            <a:r>
-              <a:rPr lang="en-US" dirty="0" smtClean="0"/>
-              <a:t>Lake</a:t>
-            </a:r>
-          </a:p>
-          <a:p>
-            <a:pPr lvl="1"/>
-            <a:r>
-              <a:rPr lang="en-US" dirty="0"/>
-              <a:t>352 bins, 104 passed </a:t>
-            </a:r>
-            <a:r>
-              <a:rPr lang="en-US" dirty="0" smtClean="0"/>
-              <a:t>filtering</a:t>
-            </a:r>
-          </a:p>
-          <a:p>
-            <a:pPr lvl="1"/>
-            <a:r>
-              <a:rPr lang="en-US" dirty="0" smtClean="0"/>
-              <a:t>Phyla </a:t>
-            </a:r>
-            <a:r>
-              <a:rPr lang="en-US" dirty="0"/>
-              <a:t>with &gt; 10 bins</a:t>
-            </a:r>
-            <a:r>
-              <a:rPr lang="en-US" dirty="0" smtClean="0"/>
-              <a:t>:</a:t>
-            </a:r>
-          </a:p>
-          <a:p>
-            <a:pPr lvl="2"/>
-            <a:r>
-              <a:rPr lang="en-US" dirty="0" err="1" smtClean="0"/>
-              <a:t>Proteobacteria</a:t>
-            </a:r>
-            <a:r>
-              <a:rPr lang="en-US" dirty="0" smtClean="0"/>
-              <a:t>(99), </a:t>
-            </a:r>
-            <a:r>
-              <a:rPr lang="en-US" dirty="0" err="1" smtClean="0"/>
-              <a:t>Actinobacteria</a:t>
-            </a:r>
-            <a:r>
-              <a:rPr lang="en-US" dirty="0" smtClean="0"/>
-              <a:t>(34), </a:t>
-            </a:r>
-            <a:r>
-              <a:rPr lang="en-US" dirty="0" err="1" smtClean="0"/>
-              <a:t>Planctomycetes</a:t>
-            </a:r>
-            <a:r>
-              <a:rPr lang="en-US" dirty="0" smtClean="0"/>
-              <a:t>(21), </a:t>
-            </a:r>
-            <a:r>
-              <a:rPr lang="en-US" dirty="0" err="1" smtClean="0"/>
-              <a:t>Verrucomicrobia</a:t>
-            </a:r>
-            <a:r>
-              <a:rPr lang="en-US" dirty="0" smtClean="0"/>
-              <a:t>(18), </a:t>
-            </a:r>
-            <a:r>
-              <a:rPr lang="en-US" dirty="0" err="1" smtClean="0"/>
-              <a:t>Bacteroidetes</a:t>
-            </a:r>
-            <a:r>
-              <a:rPr lang="en-US" dirty="0" smtClean="0"/>
-              <a:t>(18), Cyanobacteria(11)</a:t>
-            </a:r>
-          </a:p>
-          <a:p>
-            <a:pPr lvl="2"/>
-            <a:endParaRPr lang="en-US" dirty="0"/>
-          </a:p>
-          <a:p>
+              <a:t>there a barrier </a:t>
+            </a:r>
+            <a:r>
+              <a:rPr lang="en-US" dirty="0" smtClean="0"/>
+              <a:t>to recombination between co-exiting strains?</a:t>
+            </a:r>
             <a:endParaRPr lang="en-US" dirty="0"/>
           </a:p>
         </p:txBody>
@@ -6658,7 +8254,7 @@
     </p:spTree>
     <p:extLst>
       <p:ext uri="{BB962C8B-B14F-4D97-AF65-F5344CB8AC3E}">
-        <p14:creationId xmlns:p14="http://schemas.microsoft.com/office/powerpoint/2010/main" val="3930018211"/>
+        <p14:creationId xmlns:p14="http://schemas.microsoft.com/office/powerpoint/2010/main" val="2491628351"/>
       </p:ext>
     </p:extLst>
   </p:cSld>

--- a/5YCM/Slides_5YCM.pptx
+++ b/5YCM/Slides_5YCM.pptx
@@ -5,24 +5,26 @@
     <p:sldMasterId id="2147483648" r:id="rId1"/>
   </p:sldMasterIdLst>
   <p:notesMasterIdLst>
-    <p:notesMasterId r:id="rId17"/>
+    <p:notesMasterId r:id="rId19"/>
   </p:notesMasterIdLst>
   <p:sldIdLst>
     <p:sldId id="283" r:id="rId2"/>
-    <p:sldId id="279" r:id="rId3"/>
-    <p:sldId id="280" r:id="rId4"/>
-    <p:sldId id="271" r:id="rId5"/>
-    <p:sldId id="281" r:id="rId6"/>
-    <p:sldId id="284" r:id="rId7"/>
-    <p:sldId id="286" r:id="rId8"/>
-    <p:sldId id="285" r:id="rId9"/>
-    <p:sldId id="287" r:id="rId10"/>
-    <p:sldId id="288" r:id="rId11"/>
-    <p:sldId id="259" r:id="rId12"/>
-    <p:sldId id="260" r:id="rId13"/>
-    <p:sldId id="289" r:id="rId14"/>
-    <p:sldId id="290" r:id="rId15"/>
-    <p:sldId id="291" r:id="rId16"/>
+    <p:sldId id="292" r:id="rId3"/>
+    <p:sldId id="293" r:id="rId4"/>
+    <p:sldId id="279" r:id="rId5"/>
+    <p:sldId id="280" r:id="rId6"/>
+    <p:sldId id="271" r:id="rId7"/>
+    <p:sldId id="281" r:id="rId8"/>
+    <p:sldId id="287" r:id="rId9"/>
+    <p:sldId id="284" r:id="rId10"/>
+    <p:sldId id="286" r:id="rId11"/>
+    <p:sldId id="285" r:id="rId12"/>
+    <p:sldId id="288" r:id="rId13"/>
+    <p:sldId id="259" r:id="rId14"/>
+    <p:sldId id="260" r:id="rId15"/>
+    <p:sldId id="289" r:id="rId16"/>
+    <p:sldId id="290" r:id="rId17"/>
+    <p:sldId id="291" r:id="rId18"/>
   </p:sldIdLst>
   <p:sldSz cx="9144000" cy="6858000" type="screen4x3"/>
   <p:notesSz cx="6858000" cy="9144000"/>
@@ -127,6 +129,8 @@
         <p14:section name="Default Section" id="{758B7049-0ADF-8F49-B7F9-64A0A5BF8FB7}">
           <p14:sldIdLst>
             <p14:sldId id="283"/>
+            <p14:sldId id="292"/>
+            <p14:sldId id="293"/>
           </p14:sldIdLst>
         </p14:section>
         <p14:section name="Intro" id="{D8B685A9-0AAD-7543-883D-95E09FCFE2CC}">
@@ -139,10 +143,10 @@
         <p14:section name="newQ speciation" id="{D4EF7B4F-9358-EF46-9E72-ABD9447F9847}">
           <p14:sldIdLst>
             <p14:sldId id="281"/>
+            <p14:sldId id="287"/>
             <p14:sldId id="284"/>
             <p14:sldId id="286"/>
             <p14:sldId id="285"/>
-            <p14:sldId id="287"/>
             <p14:sldId id="288"/>
           </p14:sldIdLst>
         </p14:section>
@@ -660,7 +664,7 @@
           <a:p>
             <a:fld id="{35EF5441-D692-534E-884D-601F4C7E917A}" type="slidenum">
               <a:rPr lang="en-US" smtClean="0"/>
-              <a:t>2</a:t>
+              <a:t>4</a:t>
             </a:fld>
             <a:endParaRPr lang="en-US"/>
           </a:p>
@@ -744,7 +748,7 @@
           <a:p>
             <a:fld id="{03226FDB-C243-F04F-A3A4-63881AA9751B}" type="slidenum">
               <a:rPr lang="en-US" smtClean="0"/>
-              <a:t>3</a:t>
+              <a:t>5</a:t>
             </a:fld>
             <a:endParaRPr lang="en-US"/>
           </a:p>
@@ -828,7 +832,7 @@
           <a:p>
             <a:fld id="{03226FDB-C243-F04F-A3A4-63881AA9751B}" type="slidenum">
               <a:rPr lang="en-US" smtClean="0"/>
-              <a:t>6</a:t>
+              <a:t>9</a:t>
             </a:fld>
             <a:endParaRPr lang="en-US"/>
           </a:p>
@@ -923,7 +927,7 @@
           <a:p>
             <a:fld id="{03226FDB-C243-F04F-A3A4-63881AA9751B}" type="slidenum">
               <a:rPr lang="en-US" smtClean="0"/>
-              <a:t>8</a:t>
+              <a:t>11</a:t>
             </a:fld>
             <a:endParaRPr lang="en-US"/>
           </a:p>
@@ -1007,7 +1011,7 @@
           <a:p>
             <a:fld id="{03226FDB-C243-F04F-A3A4-63881AA9751B}" type="slidenum">
               <a:rPr lang="en-US" smtClean="0"/>
-              <a:t>10</a:t>
+              <a:t>12</a:t>
             </a:fld>
             <a:endParaRPr lang="en-US"/>
           </a:p>
@@ -1114,7 +1118,7 @@
           <a:p>
             <a:fld id="{E24C21EA-28B2-0442-AFB4-706342F125BD}" type="slidenum">
               <a:rPr lang="en-US" smtClean="0"/>
-              <a:t>11</a:t>
+              <a:t>13</a:t>
             </a:fld>
             <a:endParaRPr lang="en-US"/>
           </a:p>
@@ -1183,13 +1187,8 @@
             </a:r>
             <a:r>
               <a:rPr lang="en-US" baseline="0" dirty="0" smtClean="0"/>
-              <a:t> Lake never mixes-</a:t>
-            </a:r>
-            <a:r>
-              <a:rPr lang="en-US" baseline="0" smtClean="0"/>
-              <a:t>meromictic</a:t>
-            </a:r>
-            <a:endParaRPr lang="en-US" baseline="0" dirty="0" smtClean="0"/>
+              <a:t> Lake never mixes-meromictic</a:t>
+            </a:r>
           </a:p>
           <a:p>
             <a:r>
@@ -1217,7 +1216,7 @@
           <a:p>
             <a:fld id="{E24C21EA-28B2-0442-AFB4-706342F125BD}" type="slidenum">
               <a:rPr lang="en-US" smtClean="0"/>
-              <a:t>12</a:t>
+              <a:t>14</a:t>
             </a:fld>
             <a:endParaRPr lang="en-US"/>
           </a:p>
@@ -1305,7 +1304,7 @@
           <a:p>
             <a:fld id="{03226FDB-C243-F04F-A3A4-63881AA9751B}" type="slidenum">
               <a:rPr lang="en-US" smtClean="0"/>
-              <a:t>14</a:t>
+              <a:t>16</a:t>
             </a:fld>
             <a:endParaRPr lang="en-US"/>
           </a:p>
@@ -4478,6 +4477,337 @@
 </file>
 
 <file path=ppt/slides/slide10.xml><?xml version="1.0" encoding="utf-8"?>
+<p:sld xmlns:a="http://schemas.openxmlformats.org/drawingml/2006/main" xmlns:r="http://schemas.openxmlformats.org/officeDocument/2006/relationships" xmlns:p="http://schemas.openxmlformats.org/presentationml/2006/main">
+  <p:cSld>
+    <p:spTree>
+      <p:nvGrpSpPr>
+        <p:cNvPr id="1" name=""/>
+        <p:cNvGrpSpPr/>
+        <p:nvPr/>
+      </p:nvGrpSpPr>
+      <p:grpSpPr>
+        <a:xfrm>
+          <a:off x="0" y="0"/>
+          <a:ext cx="0" cy="0"/>
+          <a:chOff x="0" y="0"/>
+          <a:chExt cx="0" cy="0"/>
+        </a:xfrm>
+      </p:grpSpPr>
+      <p:sp>
+        <p:nvSpPr>
+          <p:cNvPr id="2" name="Title 1"/>
+          <p:cNvSpPr>
+            <a:spLocks noGrp="1"/>
+          </p:cNvSpPr>
+          <p:nvPr>
+            <p:ph type="title"/>
+          </p:nvPr>
+        </p:nvSpPr>
+        <p:spPr/>
+        <p:txBody>
+          <a:bodyPr/>
+          <a:lstStyle/>
+          <a:p>
+            <a:r>
+              <a:rPr lang="en-US" dirty="0" smtClean="0"/>
+              <a:t>Data Processing</a:t>
+            </a:r>
+            <a:endParaRPr lang="en-US" dirty="0"/>
+          </a:p>
+        </p:txBody>
+      </p:sp>
+      <p:pic>
+        <p:nvPicPr>
+          <p:cNvPr id="5" name="Picture 4" descr="binning_experimental_plan_diagram_to_mapping.png"/>
+          <p:cNvPicPr>
+            <a:picLocks noChangeAspect="1"/>
+          </p:cNvPicPr>
+          <p:nvPr/>
+        </p:nvPicPr>
+        <p:blipFill rotWithShape="1">
+          <a:blip r:embed="rId2">
+            <a:extLst>
+              <a:ext uri="{28A0092B-C50C-407E-A947-70E740481C1C}">
+                <a14:useLocalDpi xmlns:a14="http://schemas.microsoft.com/office/drawing/2010/main" val="0"/>
+              </a:ext>
+            </a:extLst>
+          </a:blip>
+          <a:srcRect l="700" t="1628" r="774" b="1603"/>
+          <a:stretch/>
+        </p:blipFill>
+        <p:spPr>
+          <a:xfrm>
+            <a:off x="63960" y="1763305"/>
+            <a:ext cx="9009227" cy="4129648"/>
+          </a:xfrm>
+          <a:prstGeom prst="rect">
+            <a:avLst/>
+          </a:prstGeom>
+        </p:spPr>
+      </p:pic>
+    </p:spTree>
+    <p:extLst>
+      <p:ext uri="{BB962C8B-B14F-4D97-AF65-F5344CB8AC3E}">
+        <p14:creationId xmlns:p14="http://schemas.microsoft.com/office/powerpoint/2010/main" val="484787663"/>
+      </p:ext>
+    </p:extLst>
+  </p:cSld>
+  <p:clrMapOvr>
+    <a:masterClrMapping/>
+  </p:clrMapOvr>
+</p:sld>
+</file>
+
+<file path=ppt/slides/slide11.xml><?xml version="1.0" encoding="utf-8"?>
+<p:sld xmlns:a="http://schemas.openxmlformats.org/drawingml/2006/main" xmlns:r="http://schemas.openxmlformats.org/officeDocument/2006/relationships" xmlns:p="http://schemas.openxmlformats.org/presentationml/2006/main">
+  <p:cSld>
+    <p:spTree>
+      <p:nvGrpSpPr>
+        <p:cNvPr id="1" name=""/>
+        <p:cNvGrpSpPr/>
+        <p:nvPr/>
+      </p:nvGrpSpPr>
+      <p:grpSpPr>
+        <a:xfrm>
+          <a:off x="0" y="0"/>
+          <a:ext cx="0" cy="0"/>
+          <a:chOff x="0" y="0"/>
+          <a:chExt cx="0" cy="0"/>
+        </a:xfrm>
+      </p:grpSpPr>
+      <p:sp>
+        <p:nvSpPr>
+          <p:cNvPr id="2" name="Title 1"/>
+          <p:cNvSpPr>
+            <a:spLocks noGrp="1"/>
+          </p:cNvSpPr>
+          <p:nvPr>
+            <p:ph type="title"/>
+          </p:nvPr>
+        </p:nvSpPr>
+        <p:spPr/>
+        <p:txBody>
+          <a:bodyPr/>
+          <a:lstStyle/>
+          <a:p>
+            <a:r>
+              <a:rPr lang="en-US" dirty="0" smtClean="0"/>
+              <a:t>Stats on MAGs so far</a:t>
+            </a:r>
+            <a:endParaRPr lang="en-US" dirty="0"/>
+          </a:p>
+        </p:txBody>
+      </p:sp>
+      <p:sp>
+        <p:nvSpPr>
+          <p:cNvPr id="3" name="Content Placeholder 2"/>
+          <p:cNvSpPr>
+            <a:spLocks noGrp="1"/>
+          </p:cNvSpPr>
+          <p:nvPr>
+            <p:ph idx="1"/>
+          </p:nvPr>
+        </p:nvSpPr>
+        <p:spPr/>
+        <p:txBody>
+          <a:bodyPr>
+            <a:normAutofit fontScale="92500" lnSpcReduction="10000"/>
+          </a:bodyPr>
+          <a:lstStyle/>
+          <a:p>
+            <a:r>
+              <a:rPr lang="en-US" dirty="0" smtClean="0"/>
+              <a:t>Crystal Bog</a:t>
+            </a:r>
+          </a:p>
+          <a:p>
+            <a:pPr lvl="1"/>
+            <a:r>
+              <a:rPr lang="en-US" dirty="0"/>
+              <a:t>2505 bins, 564 passed </a:t>
+            </a:r>
+            <a:r>
+              <a:rPr lang="en-US" dirty="0" smtClean="0"/>
+              <a:t>filtering</a:t>
+            </a:r>
+          </a:p>
+          <a:p>
+            <a:pPr lvl="1"/>
+            <a:r>
+              <a:rPr lang="en-US" dirty="0"/>
+              <a:t>Phyla with &gt; 10 bins:  </a:t>
+            </a:r>
+            <a:endParaRPr lang="en-US" dirty="0" smtClean="0"/>
+          </a:p>
+          <a:p>
+            <a:pPr lvl="2"/>
+            <a:r>
+              <a:rPr lang="en-US" dirty="0" err="1" smtClean="0"/>
+              <a:t>Actinobacteria</a:t>
+            </a:r>
+            <a:r>
+              <a:rPr lang="en-US" dirty="0" smtClean="0"/>
+              <a:t>(342), </a:t>
+            </a:r>
+            <a:r>
+              <a:rPr lang="en-US" dirty="0" err="1" smtClean="0"/>
+              <a:t>Proteobacteria</a:t>
+            </a:r>
+            <a:r>
+              <a:rPr lang="en-US" dirty="0" smtClean="0"/>
+              <a:t>(267), </a:t>
+            </a:r>
+            <a:r>
+              <a:rPr lang="en-US" dirty="0" err="1" smtClean="0"/>
+              <a:t>Verrucomicrobia</a:t>
+            </a:r>
+            <a:r>
+              <a:rPr lang="en-US" dirty="0" smtClean="0"/>
+              <a:t>(113), </a:t>
+            </a:r>
+            <a:r>
+              <a:rPr lang="en-US" dirty="0" err="1" smtClean="0"/>
+              <a:t>Bacteroidetes</a:t>
+            </a:r>
+            <a:r>
+              <a:rPr lang="en-US" dirty="0" smtClean="0"/>
+              <a:t>(41), </a:t>
+            </a:r>
+            <a:r>
+              <a:rPr lang="en-US" dirty="0" err="1"/>
+              <a:t>Candidatus</a:t>
+            </a:r>
+            <a:r>
+              <a:rPr lang="en-US" dirty="0"/>
+              <a:t> </a:t>
+            </a:r>
+            <a:r>
+              <a:rPr lang="en-US" dirty="0" err="1" smtClean="0"/>
+              <a:t>Saccharibacteria</a:t>
+            </a:r>
+            <a:r>
+              <a:rPr lang="en-US" dirty="0" smtClean="0"/>
+              <a:t>(31), </a:t>
+            </a:r>
+            <a:r>
+              <a:rPr lang="en-US" dirty="0" err="1" smtClean="0"/>
+              <a:t>Chlorobi</a:t>
+            </a:r>
+            <a:r>
+              <a:rPr lang="en-US" dirty="0" smtClean="0"/>
+              <a:t>(29), </a:t>
+            </a:r>
+            <a:r>
+              <a:rPr lang="en-US" dirty="0" err="1" smtClean="0"/>
+              <a:t>Parcubacteria</a:t>
+            </a:r>
+            <a:r>
+              <a:rPr lang="en-US" dirty="0" smtClean="0"/>
+              <a:t> (10), </a:t>
+            </a:r>
+          </a:p>
+          <a:p>
+            <a:r>
+              <a:rPr lang="en-US" dirty="0" smtClean="0"/>
+              <a:t>Mary </a:t>
+            </a:r>
+            <a:r>
+              <a:rPr lang="en-US" dirty="0" smtClean="0"/>
+              <a:t>Lake</a:t>
+            </a:r>
+          </a:p>
+          <a:p>
+            <a:pPr lvl="1"/>
+            <a:r>
+              <a:rPr lang="en-US" dirty="0"/>
+              <a:t>352 bins, 104 passed </a:t>
+            </a:r>
+            <a:r>
+              <a:rPr lang="en-US" dirty="0" smtClean="0"/>
+              <a:t>filtering</a:t>
+            </a:r>
+          </a:p>
+          <a:p>
+            <a:pPr lvl="1"/>
+            <a:r>
+              <a:rPr lang="en-US" dirty="0" smtClean="0"/>
+              <a:t>Phyla </a:t>
+            </a:r>
+            <a:r>
+              <a:rPr lang="en-US" dirty="0"/>
+              <a:t>with &gt; 10 bins</a:t>
+            </a:r>
+            <a:r>
+              <a:rPr lang="en-US" dirty="0" smtClean="0"/>
+              <a:t>:</a:t>
+            </a:r>
+          </a:p>
+          <a:p>
+            <a:pPr lvl="2"/>
+            <a:r>
+              <a:rPr lang="en-US" dirty="0" err="1" smtClean="0"/>
+              <a:t>Proteobacteria</a:t>
+            </a:r>
+            <a:r>
+              <a:rPr lang="en-US" dirty="0" smtClean="0"/>
+              <a:t>(99), </a:t>
+            </a:r>
+            <a:r>
+              <a:rPr lang="en-US" dirty="0" err="1" smtClean="0"/>
+              <a:t>Actinobacteria</a:t>
+            </a:r>
+            <a:r>
+              <a:rPr lang="en-US" dirty="0" smtClean="0"/>
+              <a:t>(34), </a:t>
+            </a:r>
+            <a:r>
+              <a:rPr lang="en-US" dirty="0" err="1" smtClean="0"/>
+              <a:t>Planctomycetes</a:t>
+            </a:r>
+            <a:r>
+              <a:rPr lang="en-US" dirty="0" smtClean="0"/>
+              <a:t>(21), </a:t>
+            </a:r>
+            <a:r>
+              <a:rPr lang="en-US" dirty="0" err="1" smtClean="0"/>
+              <a:t>Verrucomicrobia</a:t>
+            </a:r>
+            <a:r>
+              <a:rPr lang="en-US" dirty="0" smtClean="0"/>
+              <a:t>(18), </a:t>
+            </a:r>
+            <a:r>
+              <a:rPr lang="en-US" dirty="0" err="1" smtClean="0"/>
+              <a:t>Bacteroidetes</a:t>
+            </a:r>
+            <a:r>
+              <a:rPr lang="en-US" dirty="0" smtClean="0"/>
+              <a:t>(18), Cyanobacteria(11)</a:t>
+            </a:r>
+          </a:p>
+          <a:p>
+            <a:pPr lvl="2"/>
+            <a:endParaRPr lang="en-US" dirty="0"/>
+          </a:p>
+          <a:p>
+            <a:endParaRPr lang="en-US" dirty="0"/>
+          </a:p>
+        </p:txBody>
+      </p:sp>
+    </p:spTree>
+    <p:extLst>
+      <p:ext uri="{BB962C8B-B14F-4D97-AF65-F5344CB8AC3E}">
+        <p14:creationId xmlns:p14="http://schemas.microsoft.com/office/powerpoint/2010/main" val="3930018211"/>
+      </p:ext>
+    </p:extLst>
+  </p:cSld>
+  <p:clrMapOvr>
+    <a:masterClrMapping/>
+  </p:clrMapOvr>
+</p:sld>
+</file>
+
+<file path=ppt/slides/slide12.xml><?xml version="1.0" encoding="utf-8"?>
 <p:sld xmlns:a="http://schemas.openxmlformats.org/drawingml/2006/main" xmlns:r="http://schemas.openxmlformats.org/officeDocument/2006/relationships" xmlns:p="http://schemas.openxmlformats.org/presentationml/2006/main">
   <p:cSld>
     <p:spTree>
@@ -6099,285 +6429,6 @@
 </p:sld>
 </file>
 
-<file path=ppt/slides/slide11.xml><?xml version="1.0" encoding="utf-8"?>
-<p:sld xmlns:a="http://schemas.openxmlformats.org/drawingml/2006/main" xmlns:r="http://schemas.openxmlformats.org/officeDocument/2006/relationships" xmlns:p="http://schemas.openxmlformats.org/presentationml/2006/main" show="0">
-  <p:cSld>
-    <p:spTree>
-      <p:nvGrpSpPr>
-        <p:cNvPr id="1" name=""/>
-        <p:cNvGrpSpPr/>
-        <p:nvPr/>
-      </p:nvGrpSpPr>
-      <p:grpSpPr>
-        <a:xfrm>
-          <a:off x="0" y="0"/>
-          <a:ext cx="0" cy="0"/>
-          <a:chOff x="0" y="0"/>
-          <a:chExt cx="0" cy="0"/>
-        </a:xfrm>
-      </p:grpSpPr>
-      <p:sp>
-        <p:nvSpPr>
-          <p:cNvPr id="2" name="Title 1"/>
-          <p:cNvSpPr>
-            <a:spLocks noGrp="1"/>
-          </p:cNvSpPr>
-          <p:nvPr>
-            <p:ph type="title"/>
-          </p:nvPr>
-        </p:nvSpPr>
-        <p:spPr/>
-        <p:txBody>
-          <a:bodyPr/>
-          <a:lstStyle/>
-          <a:p>
-            <a:r>
-              <a:rPr lang="en-US" dirty="0" smtClean="0"/>
-              <a:t>Crystal Bog (CB) v. Trout Bog (TB)</a:t>
-            </a:r>
-            <a:endParaRPr lang="en-US" dirty="0"/>
-          </a:p>
-        </p:txBody>
-      </p:sp>
-      <p:sp>
-        <p:nvSpPr>
-          <p:cNvPr id="3" name="Content Placeholder 2"/>
-          <p:cNvSpPr>
-            <a:spLocks noGrp="1"/>
-          </p:cNvSpPr>
-          <p:nvPr>
-            <p:ph idx="1"/>
-          </p:nvPr>
-        </p:nvSpPr>
-        <p:spPr/>
-        <p:txBody>
-          <a:bodyPr>
-            <a:normAutofit lnSpcReduction="10000"/>
-          </a:bodyPr>
-          <a:lstStyle/>
-          <a:p>
-            <a:r>
-              <a:rPr lang="en-US" dirty="0" smtClean="0"/>
-              <a:t>Both dystrophic (high in DOC)</a:t>
-            </a:r>
-          </a:p>
-          <a:p>
-            <a:r>
-              <a:rPr lang="en-US" dirty="0" smtClean="0"/>
-              <a:t>Both seepage lakes</a:t>
-            </a:r>
-          </a:p>
-          <a:p>
-            <a:r>
-              <a:rPr lang="en-US" dirty="0" smtClean="0"/>
-              <a:t>Share 45-60% of their top 20 clades based on 16S tags</a:t>
-            </a:r>
-          </a:p>
-          <a:p>
-            <a:r>
-              <a:rPr lang="en-US" dirty="0" smtClean="0"/>
-              <a:t>Different mixing regimes </a:t>
-            </a:r>
-          </a:p>
-          <a:p>
-            <a:r>
-              <a:rPr lang="en-US" dirty="0" smtClean="0"/>
-              <a:t>CB has a smaller surface area</a:t>
-            </a:r>
-          </a:p>
-          <a:p>
-            <a:r>
-              <a:rPr lang="en-US" dirty="0" smtClean="0"/>
-              <a:t>TB is deeper</a:t>
-            </a:r>
-          </a:p>
-          <a:p>
-            <a:r>
-              <a:rPr lang="en-US" dirty="0" smtClean="0"/>
-              <a:t>About 5 miles apart</a:t>
-            </a:r>
-          </a:p>
-        </p:txBody>
-      </p:sp>
-    </p:spTree>
-    <p:extLst>
-      <p:ext uri="{BB962C8B-B14F-4D97-AF65-F5344CB8AC3E}">
-        <p14:creationId xmlns:p14="http://schemas.microsoft.com/office/powerpoint/2010/main" val="954074340"/>
-      </p:ext>
-    </p:extLst>
-  </p:cSld>
-  <p:clrMapOvr>
-    <a:masterClrMapping/>
-  </p:clrMapOvr>
-  <mc:AlternateContent xmlns:mc="http://schemas.openxmlformats.org/markup-compatibility/2006">
-    <mc:Choice xmlns:p14="http://schemas.microsoft.com/office/powerpoint/2010/main" Requires="p14">
-      <p:transition spd="slow" p14:dur="2000"/>
-    </mc:Choice>
-    <mc:Fallback>
-      <p:transition spd="slow"/>
-    </mc:Fallback>
-  </mc:AlternateContent>
-  <p:timing>
-    <p:tnLst>
-      <p:par>
-        <p:cTn id="1" dur="indefinite" restart="never" nodeType="tmRoot"/>
-      </p:par>
-    </p:tnLst>
-  </p:timing>
-</p:sld>
-</file>
-
-<file path=ppt/slides/slide12.xml><?xml version="1.0" encoding="utf-8"?>
-<p:sld xmlns:a="http://schemas.openxmlformats.org/drawingml/2006/main" xmlns:r="http://schemas.openxmlformats.org/officeDocument/2006/relationships" xmlns:p="http://schemas.openxmlformats.org/presentationml/2006/main" show="0">
-  <p:cSld>
-    <p:spTree>
-      <p:nvGrpSpPr>
-        <p:cNvPr id="1" name=""/>
-        <p:cNvGrpSpPr/>
-        <p:nvPr/>
-      </p:nvGrpSpPr>
-      <p:grpSpPr>
-        <a:xfrm>
-          <a:off x="0" y="0"/>
-          <a:ext cx="0" cy="0"/>
-          <a:chOff x="0" y="0"/>
-          <a:chExt cx="0" cy="0"/>
-        </a:xfrm>
-      </p:grpSpPr>
-      <p:sp>
-        <p:nvSpPr>
-          <p:cNvPr id="2" name="Title 1"/>
-          <p:cNvSpPr>
-            <a:spLocks noGrp="1"/>
-          </p:cNvSpPr>
-          <p:nvPr>
-            <p:ph type="title"/>
-          </p:nvPr>
-        </p:nvSpPr>
-        <p:spPr/>
-        <p:txBody>
-          <a:bodyPr/>
-          <a:lstStyle/>
-          <a:p>
-            <a:r>
-              <a:rPr lang="en-US" dirty="0" smtClean="0"/>
-              <a:t>Next Questions</a:t>
-            </a:r>
-            <a:endParaRPr lang="en-US" dirty="0"/>
-          </a:p>
-        </p:txBody>
-      </p:sp>
-      <p:sp>
-        <p:nvSpPr>
-          <p:cNvPr id="3" name="Content Placeholder 2"/>
-          <p:cNvSpPr>
-            <a:spLocks noGrp="1"/>
-          </p:cNvSpPr>
-          <p:nvPr>
-            <p:ph idx="1"/>
-          </p:nvPr>
-        </p:nvSpPr>
-        <p:spPr/>
-        <p:txBody>
-          <a:bodyPr>
-            <a:normAutofit fontScale="85000" lnSpcReduction="10000"/>
-          </a:bodyPr>
-          <a:lstStyle/>
-          <a:p>
-            <a:r>
-              <a:rPr lang="en-US" dirty="0" smtClean="0"/>
-              <a:t>Are there related sequence-discrete populations in TB and CB? </a:t>
-            </a:r>
-          </a:p>
-          <a:p>
-            <a:r>
-              <a:rPr lang="en-US" dirty="0" smtClean="0"/>
-              <a:t>How similar are they based on ANI?</a:t>
-            </a:r>
-          </a:p>
-          <a:p>
-            <a:pPr lvl="1"/>
-            <a:r>
-              <a:rPr lang="en-US" dirty="0" smtClean="0"/>
-              <a:t>ANI for reference MAGs to each other</a:t>
-            </a:r>
-          </a:p>
-          <a:p>
-            <a:pPr lvl="1"/>
-            <a:r>
-              <a:rPr lang="en-US" dirty="0" smtClean="0"/>
-              <a:t>ANI when mapping reads from same </a:t>
-            </a:r>
-            <a:r>
-              <a:rPr lang="en-US" dirty="0" err="1" smtClean="0"/>
-              <a:t>vs</a:t>
-            </a:r>
-            <a:r>
-              <a:rPr lang="en-US" dirty="0" smtClean="0"/>
-              <a:t> different lake</a:t>
-            </a:r>
-          </a:p>
-          <a:p>
-            <a:r>
-              <a:rPr lang="en-US" dirty="0" smtClean="0"/>
-              <a:t>For populations that are very similar between the two lakes:</a:t>
-            </a:r>
-          </a:p>
-          <a:p>
-            <a:pPr lvl="1"/>
-            <a:r>
-              <a:rPr lang="en-US" dirty="0"/>
-              <a:t>A</a:t>
-            </a:r>
-            <a:r>
-              <a:rPr lang="en-US" dirty="0" smtClean="0"/>
-              <a:t>re there genes present in one lake but not the other?</a:t>
-            </a:r>
-          </a:p>
-          <a:p>
-            <a:pPr lvl="1"/>
-            <a:r>
-              <a:rPr lang="en-US" dirty="0" smtClean="0"/>
-              <a:t>Is there evidence for (ecological or physical) barrier to recombination?</a:t>
-            </a:r>
-          </a:p>
-          <a:p>
-            <a:r>
-              <a:rPr lang="en-US" dirty="0" smtClean="0"/>
-              <a:t>Might also be able to compare MAGs from Mary Lake </a:t>
-            </a:r>
-            <a:endParaRPr lang="en-US" dirty="0"/>
-          </a:p>
-        </p:txBody>
-      </p:sp>
-    </p:spTree>
-    <p:extLst>
-      <p:ext uri="{BB962C8B-B14F-4D97-AF65-F5344CB8AC3E}">
-        <p14:creationId xmlns:p14="http://schemas.microsoft.com/office/powerpoint/2010/main" val="3843862250"/>
-      </p:ext>
-    </p:extLst>
-  </p:cSld>
-  <p:clrMapOvr>
-    <a:masterClrMapping/>
-  </p:clrMapOvr>
-  <mc:AlternateContent xmlns:mc="http://schemas.openxmlformats.org/markup-compatibility/2006">
-    <mc:Choice xmlns:p14="http://schemas.microsoft.com/office/powerpoint/2010/main" Requires="p14">
-      <p:transition spd="slow" p14:dur="2000"/>
-    </mc:Choice>
-    <mc:Fallback>
-      <p:transition spd="slow"/>
-    </mc:Fallback>
-  </mc:AlternateContent>
-  <p:timing>
-    <p:tnLst>
-      <p:par>
-        <p:cTn id="1" dur="indefinite" restart="never" nodeType="tmRoot"/>
-      </p:par>
-    </p:tnLst>
-  </p:timing>
-</p:sld>
-</file>
-
 <file path=ppt/slides/slide13.xml><?xml version="1.0" encoding="utf-8"?>
 <p:sld xmlns:a="http://schemas.openxmlformats.org/drawingml/2006/main" xmlns:r="http://schemas.openxmlformats.org/officeDocument/2006/relationships" xmlns:p="http://schemas.openxmlformats.org/presentationml/2006/main" show="0">
   <p:cSld>
@@ -6395,212 +6446,93 @@
           <a:chExt cx="0" cy="0"/>
         </a:xfrm>
       </p:grpSpPr>
-      <p:pic>
-        <p:nvPicPr>
-          <p:cNvPr id="4" name="Picture 3" descr="PTXSvB1_L06only.png"/>
-          <p:cNvPicPr>
-            <a:picLocks noChangeAspect="1"/>
-          </p:cNvPicPr>
-          <p:nvPr/>
-        </p:nvPicPr>
-        <p:blipFill>
-          <a:blip r:embed="rId2">
-            <a:extLst>
-              <a:ext uri="{28A0092B-C50C-407E-A947-70E740481C1C}">
-                <a14:useLocalDpi xmlns:a14="http://schemas.microsoft.com/office/drawing/2010/main" val="0"/>
-              </a:ext>
-            </a:extLst>
-          </a:blip>
-          <a:stretch>
-            <a:fillRect/>
-          </a:stretch>
-        </p:blipFill>
-        <p:spPr>
-          <a:xfrm>
-            <a:off x="1211149" y="1319006"/>
-            <a:ext cx="6721702" cy="5120640"/>
-          </a:xfrm>
-          <a:prstGeom prst="rect">
-            <a:avLst/>
-          </a:prstGeom>
-        </p:spPr>
-      </p:pic>
-      <p:sp>
-        <p:nvSpPr>
-          <p:cNvPr id="5" name="TextBox 4"/>
-          <p:cNvSpPr txBox="1"/>
-          <p:nvPr/>
-        </p:nvSpPr>
-        <p:spPr>
-          <a:xfrm>
-            <a:off x="5555570" y="6488668"/>
-            <a:ext cx="3588430" cy="369332"/>
-          </a:xfrm>
-          <a:prstGeom prst="rect">
-            <a:avLst/>
-          </a:prstGeom>
-          <a:noFill/>
-        </p:spPr>
-        <p:txBody>
-          <a:bodyPr wrap="none" rtlCol="0">
-            <a:spAutoFit/>
+      <p:sp>
+        <p:nvSpPr>
+          <p:cNvPr id="2" name="Title 1"/>
+          <p:cNvSpPr>
+            <a:spLocks noGrp="1"/>
+          </p:cNvSpPr>
+          <p:nvPr>
+            <p:ph type="title"/>
+          </p:nvPr>
+        </p:nvSpPr>
+        <p:spPr/>
+        <p:txBody>
+          <a:bodyPr/>
+          <a:lstStyle/>
+          <a:p>
+            <a:r>
+              <a:rPr lang="en-US" dirty="0" smtClean="0"/>
+              <a:t>Crystal Bog (CB) v. Trout Bog (TB)</a:t>
+            </a:r>
+            <a:endParaRPr lang="en-US" dirty="0"/>
+          </a:p>
+        </p:txBody>
+      </p:sp>
+      <p:sp>
+        <p:nvSpPr>
+          <p:cNvPr id="3" name="Content Placeholder 2"/>
+          <p:cNvSpPr>
+            <a:spLocks noGrp="1"/>
+          </p:cNvSpPr>
+          <p:nvPr>
+            <p:ph idx="1"/>
+          </p:nvPr>
+        </p:nvSpPr>
+        <p:spPr/>
+        <p:txBody>
+          <a:bodyPr>
+            <a:normAutofit lnSpcReduction="10000"/>
           </a:bodyPr>
           <a:lstStyle/>
           <a:p>
             <a:r>
               <a:rPr lang="en-US" dirty="0" smtClean="0"/>
-              <a:t>Mendota </a:t>
-            </a:r>
-            <a:r>
-              <a:rPr lang="en-US" dirty="0" err="1" smtClean="0"/>
-              <a:t>metagenome</a:t>
-            </a:r>
-            <a:r>
-              <a:rPr lang="en-US" dirty="0" smtClean="0"/>
-              <a:t>: 9 June 2009 </a:t>
-            </a:r>
-            <a:endParaRPr lang="en-US" dirty="0"/>
-          </a:p>
-        </p:txBody>
-      </p:sp>
-      <p:sp>
-        <p:nvSpPr>
-          <p:cNvPr id="6" name="TextBox 5"/>
-          <p:cNvSpPr txBox="1"/>
-          <p:nvPr/>
-        </p:nvSpPr>
-        <p:spPr>
-          <a:xfrm>
-            <a:off x="4783343" y="1664682"/>
-            <a:ext cx="3205099" cy="369332"/>
-          </a:xfrm>
-          <a:prstGeom prst="rect">
-            <a:avLst/>
-          </a:prstGeom>
-          <a:noFill/>
-        </p:spPr>
-        <p:txBody>
-          <a:bodyPr wrap="none" rtlCol="0">
-            <a:spAutoFit/>
-          </a:bodyPr>
-          <a:lstStyle/>
-          <a:p>
-            <a:r>
-              <a:rPr lang="en-US" dirty="0" smtClean="0"/>
-              <a:t>Subject: acI-B1 from L. Mendota</a:t>
-            </a:r>
-            <a:endParaRPr lang="en-US" dirty="0"/>
-          </a:p>
-        </p:txBody>
-      </p:sp>
-      <p:sp>
-        <p:nvSpPr>
-          <p:cNvPr id="8" name="Left Brace 7"/>
-          <p:cNvSpPr/>
-          <p:nvPr/>
-        </p:nvSpPr>
-        <p:spPr>
-          <a:xfrm rot="5400000">
-            <a:off x="5356347" y="4395594"/>
-            <a:ext cx="398445" cy="747127"/>
-          </a:xfrm>
-          <a:prstGeom prst="leftBrace">
-            <a:avLst/>
-          </a:prstGeom>
-          <a:ln>
-            <a:solidFill>
-              <a:schemeClr val="tx1"/>
-            </a:solidFill>
-          </a:ln>
-          <a:effectLst/>
-        </p:spPr>
-        <p:style>
-          <a:lnRef idx="2">
-            <a:schemeClr val="accent1"/>
-          </a:lnRef>
-          <a:fillRef idx="0">
-            <a:schemeClr val="accent1"/>
-          </a:fillRef>
-          <a:effectRef idx="1">
-            <a:schemeClr val="accent1"/>
-          </a:effectRef>
-          <a:fontRef idx="minor">
-            <a:schemeClr val="tx1"/>
-          </a:fontRef>
-        </p:style>
-        <p:txBody>
-          <a:bodyPr rtlCol="0" anchor="ctr"/>
-          <a:lstStyle/>
-          <a:p>
-            <a:pPr algn="ctr"/>
-            <a:endParaRPr lang="en-US"/>
-          </a:p>
-        </p:txBody>
-      </p:sp>
-      <p:sp>
-        <p:nvSpPr>
-          <p:cNvPr id="9" name="TextBox 8"/>
-          <p:cNvSpPr txBox="1"/>
-          <p:nvPr/>
-        </p:nvSpPr>
-        <p:spPr>
-          <a:xfrm>
-            <a:off x="4857696" y="4084292"/>
-            <a:ext cx="1395747" cy="369332"/>
-          </a:xfrm>
-          <a:prstGeom prst="rect">
-            <a:avLst/>
-          </a:prstGeom>
-          <a:noFill/>
-        </p:spPr>
-        <p:txBody>
-          <a:bodyPr wrap="none" rtlCol="0">
-            <a:spAutoFit/>
-          </a:bodyPr>
-          <a:lstStyle/>
-          <a:p>
-            <a:r>
-              <a:rPr lang="en-US" dirty="0" smtClean="0"/>
-              <a:t>discontinuity</a:t>
-            </a:r>
-            <a:endParaRPr lang="en-US" dirty="0"/>
-          </a:p>
-        </p:txBody>
-      </p:sp>
-      <p:sp>
-        <p:nvSpPr>
-          <p:cNvPr id="2" name="Title 1"/>
-          <p:cNvSpPr>
-            <a:spLocks noGrp="1"/>
-          </p:cNvSpPr>
-          <p:nvPr>
-            <p:ph type="title"/>
-          </p:nvPr>
-        </p:nvSpPr>
-        <p:spPr>
-          <a:xfrm>
-            <a:off x="457200" y="161877"/>
-            <a:ext cx="8229600" cy="1255761"/>
-          </a:xfrm>
-        </p:spPr>
-        <p:txBody>
-          <a:bodyPr>
-            <a:normAutofit fontScale="90000"/>
-          </a:bodyPr>
-          <a:lstStyle/>
-          <a:p>
-            <a:r>
-              <a:rPr lang="en-US" dirty="0" smtClean="0"/>
-              <a:t>SAGs allow us to capture sequence discrete populations</a:t>
-            </a:r>
-            <a:endParaRPr lang="en-US" dirty="0"/>
+              <a:t>Both dystrophic (high in DOC)</a:t>
+            </a:r>
+          </a:p>
+          <a:p>
+            <a:r>
+              <a:rPr lang="en-US" dirty="0" smtClean="0"/>
+              <a:t>Both seepage lakes</a:t>
+            </a:r>
+          </a:p>
+          <a:p>
+            <a:r>
+              <a:rPr lang="en-US" dirty="0" smtClean="0"/>
+              <a:t>Share 45-60% of their top 20 clades based on 16S tags</a:t>
+            </a:r>
+          </a:p>
+          <a:p>
+            <a:r>
+              <a:rPr lang="en-US" dirty="0" smtClean="0"/>
+              <a:t>Different mixing regimes </a:t>
+            </a:r>
+          </a:p>
+          <a:p>
+            <a:r>
+              <a:rPr lang="en-US" dirty="0" smtClean="0"/>
+              <a:t>CB has a smaller surface area</a:t>
+            </a:r>
+          </a:p>
+          <a:p>
+            <a:r>
+              <a:rPr lang="en-US" dirty="0" smtClean="0"/>
+              <a:t>TB is deeper</a:t>
+            </a:r>
+          </a:p>
+          <a:p>
+            <a:r>
+              <a:rPr lang="en-US" dirty="0" smtClean="0"/>
+              <a:t>About 5 miles apart</a:t>
+            </a:r>
           </a:p>
         </p:txBody>
       </p:sp>
     </p:spTree>
     <p:extLst>
       <p:ext uri="{BB962C8B-B14F-4D97-AF65-F5344CB8AC3E}">
-        <p14:creationId xmlns:p14="http://schemas.microsoft.com/office/powerpoint/2010/main" val="1499778607"/>
+        <p14:creationId xmlns:p14="http://schemas.microsoft.com/office/powerpoint/2010/main" val="954074340"/>
       </p:ext>
     </p:extLst>
   </p:cSld>
@@ -6652,102 +6584,106 @@
             <p:ph type="title"/>
           </p:nvPr>
         </p:nvSpPr>
-        <p:spPr>
-          <a:xfrm>
-            <a:off x="457200" y="274638"/>
-            <a:ext cx="8229600" cy="833600"/>
-          </a:xfrm>
-        </p:spPr>
+        <p:spPr/>
         <p:txBody>
           <a:bodyPr/>
           <a:lstStyle/>
           <a:p>
             <a:r>
               <a:rPr lang="en-US" dirty="0" smtClean="0"/>
-              <a:t>Sequence discrete populations</a:t>
+              <a:t>Next Questions</a:t>
             </a:r>
             <a:endParaRPr lang="en-US" dirty="0"/>
           </a:p>
         </p:txBody>
       </p:sp>
-      <p:pic>
-        <p:nvPicPr>
-          <p:cNvPr id="4" name="Picture 2"/>
-          <p:cNvPicPr>
-            <a:picLocks noChangeAspect="1" noChangeArrowheads="1"/>
-          </p:cNvPicPr>
-          <p:nvPr/>
-        </p:nvPicPr>
-        <p:blipFill>
-          <a:blip r:embed="rId3" cstate="print"/>
-          <a:srcRect/>
-          <a:stretch>
-            <a:fillRect/>
-          </a:stretch>
-        </p:blipFill>
-        <p:spPr bwMode="auto">
-          <a:xfrm>
-            <a:off x="1538688" y="1163788"/>
-            <a:ext cx="6094023" cy="5015850"/>
-          </a:xfrm>
-          <a:prstGeom prst="rect">
-            <a:avLst/>
-          </a:prstGeom>
-          <a:noFill/>
-          <a:ln w="9525">
-            <a:noFill/>
-            <a:round/>
-            <a:headEnd/>
-            <a:tailEnd/>
-          </a:ln>
-        </p:spPr>
-      </p:pic>
-      <p:sp>
-        <p:nvSpPr>
-          <p:cNvPr id="5" name="TextBox 4"/>
-          <p:cNvSpPr txBox="1"/>
-          <p:nvPr/>
-        </p:nvSpPr>
-        <p:spPr>
-          <a:xfrm>
-            <a:off x="5181385" y="6439857"/>
-            <a:ext cx="3783270" cy="307777"/>
-          </a:xfrm>
-          <a:prstGeom prst="rect">
-            <a:avLst/>
-          </a:prstGeom>
-          <a:noFill/>
-        </p:spPr>
-        <p:txBody>
-          <a:bodyPr wrap="none" rtlCol="0">
-            <a:spAutoFit/>
+      <p:sp>
+        <p:nvSpPr>
+          <p:cNvPr id="3" name="Content Placeholder 2"/>
+          <p:cNvSpPr>
+            <a:spLocks noGrp="1"/>
+          </p:cNvSpPr>
+          <p:nvPr>
+            <p:ph idx="1"/>
+          </p:nvPr>
+        </p:nvSpPr>
+        <p:spPr/>
+        <p:txBody>
+          <a:bodyPr>
+            <a:normAutofit fontScale="85000" lnSpcReduction="10000"/>
           </a:bodyPr>
           <a:lstStyle/>
           <a:p>
             <a:r>
-              <a:rPr lang="en-US" sz="1400" i="1" dirty="0" smtClean="0"/>
-              <a:t>Caro-Quintero and </a:t>
-            </a:r>
-            <a:r>
-              <a:rPr lang="en-US" sz="1400" i="1" dirty="0" err="1" smtClean="0"/>
-              <a:t>Konstantinidis</a:t>
-            </a:r>
-            <a:r>
-              <a:rPr lang="en-US" sz="1400" i="1" dirty="0" smtClean="0"/>
-              <a:t> 2012 </a:t>
-            </a:r>
-            <a:r>
-              <a:rPr lang="en-US" sz="1400" i="1" dirty="0" err="1" smtClean="0"/>
-              <a:t>EnvMicro</a:t>
-            </a:r>
-            <a:endParaRPr lang="en-US" sz="1400" i="1" dirty="0"/>
+              <a:rPr lang="en-US" dirty="0" smtClean="0"/>
+              <a:t>Are there related sequence-discrete populations in TB and CB? </a:t>
+            </a:r>
+          </a:p>
+          <a:p>
+            <a:r>
+              <a:rPr lang="en-US" dirty="0" smtClean="0"/>
+              <a:t>How similar are they based on ANI?</a:t>
+            </a:r>
+          </a:p>
+          <a:p>
+            <a:pPr lvl="1"/>
+            <a:r>
+              <a:rPr lang="en-US" dirty="0" smtClean="0"/>
+              <a:t>ANI for reference MAGs to each other</a:t>
+            </a:r>
+          </a:p>
+          <a:p>
+            <a:pPr lvl="1"/>
+            <a:r>
+              <a:rPr lang="en-US" dirty="0" smtClean="0"/>
+              <a:t>ANI when mapping reads from same </a:t>
+            </a:r>
+            <a:r>
+              <a:rPr lang="en-US" dirty="0" err="1" smtClean="0"/>
+              <a:t>vs</a:t>
+            </a:r>
+            <a:r>
+              <a:rPr lang="en-US" dirty="0" smtClean="0"/>
+              <a:t> different lake</a:t>
+            </a:r>
+          </a:p>
+          <a:p>
+            <a:r>
+              <a:rPr lang="en-US" dirty="0" smtClean="0"/>
+              <a:t>For populations that are very similar between the two lakes:</a:t>
+            </a:r>
+          </a:p>
+          <a:p>
+            <a:pPr lvl="1"/>
+            <a:r>
+              <a:rPr lang="en-US" dirty="0"/>
+              <a:t>A</a:t>
+            </a:r>
+            <a:r>
+              <a:rPr lang="en-US" dirty="0" smtClean="0"/>
+              <a:t>re there genes present in one lake but not the other?</a:t>
+            </a:r>
+          </a:p>
+          <a:p>
+            <a:pPr lvl="1"/>
+            <a:r>
+              <a:rPr lang="en-US" dirty="0" smtClean="0"/>
+              <a:t>Is there evidence for (ecological or physical) barrier to recombination?</a:t>
+            </a:r>
+          </a:p>
+          <a:p>
+            <a:r>
+              <a:rPr lang="en-US" dirty="0" smtClean="0"/>
+              <a:t>Might also be able to compare MAGs from Mary Lake </a:t>
+            </a:r>
+            <a:endParaRPr lang="en-US" dirty="0"/>
           </a:p>
         </p:txBody>
       </p:sp>
     </p:spTree>
     <p:extLst>
       <p:ext uri="{BB962C8B-B14F-4D97-AF65-F5344CB8AC3E}">
-        <p14:creationId xmlns:p14="http://schemas.microsoft.com/office/powerpoint/2010/main" val="1763483010"/>
+        <p14:creationId xmlns:p14="http://schemas.microsoft.com/office/powerpoint/2010/main" val="3843862250"/>
       </p:ext>
     </p:extLst>
   </p:cSld>
@@ -6994,6 +6930,400 @@
     </p:spTree>
     <p:extLst>
       <p:ext uri="{BB962C8B-B14F-4D97-AF65-F5344CB8AC3E}">
+        <p14:creationId xmlns:p14="http://schemas.microsoft.com/office/powerpoint/2010/main" val="1499778607"/>
+      </p:ext>
+    </p:extLst>
+  </p:cSld>
+  <p:clrMapOvr>
+    <a:masterClrMapping/>
+  </p:clrMapOvr>
+  <mc:AlternateContent xmlns:mc="http://schemas.openxmlformats.org/markup-compatibility/2006">
+    <mc:Choice xmlns:p14="http://schemas.microsoft.com/office/powerpoint/2010/main" Requires="p14">
+      <p:transition spd="slow" p14:dur="2000"/>
+    </mc:Choice>
+    <mc:Fallback>
+      <p:transition spd="slow"/>
+    </mc:Fallback>
+  </mc:AlternateContent>
+  <p:timing>
+    <p:tnLst>
+      <p:par>
+        <p:cTn id="1" dur="indefinite" restart="never" nodeType="tmRoot"/>
+      </p:par>
+    </p:tnLst>
+  </p:timing>
+</p:sld>
+</file>
+
+<file path=ppt/slides/slide16.xml><?xml version="1.0" encoding="utf-8"?>
+<p:sld xmlns:a="http://schemas.openxmlformats.org/drawingml/2006/main" xmlns:r="http://schemas.openxmlformats.org/officeDocument/2006/relationships" xmlns:p="http://schemas.openxmlformats.org/presentationml/2006/main" show="0">
+  <p:cSld>
+    <p:spTree>
+      <p:nvGrpSpPr>
+        <p:cNvPr id="1" name=""/>
+        <p:cNvGrpSpPr/>
+        <p:nvPr/>
+      </p:nvGrpSpPr>
+      <p:grpSpPr>
+        <a:xfrm>
+          <a:off x="0" y="0"/>
+          <a:ext cx="0" cy="0"/>
+          <a:chOff x="0" y="0"/>
+          <a:chExt cx="0" cy="0"/>
+        </a:xfrm>
+      </p:grpSpPr>
+      <p:sp>
+        <p:nvSpPr>
+          <p:cNvPr id="2" name="Title 1"/>
+          <p:cNvSpPr>
+            <a:spLocks noGrp="1"/>
+          </p:cNvSpPr>
+          <p:nvPr>
+            <p:ph type="title"/>
+          </p:nvPr>
+        </p:nvSpPr>
+        <p:spPr>
+          <a:xfrm>
+            <a:off x="457200" y="274638"/>
+            <a:ext cx="8229600" cy="833600"/>
+          </a:xfrm>
+        </p:spPr>
+        <p:txBody>
+          <a:bodyPr/>
+          <a:lstStyle/>
+          <a:p>
+            <a:r>
+              <a:rPr lang="en-US" dirty="0" smtClean="0"/>
+              <a:t>Sequence discrete populations</a:t>
+            </a:r>
+            <a:endParaRPr lang="en-US" dirty="0"/>
+          </a:p>
+        </p:txBody>
+      </p:sp>
+      <p:pic>
+        <p:nvPicPr>
+          <p:cNvPr id="4" name="Picture 2"/>
+          <p:cNvPicPr>
+            <a:picLocks noChangeAspect="1" noChangeArrowheads="1"/>
+          </p:cNvPicPr>
+          <p:nvPr/>
+        </p:nvPicPr>
+        <p:blipFill>
+          <a:blip r:embed="rId3" cstate="print"/>
+          <a:srcRect/>
+          <a:stretch>
+            <a:fillRect/>
+          </a:stretch>
+        </p:blipFill>
+        <p:spPr bwMode="auto">
+          <a:xfrm>
+            <a:off x="1538688" y="1163788"/>
+            <a:ext cx="6094023" cy="5015850"/>
+          </a:xfrm>
+          <a:prstGeom prst="rect">
+            <a:avLst/>
+          </a:prstGeom>
+          <a:noFill/>
+          <a:ln w="9525">
+            <a:noFill/>
+            <a:round/>
+            <a:headEnd/>
+            <a:tailEnd/>
+          </a:ln>
+        </p:spPr>
+      </p:pic>
+      <p:sp>
+        <p:nvSpPr>
+          <p:cNvPr id="5" name="TextBox 4"/>
+          <p:cNvSpPr txBox="1"/>
+          <p:nvPr/>
+        </p:nvSpPr>
+        <p:spPr>
+          <a:xfrm>
+            <a:off x="5181385" y="6439857"/>
+            <a:ext cx="3783270" cy="307777"/>
+          </a:xfrm>
+          <a:prstGeom prst="rect">
+            <a:avLst/>
+          </a:prstGeom>
+          <a:noFill/>
+        </p:spPr>
+        <p:txBody>
+          <a:bodyPr wrap="none" rtlCol="0">
+            <a:spAutoFit/>
+          </a:bodyPr>
+          <a:lstStyle/>
+          <a:p>
+            <a:r>
+              <a:rPr lang="en-US" sz="1400" i="1" dirty="0" smtClean="0"/>
+              <a:t>Caro-Quintero and </a:t>
+            </a:r>
+            <a:r>
+              <a:rPr lang="en-US" sz="1400" i="1" dirty="0" err="1" smtClean="0"/>
+              <a:t>Konstantinidis</a:t>
+            </a:r>
+            <a:r>
+              <a:rPr lang="en-US" sz="1400" i="1" dirty="0" smtClean="0"/>
+              <a:t> 2012 </a:t>
+            </a:r>
+            <a:r>
+              <a:rPr lang="en-US" sz="1400" i="1" dirty="0" err="1" smtClean="0"/>
+              <a:t>EnvMicro</a:t>
+            </a:r>
+            <a:endParaRPr lang="en-US" sz="1400" i="1" dirty="0"/>
+          </a:p>
+        </p:txBody>
+      </p:sp>
+    </p:spTree>
+    <p:extLst>
+      <p:ext uri="{BB962C8B-B14F-4D97-AF65-F5344CB8AC3E}">
+        <p14:creationId xmlns:p14="http://schemas.microsoft.com/office/powerpoint/2010/main" val="1763483010"/>
+      </p:ext>
+    </p:extLst>
+  </p:cSld>
+  <p:clrMapOvr>
+    <a:masterClrMapping/>
+  </p:clrMapOvr>
+  <mc:AlternateContent xmlns:mc="http://schemas.openxmlformats.org/markup-compatibility/2006">
+    <mc:Choice xmlns:p14="http://schemas.microsoft.com/office/powerpoint/2010/main" Requires="p14">
+      <p:transition spd="slow" p14:dur="2000"/>
+    </mc:Choice>
+    <mc:Fallback>
+      <p:transition spd="slow"/>
+    </mc:Fallback>
+  </mc:AlternateContent>
+  <p:timing>
+    <p:tnLst>
+      <p:par>
+        <p:cTn id="1" dur="indefinite" restart="never" nodeType="tmRoot"/>
+      </p:par>
+    </p:tnLst>
+  </p:timing>
+</p:sld>
+</file>
+
+<file path=ppt/slides/slide17.xml><?xml version="1.0" encoding="utf-8"?>
+<p:sld xmlns:a="http://schemas.openxmlformats.org/drawingml/2006/main" xmlns:r="http://schemas.openxmlformats.org/officeDocument/2006/relationships" xmlns:p="http://schemas.openxmlformats.org/presentationml/2006/main" show="0">
+  <p:cSld>
+    <p:spTree>
+      <p:nvGrpSpPr>
+        <p:cNvPr id="1" name=""/>
+        <p:cNvGrpSpPr/>
+        <p:nvPr/>
+      </p:nvGrpSpPr>
+      <p:grpSpPr>
+        <a:xfrm>
+          <a:off x="0" y="0"/>
+          <a:ext cx="0" cy="0"/>
+          <a:chOff x="0" y="0"/>
+          <a:chExt cx="0" cy="0"/>
+        </a:xfrm>
+      </p:grpSpPr>
+      <p:pic>
+        <p:nvPicPr>
+          <p:cNvPr id="4" name="Picture 3" descr="PTXSvB1_L06only.png"/>
+          <p:cNvPicPr>
+            <a:picLocks noChangeAspect="1"/>
+          </p:cNvPicPr>
+          <p:nvPr/>
+        </p:nvPicPr>
+        <p:blipFill>
+          <a:blip r:embed="rId2">
+            <a:extLst>
+              <a:ext uri="{28A0092B-C50C-407E-A947-70E740481C1C}">
+                <a14:useLocalDpi xmlns:a14="http://schemas.microsoft.com/office/drawing/2010/main" val="0"/>
+              </a:ext>
+            </a:extLst>
+          </a:blip>
+          <a:stretch>
+            <a:fillRect/>
+          </a:stretch>
+        </p:blipFill>
+        <p:spPr>
+          <a:xfrm>
+            <a:off x="1211149" y="1319006"/>
+            <a:ext cx="6721702" cy="5120640"/>
+          </a:xfrm>
+          <a:prstGeom prst="rect">
+            <a:avLst/>
+          </a:prstGeom>
+        </p:spPr>
+      </p:pic>
+      <p:sp>
+        <p:nvSpPr>
+          <p:cNvPr id="5" name="TextBox 4"/>
+          <p:cNvSpPr txBox="1"/>
+          <p:nvPr/>
+        </p:nvSpPr>
+        <p:spPr>
+          <a:xfrm>
+            <a:off x="5555570" y="6488668"/>
+            <a:ext cx="3588430" cy="369332"/>
+          </a:xfrm>
+          <a:prstGeom prst="rect">
+            <a:avLst/>
+          </a:prstGeom>
+          <a:noFill/>
+        </p:spPr>
+        <p:txBody>
+          <a:bodyPr wrap="none" rtlCol="0">
+            <a:spAutoFit/>
+          </a:bodyPr>
+          <a:lstStyle/>
+          <a:p>
+            <a:r>
+              <a:rPr lang="en-US" dirty="0" smtClean="0"/>
+              <a:t>Mendota </a:t>
+            </a:r>
+            <a:r>
+              <a:rPr lang="en-US" dirty="0" err="1" smtClean="0"/>
+              <a:t>metagenome</a:t>
+            </a:r>
+            <a:r>
+              <a:rPr lang="en-US" dirty="0" smtClean="0"/>
+              <a:t>: 9 June 2009 </a:t>
+            </a:r>
+            <a:endParaRPr lang="en-US" dirty="0"/>
+          </a:p>
+        </p:txBody>
+      </p:sp>
+      <p:sp>
+        <p:nvSpPr>
+          <p:cNvPr id="6" name="TextBox 5"/>
+          <p:cNvSpPr txBox="1"/>
+          <p:nvPr/>
+        </p:nvSpPr>
+        <p:spPr>
+          <a:xfrm>
+            <a:off x="4783343" y="1664682"/>
+            <a:ext cx="3205099" cy="369332"/>
+          </a:xfrm>
+          <a:prstGeom prst="rect">
+            <a:avLst/>
+          </a:prstGeom>
+          <a:noFill/>
+        </p:spPr>
+        <p:txBody>
+          <a:bodyPr wrap="none" rtlCol="0">
+            <a:spAutoFit/>
+          </a:bodyPr>
+          <a:lstStyle/>
+          <a:p>
+            <a:r>
+              <a:rPr lang="en-US" dirty="0" smtClean="0"/>
+              <a:t>Subject: acI-B1 from L. Mendota</a:t>
+            </a:r>
+            <a:endParaRPr lang="en-US" dirty="0"/>
+          </a:p>
+        </p:txBody>
+      </p:sp>
+      <p:sp>
+        <p:nvSpPr>
+          <p:cNvPr id="8" name="Left Brace 7"/>
+          <p:cNvSpPr/>
+          <p:nvPr/>
+        </p:nvSpPr>
+        <p:spPr>
+          <a:xfrm rot="5400000">
+            <a:off x="5356347" y="4395594"/>
+            <a:ext cx="398445" cy="747127"/>
+          </a:xfrm>
+          <a:prstGeom prst="leftBrace">
+            <a:avLst/>
+          </a:prstGeom>
+          <a:ln>
+            <a:solidFill>
+              <a:schemeClr val="tx1"/>
+            </a:solidFill>
+          </a:ln>
+          <a:effectLst/>
+        </p:spPr>
+        <p:style>
+          <a:lnRef idx="2">
+            <a:schemeClr val="accent1"/>
+          </a:lnRef>
+          <a:fillRef idx="0">
+            <a:schemeClr val="accent1"/>
+          </a:fillRef>
+          <a:effectRef idx="1">
+            <a:schemeClr val="accent1"/>
+          </a:effectRef>
+          <a:fontRef idx="minor">
+            <a:schemeClr val="tx1"/>
+          </a:fontRef>
+        </p:style>
+        <p:txBody>
+          <a:bodyPr rtlCol="0" anchor="ctr"/>
+          <a:lstStyle/>
+          <a:p>
+            <a:pPr algn="ctr"/>
+            <a:endParaRPr lang="en-US"/>
+          </a:p>
+        </p:txBody>
+      </p:sp>
+      <p:sp>
+        <p:nvSpPr>
+          <p:cNvPr id="9" name="TextBox 8"/>
+          <p:cNvSpPr txBox="1"/>
+          <p:nvPr/>
+        </p:nvSpPr>
+        <p:spPr>
+          <a:xfrm>
+            <a:off x="4857696" y="4084292"/>
+            <a:ext cx="1395747" cy="369332"/>
+          </a:xfrm>
+          <a:prstGeom prst="rect">
+            <a:avLst/>
+          </a:prstGeom>
+          <a:noFill/>
+        </p:spPr>
+        <p:txBody>
+          <a:bodyPr wrap="none" rtlCol="0">
+            <a:spAutoFit/>
+          </a:bodyPr>
+          <a:lstStyle/>
+          <a:p>
+            <a:r>
+              <a:rPr lang="en-US" dirty="0" smtClean="0"/>
+              <a:t>discontinuity</a:t>
+            </a:r>
+            <a:endParaRPr lang="en-US" dirty="0"/>
+          </a:p>
+        </p:txBody>
+      </p:sp>
+      <p:sp>
+        <p:nvSpPr>
+          <p:cNvPr id="2" name="Title 1"/>
+          <p:cNvSpPr>
+            <a:spLocks noGrp="1"/>
+          </p:cNvSpPr>
+          <p:nvPr>
+            <p:ph type="title"/>
+          </p:nvPr>
+        </p:nvSpPr>
+        <p:spPr>
+          <a:xfrm>
+            <a:off x="457200" y="161877"/>
+            <a:ext cx="8229600" cy="1255761"/>
+          </a:xfrm>
+        </p:spPr>
+        <p:txBody>
+          <a:bodyPr>
+            <a:normAutofit fontScale="90000"/>
+          </a:bodyPr>
+          <a:lstStyle/>
+          <a:p>
+            <a:r>
+              <a:rPr lang="en-US" dirty="0" smtClean="0"/>
+              <a:t>SAGs allow us to capture sequence discrete populations</a:t>
+            </a:r>
+            <a:endParaRPr lang="en-US" dirty="0"/>
+          </a:p>
+        </p:txBody>
+      </p:sp>
+    </p:spTree>
+    <p:extLst>
+      <p:ext uri="{BB962C8B-B14F-4D97-AF65-F5344CB8AC3E}">
         <p14:creationId xmlns:p14="http://schemas.microsoft.com/office/powerpoint/2010/main" val="1210006352"/>
       </p:ext>
     </p:extLst>
@@ -7046,6 +7376,248 @@
             <p:ph type="title"/>
           </p:nvPr>
         </p:nvSpPr>
+        <p:spPr/>
+        <p:txBody>
+          <a:bodyPr/>
+          <a:lstStyle/>
+          <a:p>
+            <a:r>
+              <a:rPr lang="en-US" dirty="0" smtClean="0"/>
+              <a:t>Agenda</a:t>
+            </a:r>
+            <a:endParaRPr lang="en-US" dirty="0"/>
+          </a:p>
+        </p:txBody>
+      </p:sp>
+      <p:sp>
+        <p:nvSpPr>
+          <p:cNvPr id="3" name="Content Placeholder 2"/>
+          <p:cNvSpPr>
+            <a:spLocks noGrp="1"/>
+          </p:cNvSpPr>
+          <p:nvPr>
+            <p:ph idx="1"/>
+          </p:nvPr>
+        </p:nvSpPr>
+        <p:spPr/>
+        <p:txBody>
+          <a:bodyPr>
+            <a:normAutofit/>
+          </a:bodyPr>
+          <a:lstStyle/>
+          <a:p>
+            <a:r>
+              <a:rPr lang="en-US" sz="4400" dirty="0" smtClean="0"/>
+              <a:t>Updates</a:t>
+            </a:r>
+          </a:p>
+          <a:p>
+            <a:r>
+              <a:rPr lang="en-US" sz="4400" dirty="0" smtClean="0"/>
+              <a:t>Short Intro</a:t>
+            </a:r>
+          </a:p>
+          <a:p>
+            <a:r>
+              <a:rPr lang="en-US" sz="4400" dirty="0" smtClean="0"/>
+              <a:t>Current Project</a:t>
+            </a:r>
+          </a:p>
+          <a:p>
+            <a:r>
+              <a:rPr lang="en-US" sz="4400" dirty="0" smtClean="0"/>
+              <a:t>Goals/Timeline</a:t>
+            </a:r>
+            <a:endParaRPr lang="en-US" sz="4400" dirty="0"/>
+          </a:p>
+        </p:txBody>
+      </p:sp>
+    </p:spTree>
+    <p:extLst>
+      <p:ext uri="{BB962C8B-B14F-4D97-AF65-F5344CB8AC3E}">
+        <p14:creationId xmlns:p14="http://schemas.microsoft.com/office/powerpoint/2010/main" val="1864072568"/>
+      </p:ext>
+    </p:extLst>
+  </p:cSld>
+  <p:clrMapOvr>
+    <a:masterClrMapping/>
+  </p:clrMapOvr>
+</p:sld>
+</file>
+
+<file path=ppt/slides/slide3.xml><?xml version="1.0" encoding="utf-8"?>
+<p:sld xmlns:a="http://schemas.openxmlformats.org/drawingml/2006/main" xmlns:r="http://schemas.openxmlformats.org/officeDocument/2006/relationships" xmlns:p="http://schemas.openxmlformats.org/presentationml/2006/main">
+  <p:cSld>
+    <p:spTree>
+      <p:nvGrpSpPr>
+        <p:cNvPr id="1" name=""/>
+        <p:cNvGrpSpPr/>
+        <p:nvPr/>
+      </p:nvGrpSpPr>
+      <p:grpSpPr>
+        <a:xfrm>
+          <a:off x="0" y="0"/>
+          <a:ext cx="0" cy="0"/>
+          <a:chOff x="0" y="0"/>
+          <a:chExt cx="0" cy="0"/>
+        </a:xfrm>
+      </p:grpSpPr>
+      <p:sp>
+        <p:nvSpPr>
+          <p:cNvPr id="2" name="Title 1"/>
+          <p:cNvSpPr>
+            <a:spLocks noGrp="1"/>
+          </p:cNvSpPr>
+          <p:nvPr>
+            <p:ph type="title"/>
+          </p:nvPr>
+        </p:nvSpPr>
+        <p:spPr/>
+        <p:txBody>
+          <a:bodyPr/>
+          <a:lstStyle/>
+          <a:p>
+            <a:r>
+              <a:rPr lang="en-US" dirty="0" smtClean="0"/>
+              <a:t>Updates</a:t>
+            </a:r>
+            <a:endParaRPr lang="en-US" dirty="0"/>
+          </a:p>
+        </p:txBody>
+      </p:sp>
+      <p:sp>
+        <p:nvSpPr>
+          <p:cNvPr id="3" name="Content Placeholder 2"/>
+          <p:cNvSpPr>
+            <a:spLocks noGrp="1"/>
+          </p:cNvSpPr>
+          <p:nvPr>
+            <p:ph idx="1"/>
+          </p:nvPr>
+        </p:nvSpPr>
+        <p:spPr/>
+        <p:txBody>
+          <a:bodyPr>
+            <a:normAutofit fontScale="92500" lnSpcReduction="10000"/>
+          </a:bodyPr>
+          <a:lstStyle/>
+          <a:p>
+            <a:r>
+              <a:rPr lang="en-US" dirty="0" smtClean="0"/>
+              <a:t>2nd Paper accepted in ISME</a:t>
+            </a:r>
+          </a:p>
+          <a:p>
+            <a:pPr lvl="1"/>
+            <a:r>
+              <a:rPr lang="en-US" dirty="0"/>
+              <a:t>Contrasting patterns of genome-level diversity across distinct co-occurring </a:t>
+            </a:r>
+            <a:r>
+              <a:rPr lang="en-US" dirty="0" smtClean="0"/>
+              <a:t>populations</a:t>
+            </a:r>
+            <a:endParaRPr lang="en-US" dirty="0"/>
+          </a:p>
+          <a:p>
+            <a:r>
+              <a:rPr lang="en-US" dirty="0" smtClean="0"/>
+              <a:t>Taught 4 Data/Software Carpentry Workshops</a:t>
+            </a:r>
+          </a:p>
+          <a:p>
+            <a:r>
+              <a:rPr lang="en-US" dirty="0" smtClean="0"/>
+              <a:t>Attended </a:t>
+            </a:r>
+            <a:r>
+              <a:rPr lang="en-US" dirty="0" err="1" smtClean="0"/>
+              <a:t>Anvi’o</a:t>
+            </a:r>
+            <a:r>
+              <a:rPr lang="en-US" dirty="0" smtClean="0"/>
+              <a:t> Workshop</a:t>
+            </a:r>
+          </a:p>
+          <a:p>
+            <a:r>
+              <a:rPr lang="en-US" dirty="0" smtClean="0"/>
+              <a:t>Taught </a:t>
+            </a:r>
+            <a:r>
+              <a:rPr lang="en-US" dirty="0" err="1" smtClean="0"/>
+              <a:t>Anvi’o</a:t>
+            </a:r>
+            <a:r>
+              <a:rPr lang="en-US" dirty="0" smtClean="0"/>
+              <a:t> Workshop</a:t>
+            </a:r>
+          </a:p>
+          <a:p>
+            <a:r>
+              <a:rPr lang="en-US" dirty="0" smtClean="0"/>
+              <a:t>Attended Open Science Grid User School</a:t>
+            </a:r>
+          </a:p>
+          <a:p>
+            <a:r>
+              <a:rPr lang="en-US" dirty="0" smtClean="0"/>
+              <a:t>Attended Microbial Population Biology GRC</a:t>
+            </a:r>
+          </a:p>
+          <a:p>
+            <a:r>
+              <a:rPr lang="en-US" dirty="0" smtClean="0"/>
+              <a:t>‘Retired’ from leading </a:t>
+            </a:r>
+            <a:r>
+              <a:rPr lang="en-US" dirty="0" err="1" smtClean="0"/>
+              <a:t>ComBEE</a:t>
+            </a:r>
+            <a:endParaRPr lang="en-US" dirty="0"/>
+          </a:p>
+        </p:txBody>
+      </p:sp>
+    </p:spTree>
+    <p:extLst>
+      <p:ext uri="{BB962C8B-B14F-4D97-AF65-F5344CB8AC3E}">
+        <p14:creationId xmlns:p14="http://schemas.microsoft.com/office/powerpoint/2010/main" val="1184281434"/>
+      </p:ext>
+    </p:extLst>
+  </p:cSld>
+  <p:clrMapOvr>
+    <a:masterClrMapping/>
+  </p:clrMapOvr>
+</p:sld>
+</file>
+
+<file path=ppt/slides/slide4.xml><?xml version="1.0" encoding="utf-8"?>
+<p:sld xmlns:a="http://schemas.openxmlformats.org/drawingml/2006/main" xmlns:r="http://schemas.openxmlformats.org/officeDocument/2006/relationships" xmlns:p="http://schemas.openxmlformats.org/presentationml/2006/main">
+  <p:cSld>
+    <p:spTree>
+      <p:nvGrpSpPr>
+        <p:cNvPr id="1" name=""/>
+        <p:cNvGrpSpPr/>
+        <p:nvPr/>
+      </p:nvGrpSpPr>
+      <p:grpSpPr>
+        <a:xfrm>
+          <a:off x="0" y="0"/>
+          <a:ext cx="0" cy="0"/>
+          <a:chOff x="0" y="0"/>
+          <a:chExt cx="0" cy="0"/>
+        </a:xfrm>
+      </p:grpSpPr>
+      <p:sp>
+        <p:nvSpPr>
+          <p:cNvPr id="2" name="Title 1"/>
+          <p:cNvSpPr>
+            <a:spLocks noGrp="1"/>
+          </p:cNvSpPr>
+          <p:nvPr>
+            <p:ph type="title"/>
+          </p:nvPr>
+        </p:nvSpPr>
         <p:spPr>
           <a:xfrm>
             <a:off x="457200" y="147633"/>
@@ -7183,7 +7755,7 @@
 </p:sld>
 </file>
 
-<file path=ppt/slides/slide3.xml><?xml version="1.0" encoding="utf-8"?>
+<file path=ppt/slides/slide5.xml><?xml version="1.0" encoding="utf-8"?>
 <p:sld xmlns:a="http://schemas.openxmlformats.org/drawingml/2006/main" xmlns:r="http://schemas.openxmlformats.org/officeDocument/2006/relationships" xmlns:p="http://schemas.openxmlformats.org/presentationml/2006/main">
   <p:cSld>
     <p:spTree>
@@ -7398,7 +7970,7 @@
 </p:sld>
 </file>
 
-<file path=ppt/slides/slide4.xml><?xml version="1.0" encoding="utf-8"?>
+<file path=ppt/slides/slide6.xml><?xml version="1.0" encoding="utf-8"?>
 <p:sld xmlns:a="http://schemas.openxmlformats.org/drawingml/2006/main" xmlns:r="http://schemas.openxmlformats.org/officeDocument/2006/relationships" xmlns:p="http://schemas.openxmlformats.org/presentationml/2006/main">
   <p:cSld>
     <p:spTree>
@@ -7484,354 +8056,6 @@
 </p:sld>
 </file>
 
-<file path=ppt/slides/slide5.xml><?xml version="1.0" encoding="utf-8"?>
-<p:sld xmlns:a="http://schemas.openxmlformats.org/drawingml/2006/main" xmlns:r="http://schemas.openxmlformats.org/officeDocument/2006/relationships" xmlns:p="http://schemas.openxmlformats.org/presentationml/2006/main">
-  <p:cSld>
-    <p:spTree>
-      <p:nvGrpSpPr>
-        <p:cNvPr id="1" name=""/>
-        <p:cNvGrpSpPr/>
-        <p:nvPr/>
-      </p:nvGrpSpPr>
-      <p:grpSpPr>
-        <a:xfrm>
-          <a:off x="0" y="0"/>
-          <a:ext cx="0" cy="0"/>
-          <a:chOff x="0" y="0"/>
-          <a:chExt cx="0" cy="0"/>
-        </a:xfrm>
-      </p:grpSpPr>
-      <p:sp>
-        <p:nvSpPr>
-          <p:cNvPr id="3" name="Title 2"/>
-          <p:cNvSpPr>
-            <a:spLocks noGrp="1"/>
-          </p:cNvSpPr>
-          <p:nvPr>
-            <p:ph type="ctrTitle"/>
-          </p:nvPr>
-        </p:nvSpPr>
-        <p:spPr/>
-        <p:txBody>
-          <a:bodyPr/>
-          <a:lstStyle/>
-          <a:p>
-            <a:r>
-              <a:rPr lang="en-US" dirty="0" smtClean="0"/>
-              <a:t>Current Project</a:t>
-            </a:r>
-            <a:endParaRPr lang="en-US" dirty="0"/>
-          </a:p>
-        </p:txBody>
-      </p:sp>
-      <p:sp>
-        <p:nvSpPr>
-          <p:cNvPr id="4" name="Subtitle 3"/>
-          <p:cNvSpPr>
-            <a:spLocks noGrp="1"/>
-          </p:cNvSpPr>
-          <p:nvPr>
-            <p:ph type="subTitle" idx="1"/>
-          </p:nvPr>
-        </p:nvSpPr>
-        <p:spPr/>
-        <p:txBody>
-          <a:bodyPr/>
-          <a:lstStyle/>
-          <a:p>
-            <a:endParaRPr lang="en-US"/>
-          </a:p>
-        </p:txBody>
-      </p:sp>
-    </p:spTree>
-    <p:extLst>
-      <p:ext uri="{BB962C8B-B14F-4D97-AF65-F5344CB8AC3E}">
-        <p14:creationId xmlns:p14="http://schemas.microsoft.com/office/powerpoint/2010/main" val="2024700940"/>
-      </p:ext>
-    </p:extLst>
-  </p:cSld>
-  <p:clrMapOvr>
-    <a:masterClrMapping/>
-  </p:clrMapOvr>
-</p:sld>
-</file>
-
-<file path=ppt/slides/slide6.xml><?xml version="1.0" encoding="utf-8"?>
-<p:sld xmlns:a="http://schemas.openxmlformats.org/drawingml/2006/main" xmlns:r="http://schemas.openxmlformats.org/officeDocument/2006/relationships" xmlns:p="http://schemas.openxmlformats.org/presentationml/2006/main">
-  <p:cSld>
-    <p:spTree>
-      <p:nvGrpSpPr>
-        <p:cNvPr id="1" name=""/>
-        <p:cNvGrpSpPr/>
-        <p:nvPr/>
-      </p:nvGrpSpPr>
-      <p:grpSpPr>
-        <a:xfrm>
-          <a:off x="0" y="0"/>
-          <a:ext cx="0" cy="0"/>
-          <a:chOff x="0" y="0"/>
-          <a:chExt cx="0" cy="0"/>
-        </a:xfrm>
-      </p:grpSpPr>
-      <p:sp>
-        <p:nvSpPr>
-          <p:cNvPr id="2" name="Title 1"/>
-          <p:cNvSpPr>
-            <a:spLocks noGrp="1"/>
-          </p:cNvSpPr>
-          <p:nvPr>
-            <p:ph type="title"/>
-          </p:nvPr>
-        </p:nvSpPr>
-        <p:spPr/>
-        <p:txBody>
-          <a:bodyPr/>
-          <a:lstStyle/>
-          <a:p>
-            <a:r>
-              <a:rPr lang="en-US" dirty="0" smtClean="0"/>
-              <a:t>Stats on Metagenomes</a:t>
-            </a:r>
-            <a:endParaRPr lang="en-US" dirty="0"/>
-          </a:p>
-        </p:txBody>
-      </p:sp>
-      <p:sp>
-        <p:nvSpPr>
-          <p:cNvPr id="3" name="Content Placeholder 2"/>
-          <p:cNvSpPr>
-            <a:spLocks noGrp="1"/>
-          </p:cNvSpPr>
-          <p:nvPr>
-            <p:ph sz="half" idx="1"/>
-          </p:nvPr>
-        </p:nvSpPr>
-        <p:spPr/>
-        <p:txBody>
-          <a:bodyPr>
-            <a:normAutofit fontScale="92500" lnSpcReduction="10000"/>
-          </a:bodyPr>
-          <a:lstStyle/>
-          <a:p>
-            <a:r>
-              <a:rPr lang="en-US" dirty="0" smtClean="0"/>
-              <a:t>Crystal </a:t>
-            </a:r>
-            <a:r>
-              <a:rPr lang="en-US" dirty="0" smtClean="0"/>
-              <a:t>Bog </a:t>
-            </a:r>
-          </a:p>
-          <a:p>
-            <a:pPr lvl="1"/>
-            <a:r>
-              <a:rPr lang="en-US" dirty="0" smtClean="0"/>
-              <a:t>2007-2009</a:t>
-            </a:r>
-          </a:p>
-          <a:p>
-            <a:pPr lvl="1"/>
-            <a:r>
-              <a:rPr lang="en-US" dirty="0" smtClean="0"/>
-              <a:t>82 metagenomes</a:t>
-            </a:r>
-          </a:p>
-          <a:p>
-            <a:pPr lvl="1"/>
-            <a:r>
-              <a:rPr lang="en-US" dirty="0" smtClean="0"/>
-              <a:t>20 </a:t>
-            </a:r>
-            <a:r>
-              <a:rPr lang="en-US" dirty="0" err="1" smtClean="0"/>
-              <a:t>Gbp</a:t>
-            </a:r>
-            <a:r>
-              <a:rPr lang="en-US" dirty="0" smtClean="0"/>
-              <a:t> assembled</a:t>
-            </a:r>
-            <a:endParaRPr lang="en-US" dirty="0" smtClean="0"/>
-          </a:p>
-          <a:p>
-            <a:r>
-              <a:rPr lang="en-US" dirty="0" smtClean="0"/>
-              <a:t>Mary </a:t>
-            </a:r>
-            <a:r>
-              <a:rPr lang="en-US" dirty="0" smtClean="0"/>
-              <a:t>Lake </a:t>
-            </a:r>
-          </a:p>
-          <a:p>
-            <a:pPr lvl="1"/>
-            <a:r>
-              <a:rPr lang="en-US" dirty="0" smtClean="0"/>
-              <a:t>2009, 12 depths</a:t>
-            </a:r>
-          </a:p>
-          <a:p>
-            <a:pPr lvl="1"/>
-            <a:r>
-              <a:rPr lang="en-US" dirty="0" smtClean="0"/>
-              <a:t>12 metagenomes</a:t>
-            </a:r>
-          </a:p>
-          <a:p>
-            <a:pPr lvl="1"/>
-            <a:r>
-              <a:rPr lang="en-US" dirty="0" smtClean="0"/>
-              <a:t>11 </a:t>
-            </a:r>
-            <a:r>
-              <a:rPr lang="en-US" dirty="0" err="1" smtClean="0"/>
-              <a:t>Mbp</a:t>
-            </a:r>
-            <a:r>
-              <a:rPr lang="en-US" dirty="0" smtClean="0"/>
-              <a:t> assembled</a:t>
-            </a:r>
-            <a:endParaRPr lang="en-US" dirty="0" smtClean="0"/>
-          </a:p>
-        </p:txBody>
-      </p:sp>
-      <p:sp>
-        <p:nvSpPr>
-          <p:cNvPr id="4" name="Content Placeholder 3"/>
-          <p:cNvSpPr>
-            <a:spLocks noGrp="1"/>
-          </p:cNvSpPr>
-          <p:nvPr>
-            <p:ph sz="half" idx="2"/>
-          </p:nvPr>
-        </p:nvSpPr>
-        <p:spPr/>
-        <p:txBody>
-          <a:bodyPr>
-            <a:normAutofit fontScale="92500" lnSpcReduction="10000"/>
-          </a:bodyPr>
-          <a:lstStyle/>
-          <a:p>
-            <a:r>
-              <a:rPr lang="en-US" dirty="0"/>
-              <a:t>Mendota </a:t>
-            </a:r>
-          </a:p>
-          <a:p>
-            <a:pPr lvl="1"/>
-            <a:r>
-              <a:rPr lang="en-US" dirty="0"/>
-              <a:t>2008-2012</a:t>
-            </a:r>
-          </a:p>
-          <a:p>
-            <a:pPr lvl="1"/>
-            <a:r>
-              <a:rPr lang="en-US" dirty="0"/>
-              <a:t>94 </a:t>
-            </a:r>
-            <a:r>
-              <a:rPr lang="en-US" dirty="0" smtClean="0"/>
-              <a:t>metagenomes</a:t>
-            </a:r>
-          </a:p>
-          <a:p>
-            <a:pPr lvl="1"/>
-            <a:r>
-              <a:rPr lang="en-US" dirty="0" smtClean="0"/>
-              <a:t>11 </a:t>
-            </a:r>
-            <a:r>
-              <a:rPr lang="en-US" dirty="0" err="1"/>
-              <a:t>Gbp</a:t>
-            </a:r>
-            <a:r>
-              <a:rPr lang="en-US" dirty="0"/>
-              <a:t> assembled</a:t>
-            </a:r>
-          </a:p>
-          <a:p>
-            <a:r>
-              <a:rPr lang="en-US" dirty="0"/>
-              <a:t>Trout Bog </a:t>
-            </a:r>
-          </a:p>
-          <a:p>
-            <a:pPr lvl="1"/>
-            <a:r>
-              <a:rPr lang="en-US" dirty="0" err="1"/>
-              <a:t>epilimnion</a:t>
-            </a:r>
-            <a:r>
-              <a:rPr lang="en-US" dirty="0"/>
-              <a:t> </a:t>
-            </a:r>
-          </a:p>
-          <a:p>
-            <a:pPr lvl="2"/>
-            <a:r>
-              <a:rPr lang="en-US" dirty="0" smtClean="0"/>
-              <a:t>2007-2009</a:t>
-            </a:r>
-          </a:p>
-          <a:p>
-            <a:pPr lvl="2"/>
-            <a:r>
-              <a:rPr lang="en-US" dirty="0" smtClean="0"/>
-              <a:t>47 metagenomes</a:t>
-            </a:r>
-            <a:endParaRPr lang="en-US" dirty="0"/>
-          </a:p>
-          <a:p>
-            <a:pPr lvl="1"/>
-            <a:r>
-              <a:rPr lang="en-US" dirty="0" err="1"/>
-              <a:t>hypolimnion</a:t>
-            </a:r>
-            <a:r>
-              <a:rPr lang="en-US" dirty="0"/>
-              <a:t> </a:t>
-            </a:r>
-          </a:p>
-          <a:p>
-            <a:pPr lvl="2"/>
-            <a:r>
-              <a:rPr lang="en-US" dirty="0"/>
-              <a:t>2005, 2007-2009, </a:t>
-            </a:r>
-            <a:r>
-              <a:rPr lang="en-US" dirty="0" smtClean="0"/>
-              <a:t>2012-2013</a:t>
-            </a:r>
-          </a:p>
-          <a:p>
-            <a:pPr lvl="2"/>
-            <a:r>
-              <a:rPr lang="en-US" dirty="0" smtClean="0"/>
-              <a:t>82 metagenomes</a:t>
-            </a:r>
-          </a:p>
-          <a:p>
-            <a:pPr lvl="2"/>
-            <a:endParaRPr lang="en-US" dirty="0"/>
-          </a:p>
-          <a:p>
-            <a:endParaRPr lang="en-US" dirty="0"/>
-          </a:p>
-        </p:txBody>
-      </p:sp>
-    </p:spTree>
-    <p:extLst>
-      <p:ext uri="{BB962C8B-B14F-4D97-AF65-F5344CB8AC3E}">
-        <p14:creationId xmlns:p14="http://schemas.microsoft.com/office/powerpoint/2010/main" val="2510057821"/>
-      </p:ext>
-    </p:extLst>
-  </p:cSld>
-  <p:clrMapOvr>
-    <a:masterClrMapping/>
-  </p:clrMapOvr>
-</p:sld>
-</file>
-
 <file path=ppt/slides/slide7.xml><?xml version="1.0" encoding="utf-8"?>
 <p:sld xmlns:a="http://schemas.openxmlformats.org/drawingml/2006/main" xmlns:r="http://schemas.openxmlformats.org/officeDocument/2006/relationships" xmlns:p="http://schemas.openxmlformats.org/presentationml/2006/main">
   <p:cSld>
@@ -7851,12 +8075,12 @@
       </p:grpSpPr>
       <p:sp>
         <p:nvSpPr>
-          <p:cNvPr id="2" name="Title 1"/>
-          <p:cNvSpPr>
-            <a:spLocks noGrp="1"/>
-          </p:cNvSpPr>
-          <p:nvPr>
-            <p:ph type="title"/>
+          <p:cNvPr id="3" name="Title 2"/>
+          <p:cNvSpPr>
+            <a:spLocks noGrp="1"/>
+          </p:cNvSpPr>
+          <p:nvPr>
+            <p:ph type="ctrTitle"/>
           </p:nvPr>
         </p:nvSpPr>
         <p:spPr/>
@@ -7866,45 +8090,35 @@
           <a:p>
             <a:r>
               <a:rPr lang="en-US" dirty="0" smtClean="0"/>
-              <a:t>Data Processing</a:t>
+              <a:t>Current Project</a:t>
             </a:r>
             <a:endParaRPr lang="en-US" dirty="0"/>
           </a:p>
         </p:txBody>
       </p:sp>
-      <p:pic>
-        <p:nvPicPr>
-          <p:cNvPr id="5" name="Picture 4" descr="binning_experimental_plan_diagram_to_mapping.png"/>
-          <p:cNvPicPr>
-            <a:picLocks noChangeAspect="1"/>
-          </p:cNvPicPr>
-          <p:nvPr/>
-        </p:nvPicPr>
-        <p:blipFill rotWithShape="1">
-          <a:blip r:embed="rId2">
-            <a:extLst>
-              <a:ext uri="{28A0092B-C50C-407E-A947-70E740481C1C}">
-                <a14:useLocalDpi xmlns:a14="http://schemas.microsoft.com/office/drawing/2010/main" val="0"/>
-              </a:ext>
-            </a:extLst>
-          </a:blip>
-          <a:srcRect l="700" t="1628" r="774" b="1603"/>
-          <a:stretch/>
-        </p:blipFill>
-        <p:spPr>
-          <a:xfrm>
-            <a:off x="63960" y="1763305"/>
-            <a:ext cx="9009227" cy="4129648"/>
-          </a:xfrm>
-          <a:prstGeom prst="rect">
-            <a:avLst/>
-          </a:prstGeom>
-        </p:spPr>
-      </p:pic>
+      <p:sp>
+        <p:nvSpPr>
+          <p:cNvPr id="4" name="Subtitle 3"/>
+          <p:cNvSpPr>
+            <a:spLocks noGrp="1"/>
+          </p:cNvSpPr>
+          <p:nvPr>
+            <p:ph type="subTitle" idx="1"/>
+          </p:nvPr>
+        </p:nvSpPr>
+        <p:spPr/>
+        <p:txBody>
+          <a:bodyPr/>
+          <a:lstStyle/>
+          <a:p>
+            <a:endParaRPr lang="en-US"/>
+          </a:p>
+        </p:txBody>
+      </p:sp>
     </p:spTree>
     <p:extLst>
       <p:ext uri="{BB962C8B-B14F-4D97-AF65-F5344CB8AC3E}">
-        <p14:creationId xmlns:p14="http://schemas.microsoft.com/office/powerpoint/2010/main" val="484787663"/>
+        <p14:creationId xmlns:p14="http://schemas.microsoft.com/office/powerpoint/2010/main" val="2024700940"/>
       </p:ext>
     </p:extLst>
   </p:cSld>
@@ -7948,7 +8162,7 @@
           <a:p>
             <a:r>
               <a:rPr lang="en-US" dirty="0" smtClean="0"/>
-              <a:t>Stats on MAGs so far</a:t>
+              <a:t>Questions</a:t>
             </a:r>
             <a:endParaRPr lang="en-US" dirty="0"/>
           </a:p>
@@ -7966,186 +8180,38 @@
         </p:nvSpPr>
         <p:spPr/>
         <p:txBody>
-          <a:bodyPr>
-            <a:normAutofit fontScale="92500" lnSpcReduction="10000"/>
-          </a:bodyPr>
-          <a:lstStyle/>
-          <a:p>
-            <a:r>
-              <a:rPr lang="en-US" dirty="0" smtClean="0"/>
-              <a:t>Crystal Bog</a:t>
-            </a:r>
-          </a:p>
-          <a:p>
-            <a:pPr lvl="1"/>
+          <a:bodyPr/>
+          <a:lstStyle/>
+          <a:p>
+            <a:r>
+              <a:rPr lang="en-US" dirty="0" smtClean="0"/>
+              <a:t>Are </a:t>
+            </a:r>
             <a:r>
               <a:rPr lang="en-US" dirty="0"/>
-              <a:t>2505 bins, 564 passed </a:t>
-            </a:r>
-            <a:r>
-              <a:rPr lang="en-US" dirty="0" smtClean="0"/>
-              <a:t>filtering</a:t>
-            </a:r>
-          </a:p>
-          <a:p>
-            <a:pPr lvl="1"/>
+              <a:t>there ecologically distinct strains/genotypes within previously defined sequence-discrete populations?</a:t>
+            </a:r>
+          </a:p>
+          <a:p>
             <a:r>
               <a:rPr lang="en-US" dirty="0"/>
-              <a:t>Phyla with &gt; 10 bins:  </a:t>
+              <a:t>What stage of speciation are these distinct strains/genotypes at in their separation? </a:t>
             </a:r>
             <a:endParaRPr lang="en-US" dirty="0" smtClean="0"/>
           </a:p>
           <a:p>
-            <a:pPr lvl="2"/>
-            <a:r>
-              <a:rPr lang="en-US" dirty="0" err="1" smtClean="0"/>
-              <a:t>Actinobacteria</a:t>
-            </a:r>
-            <a:r>
-              <a:rPr lang="en-US" dirty="0" smtClean="0"/>
-              <a:t>(342), </a:t>
-            </a:r>
-            <a:r>
-              <a:rPr lang="en-US" dirty="0" err="1" smtClean="0"/>
-              <a:t>Proteobacteria</a:t>
-            </a:r>
-            <a:r>
-              <a:rPr lang="en-US" dirty="0" smtClean="0"/>
-              <a:t>(267), </a:t>
-            </a:r>
-            <a:r>
-              <a:rPr lang="en-US" dirty="0" err="1" smtClean="0"/>
-              <a:t>Verrucomicrobia</a:t>
-            </a:r>
-            <a:r>
-              <a:rPr lang="en-US" dirty="0" smtClean="0"/>
-              <a:t>(113), </a:t>
-            </a:r>
-            <a:r>
-              <a:rPr lang="en-US" dirty="0" err="1" smtClean="0"/>
-              <a:t>Bacteroidetes</a:t>
-            </a:r>
-            <a:r>
-              <a:rPr lang="en-US" dirty="0" smtClean="0"/>
-              <a:t>(41), </a:t>
-            </a:r>
-            <a:r>
-              <a:rPr lang="en-US" dirty="0" err="1"/>
-              <a:t>Candidatus</a:t>
+            <a:r>
+              <a:rPr lang="en-US" dirty="0" smtClean="0"/>
+              <a:t>Is </a:t>
             </a:r>
             <a:r>
               <a:rPr lang="en-US" dirty="0"/>
-              <a:t> </a:t>
-            </a:r>
-            <a:r>
-              <a:rPr lang="en-US" dirty="0" err="1" smtClean="0"/>
-              <a:t>Saccharibacteria</a:t>
-            </a:r>
-            <a:r>
-              <a:rPr lang="en-US" dirty="0" smtClean="0"/>
-              <a:t>(31), </a:t>
-            </a:r>
-            <a:r>
-              <a:rPr lang="en-US" dirty="0" err="1" smtClean="0"/>
-              <a:t>Chlorobi</a:t>
-            </a:r>
-            <a:r>
-              <a:rPr lang="en-US" dirty="0" smtClean="0"/>
-              <a:t>(29), </a:t>
-            </a:r>
-            <a:r>
-              <a:rPr lang="en-US" dirty="0" err="1" smtClean="0"/>
-              <a:t>Parcubacteria</a:t>
-            </a:r>
-            <a:r>
-              <a:rPr lang="en-US" dirty="0" smtClean="0"/>
-              <a:t> (10), </a:t>
-            </a:r>
-          </a:p>
-          <a:p>
-            <a:r>
-              <a:rPr lang="en-US" dirty="0" smtClean="0"/>
-              <a:t>Mary </a:t>
-            </a:r>
-            <a:r>
-              <a:rPr lang="en-US" dirty="0" smtClean="0"/>
-              <a:t>Lake</a:t>
-            </a:r>
-          </a:p>
-          <a:p>
-            <a:pPr lvl="1"/>
-            <a:r>
-              <a:rPr lang="en-US" dirty="0"/>
-              <a:t>352 bins, 104 passed </a:t>
-            </a:r>
-            <a:r>
-              <a:rPr lang="en-US" dirty="0" smtClean="0"/>
-              <a:t>filtering</a:t>
-            </a:r>
-          </a:p>
-          <a:p>
-            <a:pPr lvl="1"/>
-            <a:r>
-              <a:rPr lang="en-US" dirty="0" smtClean="0"/>
-              <a:t>Phyla </a:t>
-            </a:r>
-            <a:r>
-              <a:rPr lang="en-US" dirty="0"/>
-              <a:t>with &gt; 10 bins</a:t>
-            </a:r>
-            <a:r>
-              <a:rPr lang="en-US" dirty="0" smtClean="0"/>
-              <a:t>:</a:t>
-            </a:r>
-          </a:p>
-          <a:p>
-            <a:pPr lvl="2"/>
-            <a:r>
-              <a:rPr lang="en-US" dirty="0" err="1" smtClean="0"/>
-              <a:t>Proteobacteria</a:t>
-            </a:r>
-            <a:r>
-              <a:rPr lang="en-US" dirty="0" smtClean="0"/>
-              <a:t>(99), </a:t>
-            </a:r>
-            <a:r>
-              <a:rPr lang="en-US" dirty="0" err="1" smtClean="0"/>
-              <a:t>Actinobacteria</a:t>
-            </a:r>
-            <a:r>
-              <a:rPr lang="en-US" dirty="0" smtClean="0"/>
-              <a:t>(34), </a:t>
-            </a:r>
-            <a:r>
-              <a:rPr lang="en-US" dirty="0" err="1" smtClean="0"/>
-              <a:t>Planctomycetes</a:t>
-            </a:r>
-            <a:r>
-              <a:rPr lang="en-US" dirty="0" smtClean="0"/>
-              <a:t>(21), </a:t>
-            </a:r>
-            <a:r>
-              <a:rPr lang="en-US" dirty="0" err="1" smtClean="0"/>
-              <a:t>Verrucomicrobia</a:t>
-            </a:r>
-            <a:r>
-              <a:rPr lang="en-US" dirty="0" smtClean="0"/>
-              <a:t>(18), </a:t>
-            </a:r>
-            <a:r>
-              <a:rPr lang="en-US" dirty="0" err="1" smtClean="0"/>
-              <a:t>Bacteroidetes</a:t>
-            </a:r>
-            <a:r>
-              <a:rPr lang="en-US" dirty="0" smtClean="0"/>
-              <a:t>(18), Cyanobacteria(11)</a:t>
-            </a:r>
-          </a:p>
-          <a:p>
-            <a:pPr lvl="2"/>
-            <a:endParaRPr lang="en-US" dirty="0"/>
-          </a:p>
-          <a:p>
+              <a:t>there a barrier </a:t>
+            </a:r>
+            <a:r>
+              <a:rPr lang="en-US" dirty="0" smtClean="0"/>
+              <a:t>to recombination between co-exiting strains?</a:t>
+            </a:r>
             <a:endParaRPr lang="en-US" dirty="0"/>
           </a:p>
         </p:txBody>
@@ -8153,7 +8219,7 @@
     </p:spTree>
     <p:extLst>
       <p:ext uri="{BB962C8B-B14F-4D97-AF65-F5344CB8AC3E}">
-        <p14:creationId xmlns:p14="http://schemas.microsoft.com/office/powerpoint/2010/main" val="3930018211"/>
+        <p14:creationId xmlns:p14="http://schemas.microsoft.com/office/powerpoint/2010/main" val="2491628351"/>
       </p:ext>
     </p:extLst>
   </p:cSld>
@@ -8197,7 +8263,7 @@
           <a:p>
             <a:r>
               <a:rPr lang="en-US" dirty="0" smtClean="0"/>
-              <a:t>Questions</a:t>
+              <a:t>Stats on Metagenomes</a:t>
             </a:r>
             <a:endParaRPr lang="en-US" dirty="0"/>
           </a:p>
@@ -8210,43 +8276,218 @@
             <a:spLocks noGrp="1"/>
           </p:cNvSpPr>
           <p:nvPr>
-            <p:ph idx="1"/>
+            <p:ph sz="half" idx="1"/>
           </p:nvPr>
         </p:nvSpPr>
         <p:spPr/>
         <p:txBody>
-          <a:bodyPr/>
-          <a:lstStyle/>
-          <a:p>
-            <a:r>
-              <a:rPr lang="en-US" dirty="0" smtClean="0"/>
-              <a:t>Are </a:t>
-            </a:r>
+          <a:bodyPr>
+            <a:normAutofit fontScale="92500" lnSpcReduction="10000"/>
+          </a:bodyPr>
+          <a:lstStyle/>
+          <a:p>
+            <a:r>
+              <a:rPr lang="en-US" dirty="0" smtClean="0"/>
+              <a:t>Crystal </a:t>
+            </a:r>
+            <a:r>
+              <a:rPr lang="en-US" dirty="0" smtClean="0"/>
+              <a:t>Bog </a:t>
+            </a:r>
+          </a:p>
+          <a:p>
+            <a:pPr lvl="1"/>
+            <a:r>
+              <a:rPr lang="en-US" dirty="0" smtClean="0"/>
+              <a:t>2007-2009</a:t>
+            </a:r>
+          </a:p>
+          <a:p>
+            <a:pPr lvl="1"/>
+            <a:r>
+              <a:rPr lang="en-US" dirty="0" smtClean="0"/>
+              <a:t>82 metagenomes</a:t>
+            </a:r>
+          </a:p>
+          <a:p>
+            <a:pPr lvl="1"/>
+            <a:r>
+              <a:rPr lang="en-US" dirty="0" smtClean="0"/>
+              <a:t>20 </a:t>
+            </a:r>
+            <a:r>
+              <a:rPr lang="en-US" dirty="0" err="1" smtClean="0"/>
+              <a:t>Gbp</a:t>
+            </a:r>
+            <a:r>
+              <a:rPr lang="en-US" dirty="0" smtClean="0"/>
+              <a:t> assembled</a:t>
+            </a:r>
+            <a:endParaRPr lang="en-US" dirty="0" smtClean="0"/>
+          </a:p>
+          <a:p>
+            <a:r>
+              <a:rPr lang="en-US" dirty="0" smtClean="0"/>
+              <a:t>Mary </a:t>
+            </a:r>
+            <a:r>
+              <a:rPr lang="en-US" dirty="0" smtClean="0"/>
+              <a:t>Lake </a:t>
+            </a:r>
+          </a:p>
+          <a:p>
+            <a:pPr lvl="1"/>
+            <a:r>
+              <a:rPr lang="en-US" dirty="0" smtClean="0"/>
+              <a:t>2009, 12 depths</a:t>
+            </a:r>
+          </a:p>
+          <a:p>
+            <a:pPr lvl="1"/>
+            <a:r>
+              <a:rPr lang="en-US" dirty="0" smtClean="0"/>
+              <a:t>12 metagenomes</a:t>
+            </a:r>
+          </a:p>
+          <a:p>
+            <a:pPr lvl="1"/>
+            <a:r>
+              <a:rPr lang="en-US" dirty="0" smtClean="0"/>
+              <a:t>11 </a:t>
+            </a:r>
+            <a:r>
+              <a:rPr lang="en-US" dirty="0" err="1" smtClean="0"/>
+              <a:t>Mbp</a:t>
+            </a:r>
+            <a:r>
+              <a:rPr lang="en-US" dirty="0" smtClean="0"/>
+              <a:t> assembled</a:t>
+            </a:r>
+            <a:endParaRPr lang="en-US" dirty="0" smtClean="0"/>
+          </a:p>
+        </p:txBody>
+      </p:sp>
+      <p:sp>
+        <p:nvSpPr>
+          <p:cNvPr id="4" name="Content Placeholder 3"/>
+          <p:cNvSpPr>
+            <a:spLocks noGrp="1"/>
+          </p:cNvSpPr>
+          <p:nvPr>
+            <p:ph sz="half" idx="2"/>
+          </p:nvPr>
+        </p:nvSpPr>
+        <p:spPr/>
+        <p:txBody>
+          <a:bodyPr>
+            <a:normAutofit fontScale="92500" lnSpcReduction="10000"/>
+          </a:bodyPr>
+          <a:lstStyle/>
+          <a:p>
             <a:r>
               <a:rPr lang="en-US" dirty="0"/>
-              <a:t>there ecologically distinct strains/genotypes within previously defined sequence-discrete populations?</a:t>
-            </a:r>
-          </a:p>
-          <a:p>
+              <a:t>Mendota </a:t>
+            </a:r>
+          </a:p>
+          <a:p>
+            <a:pPr lvl="1"/>
             <a:r>
               <a:rPr lang="en-US" dirty="0"/>
-              <a:t>What stage of speciation are these distinct strains/genotypes at in their separation? </a:t>
-            </a:r>
-            <a:endParaRPr lang="en-US" dirty="0" smtClean="0"/>
-          </a:p>
-          <a:p>
-            <a:r>
-              <a:rPr lang="en-US" dirty="0" smtClean="0"/>
-              <a:t>Is </a:t>
-            </a:r>
+              <a:t>2008-2012</a:t>
+            </a:r>
+          </a:p>
+          <a:p>
+            <a:pPr lvl="1"/>
             <a:r>
               <a:rPr lang="en-US" dirty="0"/>
-              <a:t>there a barrier </a:t>
-            </a:r>
-            <a:r>
-              <a:rPr lang="en-US" dirty="0" smtClean="0"/>
-              <a:t>to recombination between co-exiting strains?</a:t>
-            </a:r>
+              <a:t>94 </a:t>
+            </a:r>
+            <a:r>
+              <a:rPr lang="en-US" dirty="0" smtClean="0"/>
+              <a:t>metagenomes</a:t>
+            </a:r>
+          </a:p>
+          <a:p>
+            <a:pPr lvl="1"/>
+            <a:r>
+              <a:rPr lang="en-US" dirty="0" smtClean="0"/>
+              <a:t>11 </a:t>
+            </a:r>
+            <a:r>
+              <a:rPr lang="en-US" dirty="0" err="1"/>
+              <a:t>Gbp</a:t>
+            </a:r>
+            <a:r>
+              <a:rPr lang="en-US" dirty="0"/>
+              <a:t> assembled</a:t>
+            </a:r>
+          </a:p>
+          <a:p>
+            <a:r>
+              <a:rPr lang="en-US" dirty="0"/>
+              <a:t>Trout Bog </a:t>
+            </a:r>
+          </a:p>
+          <a:p>
+            <a:pPr lvl="1"/>
+            <a:r>
+              <a:rPr lang="en-US" dirty="0" err="1"/>
+              <a:t>epilimnion</a:t>
+            </a:r>
+            <a:r>
+              <a:rPr lang="en-US" dirty="0"/>
+              <a:t> </a:t>
+            </a:r>
+          </a:p>
+          <a:p>
+            <a:pPr lvl="2"/>
+            <a:r>
+              <a:rPr lang="en-US" dirty="0" smtClean="0"/>
+              <a:t>2007-2009</a:t>
+            </a:r>
+          </a:p>
+          <a:p>
+            <a:pPr lvl="2"/>
+            <a:r>
+              <a:rPr lang="en-US" dirty="0" smtClean="0"/>
+              <a:t>47 metagenomes</a:t>
+            </a:r>
+            <a:endParaRPr lang="en-US" dirty="0"/>
+          </a:p>
+          <a:p>
+            <a:pPr lvl="1"/>
+            <a:r>
+              <a:rPr lang="en-US" dirty="0" err="1"/>
+              <a:t>hypolimnion</a:t>
+            </a:r>
+            <a:r>
+              <a:rPr lang="en-US" dirty="0"/>
+              <a:t> </a:t>
+            </a:r>
+          </a:p>
+          <a:p>
+            <a:pPr lvl="2"/>
+            <a:r>
+              <a:rPr lang="en-US" dirty="0"/>
+              <a:t>2005, 2007-2009, </a:t>
+            </a:r>
+            <a:r>
+              <a:rPr lang="en-US" dirty="0" smtClean="0"/>
+              <a:t>2012-2013</a:t>
+            </a:r>
+          </a:p>
+          <a:p>
+            <a:pPr lvl="2"/>
+            <a:r>
+              <a:rPr lang="en-US" dirty="0" smtClean="0"/>
+              <a:t>82 metagenomes</a:t>
+            </a:r>
+          </a:p>
+          <a:p>
+            <a:pPr lvl="2"/>
+            <a:endParaRPr lang="en-US" dirty="0"/>
+          </a:p>
+          <a:p>
             <a:endParaRPr lang="en-US" dirty="0"/>
           </a:p>
         </p:txBody>
@@ -8254,7 +8495,7 @@
     </p:spTree>
     <p:extLst>
       <p:ext uri="{BB962C8B-B14F-4D97-AF65-F5344CB8AC3E}">
-        <p14:creationId xmlns:p14="http://schemas.microsoft.com/office/powerpoint/2010/main" val="2491628351"/>
+        <p14:creationId xmlns:p14="http://schemas.microsoft.com/office/powerpoint/2010/main" val="2510057821"/>
       </p:ext>
     </p:extLst>
   </p:cSld>

--- a/5YCM/Slides_5YCM.pptx
+++ b/5YCM/Slides_5YCM.pptx
@@ -5,7 +5,7 @@
     <p:sldMasterId id="2147483648" r:id="rId1"/>
   </p:sldMasterIdLst>
   <p:notesMasterIdLst>
-    <p:notesMasterId r:id="rId19"/>
+    <p:notesMasterId r:id="rId20"/>
   </p:notesMasterIdLst>
   <p:sldIdLst>
     <p:sldId id="283" r:id="rId2"/>
@@ -15,16 +15,17 @@
     <p:sldId id="280" r:id="rId6"/>
     <p:sldId id="271" r:id="rId7"/>
     <p:sldId id="281" r:id="rId8"/>
-    <p:sldId id="287" r:id="rId9"/>
-    <p:sldId id="284" r:id="rId10"/>
-    <p:sldId id="286" r:id="rId11"/>
-    <p:sldId id="285" r:id="rId12"/>
-    <p:sldId id="288" r:id="rId13"/>
-    <p:sldId id="259" r:id="rId14"/>
-    <p:sldId id="260" r:id="rId15"/>
-    <p:sldId id="289" r:id="rId16"/>
-    <p:sldId id="290" r:id="rId17"/>
-    <p:sldId id="291" r:id="rId18"/>
+    <p:sldId id="294" r:id="rId9"/>
+    <p:sldId id="287" r:id="rId10"/>
+    <p:sldId id="284" r:id="rId11"/>
+    <p:sldId id="286" r:id="rId12"/>
+    <p:sldId id="285" r:id="rId13"/>
+    <p:sldId id="288" r:id="rId14"/>
+    <p:sldId id="259" r:id="rId15"/>
+    <p:sldId id="260" r:id="rId16"/>
+    <p:sldId id="289" r:id="rId17"/>
+    <p:sldId id="290" r:id="rId18"/>
+    <p:sldId id="291" r:id="rId19"/>
   </p:sldIdLst>
   <p:sldSz cx="9144000" cy="6858000" type="screen4x3"/>
   <p:notesSz cx="6858000" cy="9144000"/>
@@ -143,6 +144,7 @@
         <p14:section name="newQ speciation" id="{D4EF7B4F-9358-EF46-9E72-ABD9447F9847}">
           <p14:sldIdLst>
             <p14:sldId id="281"/>
+            <p14:sldId id="294"/>
             <p14:sldId id="287"/>
             <p14:sldId id="284"/>
             <p14:sldId id="286"/>
@@ -166,7 +168,7 @@
       </p14:sectionLst>
     </p:ext>
     <p:ext uri="{EFAFB233-063F-42B5-8137-9DF3F51BA10A}">
-      <p15:sldGuideLst xmlns:p15="http://schemas.microsoft.com/office/powerpoint/2012/main">
+      <p15:sldGuideLst xmlns:p15="http://schemas.microsoft.com/office/powerpoint/2012/main" xmlns="">
         <p15:guide id="1" orient="horz" pos="2160">
           <p15:clr>
             <a:srgbClr val="A4A3A4"/>
@@ -265,7 +267,7 @@
           <a:p>
             <a:fld id="{8DD126E3-FD87-804E-9B94-9466551D12C6}" type="datetimeFigureOut">
               <a:rPr lang="en-US" smtClean="0"/>
-              <a:t>10/24/17</a:t>
+              <a:t>10/26/17</a:t>
             </a:fld>
             <a:endParaRPr lang="en-US"/>
           </a:p>
@@ -832,7 +834,7 @@
           <a:p>
             <a:fld id="{03226FDB-C243-F04F-A3A4-63881AA9751B}" type="slidenum">
               <a:rPr lang="en-US" smtClean="0"/>
-              <a:t>9</a:t>
+              <a:t>10</a:t>
             </a:fld>
             <a:endParaRPr lang="en-US"/>
           </a:p>
@@ -901,11 +903,7 @@
             </a:r>
             <a:r>
               <a:rPr lang="en-US" baseline="0" dirty="0" smtClean="0"/>
-              <a:t> with &gt; 50% completion and less than 10% redundancy using 139 single copy </a:t>
-            </a:r>
-            <a:r>
-              <a:rPr lang="en-US" baseline="0" dirty="0" smtClean="0"/>
-              <a:t>genes</a:t>
+              <a:t> with &gt; 50% completion and less than 10% redundancy using 139 single copy genes</a:t>
             </a:r>
           </a:p>
         </p:txBody>
@@ -927,7 +925,7 @@
           <a:p>
             <a:fld id="{03226FDB-C243-F04F-A3A4-63881AA9751B}" type="slidenum">
               <a:rPr lang="en-US" smtClean="0"/>
-              <a:t>11</a:t>
+              <a:t>12</a:t>
             </a:fld>
             <a:endParaRPr lang="en-US"/>
           </a:p>
@@ -1011,7 +1009,7 @@
           <a:p>
             <a:fld id="{03226FDB-C243-F04F-A3A4-63881AA9751B}" type="slidenum">
               <a:rPr lang="en-US" smtClean="0"/>
-              <a:t>12</a:t>
+              <a:t>13</a:t>
             </a:fld>
             <a:endParaRPr lang="en-US"/>
           </a:p>
@@ -1118,7 +1116,7 @@
           <a:p>
             <a:fld id="{E24C21EA-28B2-0442-AFB4-706342F125BD}" type="slidenum">
               <a:rPr lang="en-US" smtClean="0"/>
-              <a:t>13</a:t>
+              <a:t>14</a:t>
             </a:fld>
             <a:endParaRPr lang="en-US"/>
           </a:p>
@@ -1216,7 +1214,7 @@
           <a:p>
             <a:fld id="{E24C21EA-28B2-0442-AFB4-706342F125BD}" type="slidenum">
               <a:rPr lang="en-US" smtClean="0"/>
-              <a:t>14</a:t>
+              <a:t>15</a:t>
             </a:fld>
             <a:endParaRPr lang="en-US"/>
           </a:p>
@@ -1304,7 +1302,7 @@
           <a:p>
             <a:fld id="{03226FDB-C243-F04F-A3A4-63881AA9751B}" type="slidenum">
               <a:rPr lang="en-US" smtClean="0"/>
-              <a:t>16</a:t>
+              <a:t>17</a:t>
             </a:fld>
             <a:endParaRPr lang="en-US"/>
           </a:p>
@@ -1504,7 +1502,7 @@
           <a:p>
             <a:fld id="{C2CEE717-EDC7-3148-8218-36A4F68267A5}" type="datetimeFigureOut">
               <a:rPr lang="en-US" smtClean="0"/>
-              <a:t>10/24/17</a:t>
+              <a:t>10/26/17</a:t>
             </a:fld>
             <a:endParaRPr lang="en-US"/>
           </a:p>
@@ -1674,7 +1672,7 @@
           <a:p>
             <a:fld id="{C2CEE717-EDC7-3148-8218-36A4F68267A5}" type="datetimeFigureOut">
               <a:rPr lang="en-US" smtClean="0"/>
-              <a:t>10/24/17</a:t>
+              <a:t>10/26/17</a:t>
             </a:fld>
             <a:endParaRPr lang="en-US"/>
           </a:p>
@@ -1854,7 +1852,7 @@
           <a:p>
             <a:fld id="{C2CEE717-EDC7-3148-8218-36A4F68267A5}" type="datetimeFigureOut">
               <a:rPr lang="en-US" smtClean="0"/>
-              <a:t>10/24/17</a:t>
+              <a:t>10/26/17</a:t>
             </a:fld>
             <a:endParaRPr lang="en-US"/>
           </a:p>
@@ -2024,7 +2022,7 @@
           <a:p>
             <a:fld id="{C2CEE717-EDC7-3148-8218-36A4F68267A5}" type="datetimeFigureOut">
               <a:rPr lang="en-US" smtClean="0"/>
-              <a:t>10/24/17</a:t>
+              <a:t>10/26/17</a:t>
             </a:fld>
             <a:endParaRPr lang="en-US"/>
           </a:p>
@@ -2270,7 +2268,7 @@
           <a:p>
             <a:fld id="{C2CEE717-EDC7-3148-8218-36A4F68267A5}" type="datetimeFigureOut">
               <a:rPr lang="en-US" smtClean="0"/>
-              <a:t>10/24/17</a:t>
+              <a:t>10/26/17</a:t>
             </a:fld>
             <a:endParaRPr lang="en-US"/>
           </a:p>
@@ -2558,7 +2556,7 @@
           <a:p>
             <a:fld id="{C2CEE717-EDC7-3148-8218-36A4F68267A5}" type="datetimeFigureOut">
               <a:rPr lang="en-US" smtClean="0"/>
-              <a:t>10/24/17</a:t>
+              <a:t>10/26/17</a:t>
             </a:fld>
             <a:endParaRPr lang="en-US"/>
           </a:p>
@@ -2980,7 +2978,7 @@
           <a:p>
             <a:fld id="{C2CEE717-EDC7-3148-8218-36A4F68267A5}" type="datetimeFigureOut">
               <a:rPr lang="en-US" smtClean="0"/>
-              <a:t>10/24/17</a:t>
+              <a:t>10/26/17</a:t>
             </a:fld>
             <a:endParaRPr lang="en-US"/>
           </a:p>
@@ -3098,7 +3096,7 @@
           <a:p>
             <a:fld id="{C2CEE717-EDC7-3148-8218-36A4F68267A5}" type="datetimeFigureOut">
               <a:rPr lang="en-US" smtClean="0"/>
-              <a:t>10/24/17</a:t>
+              <a:t>10/26/17</a:t>
             </a:fld>
             <a:endParaRPr lang="en-US"/>
           </a:p>
@@ -3193,7 +3191,7 @@
           <a:p>
             <a:fld id="{C2CEE717-EDC7-3148-8218-36A4F68267A5}" type="datetimeFigureOut">
               <a:rPr lang="en-US" smtClean="0"/>
-              <a:t>10/24/17</a:t>
+              <a:t>10/26/17</a:t>
             </a:fld>
             <a:endParaRPr lang="en-US"/>
           </a:p>
@@ -3470,7 +3468,7 @@
           <a:p>
             <a:fld id="{C2CEE717-EDC7-3148-8218-36A4F68267A5}" type="datetimeFigureOut">
               <a:rPr lang="en-US" smtClean="0"/>
-              <a:t>10/24/17</a:t>
+              <a:t>10/26/17</a:t>
             </a:fld>
             <a:endParaRPr lang="en-US"/>
           </a:p>
@@ -3723,7 +3721,7 @@
           <a:p>
             <a:fld id="{C2CEE717-EDC7-3148-8218-36A4F68267A5}" type="datetimeFigureOut">
               <a:rPr lang="en-US" smtClean="0"/>
-              <a:t>10/24/17</a:t>
+              <a:t>10/26/17</a:t>
             </a:fld>
             <a:endParaRPr lang="en-US"/>
           </a:p>
@@ -3936,7 +3934,7 @@
           <a:p>
             <a:fld id="{C2CEE717-EDC7-3148-8218-36A4F68267A5}" type="datetimeFigureOut">
               <a:rPr lang="en-US" smtClean="0"/>
-              <a:t>10/24/17</a:t>
+              <a:t>10/26/17</a:t>
             </a:fld>
             <a:endParaRPr lang="en-US"/>
           </a:p>
@@ -4469,7 +4467,7 @@
   <p:timing>
     <p:tnLst>
       <p:par>
-        <p:cTn id="1" dur="indefinite" restart="never" nodeType="tmRoot"/>
+        <p:cTn xmlns:p14="http://schemas.microsoft.com/office/powerpoint/2010/main" id="1" dur="indefinite" restart="never" nodeType="tmRoot"/>
       </p:par>
     </p:tnLst>
   </p:timing>
@@ -4477,6 +4475,272 @@
 </file>
 
 <file path=ppt/slides/slide10.xml><?xml version="1.0" encoding="utf-8"?>
+<p:sld xmlns:a="http://schemas.openxmlformats.org/drawingml/2006/main" xmlns:r="http://schemas.openxmlformats.org/officeDocument/2006/relationships" xmlns:p="http://schemas.openxmlformats.org/presentationml/2006/main">
+  <p:cSld>
+    <p:spTree>
+      <p:nvGrpSpPr>
+        <p:cNvPr id="1" name=""/>
+        <p:cNvGrpSpPr/>
+        <p:nvPr/>
+      </p:nvGrpSpPr>
+      <p:grpSpPr>
+        <a:xfrm>
+          <a:off x="0" y="0"/>
+          <a:ext cx="0" cy="0"/>
+          <a:chOff x="0" y="0"/>
+          <a:chExt cx="0" cy="0"/>
+        </a:xfrm>
+      </p:grpSpPr>
+      <p:sp>
+        <p:nvSpPr>
+          <p:cNvPr id="2" name="Title 1"/>
+          <p:cNvSpPr>
+            <a:spLocks noGrp="1"/>
+          </p:cNvSpPr>
+          <p:nvPr>
+            <p:ph type="title"/>
+          </p:nvPr>
+        </p:nvSpPr>
+        <p:spPr/>
+        <p:txBody>
+          <a:bodyPr/>
+          <a:lstStyle/>
+          <a:p>
+            <a:r>
+              <a:rPr lang="en-US" dirty="0" smtClean="0"/>
+              <a:t>Stats on Metagenomes</a:t>
+            </a:r>
+            <a:endParaRPr lang="en-US" dirty="0"/>
+          </a:p>
+        </p:txBody>
+      </p:sp>
+      <p:sp>
+        <p:nvSpPr>
+          <p:cNvPr id="3" name="Content Placeholder 2"/>
+          <p:cNvSpPr>
+            <a:spLocks noGrp="1"/>
+          </p:cNvSpPr>
+          <p:nvPr>
+            <p:ph sz="half" idx="1"/>
+          </p:nvPr>
+        </p:nvSpPr>
+        <p:spPr/>
+        <p:txBody>
+          <a:bodyPr>
+            <a:normAutofit fontScale="92500" lnSpcReduction="10000"/>
+          </a:bodyPr>
+          <a:lstStyle/>
+          <a:p>
+            <a:r>
+              <a:rPr lang="en-US" dirty="0" smtClean="0"/>
+              <a:t>Crystal Bog </a:t>
+            </a:r>
+          </a:p>
+          <a:p>
+            <a:pPr lvl="1"/>
+            <a:r>
+              <a:rPr lang="en-US" dirty="0" smtClean="0"/>
+              <a:t>2007-2009</a:t>
+            </a:r>
+          </a:p>
+          <a:p>
+            <a:pPr lvl="1"/>
+            <a:r>
+              <a:rPr lang="en-US" dirty="0" smtClean="0"/>
+              <a:t>82 metagenomes</a:t>
+            </a:r>
+          </a:p>
+          <a:p>
+            <a:pPr lvl="1"/>
+            <a:r>
+              <a:rPr lang="en-US" dirty="0" smtClean="0"/>
+              <a:t>20 </a:t>
+            </a:r>
+            <a:r>
+              <a:rPr lang="en-US" dirty="0" err="1" smtClean="0"/>
+              <a:t>Gbp</a:t>
+            </a:r>
+            <a:r>
+              <a:rPr lang="en-US" dirty="0" smtClean="0"/>
+              <a:t> assembled</a:t>
+            </a:r>
+          </a:p>
+          <a:p>
+            <a:r>
+              <a:rPr lang="en-US" dirty="0" smtClean="0"/>
+              <a:t>Mary Lake </a:t>
+            </a:r>
+          </a:p>
+          <a:p>
+            <a:pPr lvl="1"/>
+            <a:r>
+              <a:rPr lang="en-US" dirty="0" smtClean="0"/>
+              <a:t>2009, 12 depths</a:t>
+            </a:r>
+          </a:p>
+          <a:p>
+            <a:pPr lvl="1"/>
+            <a:r>
+              <a:rPr lang="en-US" dirty="0" smtClean="0"/>
+              <a:t>12 metagenomes</a:t>
+            </a:r>
+          </a:p>
+          <a:p>
+            <a:pPr lvl="1"/>
+            <a:r>
+              <a:rPr lang="en-US" dirty="0" smtClean="0"/>
+              <a:t>11 </a:t>
+            </a:r>
+            <a:r>
+              <a:rPr lang="en-US" dirty="0" err="1" smtClean="0"/>
+              <a:t>Mbp</a:t>
+            </a:r>
+            <a:r>
+              <a:rPr lang="en-US" dirty="0" smtClean="0"/>
+              <a:t> assembled</a:t>
+            </a:r>
+          </a:p>
+        </p:txBody>
+      </p:sp>
+      <p:sp>
+        <p:nvSpPr>
+          <p:cNvPr id="4" name="Content Placeholder 3"/>
+          <p:cNvSpPr>
+            <a:spLocks noGrp="1"/>
+          </p:cNvSpPr>
+          <p:nvPr>
+            <p:ph sz="half" idx="2"/>
+          </p:nvPr>
+        </p:nvSpPr>
+        <p:spPr/>
+        <p:txBody>
+          <a:bodyPr>
+            <a:normAutofit fontScale="92500" lnSpcReduction="10000"/>
+          </a:bodyPr>
+          <a:lstStyle/>
+          <a:p>
+            <a:r>
+              <a:rPr lang="en-US" dirty="0"/>
+              <a:t>Mendota </a:t>
+            </a:r>
+          </a:p>
+          <a:p>
+            <a:pPr lvl="1"/>
+            <a:r>
+              <a:rPr lang="en-US" dirty="0"/>
+              <a:t>2008-2012</a:t>
+            </a:r>
+          </a:p>
+          <a:p>
+            <a:pPr lvl="1"/>
+            <a:r>
+              <a:rPr lang="en-US" dirty="0"/>
+              <a:t>94 </a:t>
+            </a:r>
+            <a:r>
+              <a:rPr lang="en-US" dirty="0" smtClean="0"/>
+              <a:t>metagenomes</a:t>
+            </a:r>
+          </a:p>
+          <a:p>
+            <a:pPr lvl="1"/>
+            <a:r>
+              <a:rPr lang="en-US" dirty="0" smtClean="0"/>
+              <a:t>11 </a:t>
+            </a:r>
+            <a:r>
+              <a:rPr lang="en-US" dirty="0" err="1"/>
+              <a:t>Gbp</a:t>
+            </a:r>
+            <a:r>
+              <a:rPr lang="en-US" dirty="0"/>
+              <a:t> assembled</a:t>
+            </a:r>
+          </a:p>
+          <a:p>
+            <a:r>
+              <a:rPr lang="en-US" dirty="0"/>
+              <a:t>Trout Bog </a:t>
+            </a:r>
+          </a:p>
+          <a:p>
+            <a:pPr lvl="1"/>
+            <a:r>
+              <a:rPr lang="en-US" dirty="0" err="1"/>
+              <a:t>epilimnion</a:t>
+            </a:r>
+            <a:r>
+              <a:rPr lang="en-US" dirty="0"/>
+              <a:t> </a:t>
+            </a:r>
+          </a:p>
+          <a:p>
+            <a:pPr lvl="2"/>
+            <a:r>
+              <a:rPr lang="en-US" dirty="0" smtClean="0"/>
+              <a:t>2007-2009</a:t>
+            </a:r>
+          </a:p>
+          <a:p>
+            <a:pPr lvl="2"/>
+            <a:r>
+              <a:rPr lang="en-US" dirty="0" smtClean="0"/>
+              <a:t>47 metagenomes</a:t>
+            </a:r>
+            <a:endParaRPr lang="en-US" dirty="0"/>
+          </a:p>
+          <a:p>
+            <a:pPr lvl="1"/>
+            <a:r>
+              <a:rPr lang="en-US" dirty="0" err="1"/>
+              <a:t>hypolimnion</a:t>
+            </a:r>
+            <a:r>
+              <a:rPr lang="en-US" dirty="0"/>
+              <a:t> </a:t>
+            </a:r>
+          </a:p>
+          <a:p>
+            <a:pPr lvl="2"/>
+            <a:r>
+              <a:rPr lang="en-US" dirty="0"/>
+              <a:t>2005, 2007-2009, </a:t>
+            </a:r>
+            <a:r>
+              <a:rPr lang="en-US" dirty="0" smtClean="0"/>
+              <a:t>2012-2013</a:t>
+            </a:r>
+          </a:p>
+          <a:p>
+            <a:pPr lvl="2"/>
+            <a:r>
+              <a:rPr lang="en-US" dirty="0" smtClean="0"/>
+              <a:t>82 metagenomes</a:t>
+            </a:r>
+          </a:p>
+          <a:p>
+            <a:pPr lvl="2"/>
+            <a:endParaRPr lang="en-US" dirty="0"/>
+          </a:p>
+          <a:p>
+            <a:endParaRPr lang="en-US" dirty="0"/>
+          </a:p>
+        </p:txBody>
+      </p:sp>
+    </p:spTree>
+    <p:extLst>
+      <p:ext uri="{BB962C8B-B14F-4D97-AF65-F5344CB8AC3E}">
+        <p14:creationId xmlns:p14="http://schemas.microsoft.com/office/powerpoint/2010/main" val="2510057821"/>
+      </p:ext>
+    </p:extLst>
+  </p:cSld>
+  <p:clrMapOvr>
+    <a:masterClrMapping/>
+  </p:clrMapOvr>
+</p:sld>
+</file>
+
+<file path=ppt/slides/slide11.xml><?xml version="1.0" encoding="utf-8"?>
 <p:sld xmlns:a="http://schemas.openxmlformats.org/drawingml/2006/main" xmlns:r="http://schemas.openxmlformats.org/officeDocument/2006/relationships" xmlns:p="http://schemas.openxmlformats.org/presentationml/2006/main">
   <p:cSld>
     <p:spTree>
@@ -4558,7 +4822,7 @@
 </p:sld>
 </file>
 
-<file path=ppt/slides/slide11.xml><?xml version="1.0" encoding="utf-8"?>
+<file path=ppt/slides/slide12.xml><?xml version="1.0" encoding="utf-8"?>
 <p:sld xmlns:a="http://schemas.openxmlformats.org/drawingml/2006/main" xmlns:r="http://schemas.openxmlformats.org/officeDocument/2006/relationships" xmlns:p="http://schemas.openxmlformats.org/presentationml/2006/main">
   <p:cSld>
     <p:spTree>
@@ -4709,11 +4973,7 @@
           <a:p>
             <a:r>
               <a:rPr lang="en-US" dirty="0" smtClean="0"/>
-              <a:t>Mary </a:t>
-            </a:r>
-            <a:r>
-              <a:rPr lang="en-US" dirty="0" smtClean="0"/>
-              <a:t>Lake</a:t>
+              <a:t>Mary Lake</a:t>
             </a:r>
           </a:p>
           <a:p>
@@ -4807,7 +5067,7 @@
 </p:sld>
 </file>
 
-<file path=ppt/slides/slide12.xml><?xml version="1.0" encoding="utf-8"?>
+<file path=ppt/slides/slide13.xml><?xml version="1.0" encoding="utf-8"?>
 <p:sld xmlns:a="http://schemas.openxmlformats.org/drawingml/2006/main" xmlns:r="http://schemas.openxmlformats.org/officeDocument/2006/relationships" xmlns:p="http://schemas.openxmlformats.org/presentationml/2006/main">
   <p:cSld>
     <p:spTree>
@@ -6429,134 +6689,6 @@
 </p:sld>
 </file>
 
-<file path=ppt/slides/slide13.xml><?xml version="1.0" encoding="utf-8"?>
-<p:sld xmlns:a="http://schemas.openxmlformats.org/drawingml/2006/main" xmlns:r="http://schemas.openxmlformats.org/officeDocument/2006/relationships" xmlns:p="http://schemas.openxmlformats.org/presentationml/2006/main" show="0">
-  <p:cSld>
-    <p:spTree>
-      <p:nvGrpSpPr>
-        <p:cNvPr id="1" name=""/>
-        <p:cNvGrpSpPr/>
-        <p:nvPr/>
-      </p:nvGrpSpPr>
-      <p:grpSpPr>
-        <a:xfrm>
-          <a:off x="0" y="0"/>
-          <a:ext cx="0" cy="0"/>
-          <a:chOff x="0" y="0"/>
-          <a:chExt cx="0" cy="0"/>
-        </a:xfrm>
-      </p:grpSpPr>
-      <p:sp>
-        <p:nvSpPr>
-          <p:cNvPr id="2" name="Title 1"/>
-          <p:cNvSpPr>
-            <a:spLocks noGrp="1"/>
-          </p:cNvSpPr>
-          <p:nvPr>
-            <p:ph type="title"/>
-          </p:nvPr>
-        </p:nvSpPr>
-        <p:spPr/>
-        <p:txBody>
-          <a:bodyPr/>
-          <a:lstStyle/>
-          <a:p>
-            <a:r>
-              <a:rPr lang="en-US" dirty="0" smtClean="0"/>
-              <a:t>Crystal Bog (CB) v. Trout Bog (TB)</a:t>
-            </a:r>
-            <a:endParaRPr lang="en-US" dirty="0"/>
-          </a:p>
-        </p:txBody>
-      </p:sp>
-      <p:sp>
-        <p:nvSpPr>
-          <p:cNvPr id="3" name="Content Placeholder 2"/>
-          <p:cNvSpPr>
-            <a:spLocks noGrp="1"/>
-          </p:cNvSpPr>
-          <p:nvPr>
-            <p:ph idx="1"/>
-          </p:nvPr>
-        </p:nvSpPr>
-        <p:spPr/>
-        <p:txBody>
-          <a:bodyPr>
-            <a:normAutofit lnSpcReduction="10000"/>
-          </a:bodyPr>
-          <a:lstStyle/>
-          <a:p>
-            <a:r>
-              <a:rPr lang="en-US" dirty="0" smtClean="0"/>
-              <a:t>Both dystrophic (high in DOC)</a:t>
-            </a:r>
-          </a:p>
-          <a:p>
-            <a:r>
-              <a:rPr lang="en-US" dirty="0" smtClean="0"/>
-              <a:t>Both seepage lakes</a:t>
-            </a:r>
-          </a:p>
-          <a:p>
-            <a:r>
-              <a:rPr lang="en-US" dirty="0" smtClean="0"/>
-              <a:t>Share 45-60% of their top 20 clades based on 16S tags</a:t>
-            </a:r>
-          </a:p>
-          <a:p>
-            <a:r>
-              <a:rPr lang="en-US" dirty="0" smtClean="0"/>
-              <a:t>Different mixing regimes </a:t>
-            </a:r>
-          </a:p>
-          <a:p>
-            <a:r>
-              <a:rPr lang="en-US" dirty="0" smtClean="0"/>
-              <a:t>CB has a smaller surface area</a:t>
-            </a:r>
-          </a:p>
-          <a:p>
-            <a:r>
-              <a:rPr lang="en-US" dirty="0" smtClean="0"/>
-              <a:t>TB is deeper</a:t>
-            </a:r>
-          </a:p>
-          <a:p>
-            <a:r>
-              <a:rPr lang="en-US" dirty="0" smtClean="0"/>
-              <a:t>About 5 miles apart</a:t>
-            </a:r>
-          </a:p>
-        </p:txBody>
-      </p:sp>
-    </p:spTree>
-    <p:extLst>
-      <p:ext uri="{BB962C8B-B14F-4D97-AF65-F5344CB8AC3E}">
-        <p14:creationId xmlns:p14="http://schemas.microsoft.com/office/powerpoint/2010/main" val="954074340"/>
-      </p:ext>
-    </p:extLst>
-  </p:cSld>
-  <p:clrMapOvr>
-    <a:masterClrMapping/>
-  </p:clrMapOvr>
-  <mc:AlternateContent xmlns:mc="http://schemas.openxmlformats.org/markup-compatibility/2006">
-    <mc:Choice xmlns:p14="http://schemas.microsoft.com/office/powerpoint/2010/main" Requires="p14">
-      <p:transition spd="slow" p14:dur="2000"/>
-    </mc:Choice>
-    <mc:Fallback>
-      <p:transition spd="slow"/>
-    </mc:Fallback>
-  </mc:AlternateContent>
-  <p:timing>
-    <p:tnLst>
-      <p:par>
-        <p:cTn id="1" dur="indefinite" restart="never" nodeType="tmRoot"/>
-      </p:par>
-    </p:tnLst>
-  </p:timing>
-</p:sld>
-</file>
-
 <file path=ppt/slides/slide14.xml><?xml version="1.0" encoding="utf-8"?>
 <p:sld xmlns:a="http://schemas.openxmlformats.org/drawingml/2006/main" xmlns:r="http://schemas.openxmlformats.org/officeDocument/2006/relationships" xmlns:p="http://schemas.openxmlformats.org/presentationml/2006/main" show="0">
   <p:cSld>
@@ -6591,6 +6723,134 @@
           <a:p>
             <a:r>
               <a:rPr lang="en-US" dirty="0" smtClean="0"/>
+              <a:t>Crystal Bog (CB) v. Trout Bog (TB)</a:t>
+            </a:r>
+            <a:endParaRPr lang="en-US" dirty="0"/>
+          </a:p>
+        </p:txBody>
+      </p:sp>
+      <p:sp>
+        <p:nvSpPr>
+          <p:cNvPr id="3" name="Content Placeholder 2"/>
+          <p:cNvSpPr>
+            <a:spLocks noGrp="1"/>
+          </p:cNvSpPr>
+          <p:nvPr>
+            <p:ph idx="1"/>
+          </p:nvPr>
+        </p:nvSpPr>
+        <p:spPr/>
+        <p:txBody>
+          <a:bodyPr>
+            <a:normAutofit lnSpcReduction="10000"/>
+          </a:bodyPr>
+          <a:lstStyle/>
+          <a:p>
+            <a:r>
+              <a:rPr lang="en-US" dirty="0" smtClean="0"/>
+              <a:t>Both dystrophic (high in DOC)</a:t>
+            </a:r>
+          </a:p>
+          <a:p>
+            <a:r>
+              <a:rPr lang="en-US" dirty="0" smtClean="0"/>
+              <a:t>Both seepage lakes</a:t>
+            </a:r>
+          </a:p>
+          <a:p>
+            <a:r>
+              <a:rPr lang="en-US" dirty="0" smtClean="0"/>
+              <a:t>Share 45-60% of their top 20 clades based on 16S tags</a:t>
+            </a:r>
+          </a:p>
+          <a:p>
+            <a:r>
+              <a:rPr lang="en-US" dirty="0" smtClean="0"/>
+              <a:t>Different mixing regimes </a:t>
+            </a:r>
+          </a:p>
+          <a:p>
+            <a:r>
+              <a:rPr lang="en-US" dirty="0" smtClean="0"/>
+              <a:t>CB has a smaller surface area</a:t>
+            </a:r>
+          </a:p>
+          <a:p>
+            <a:r>
+              <a:rPr lang="en-US" dirty="0" smtClean="0"/>
+              <a:t>TB is deeper</a:t>
+            </a:r>
+          </a:p>
+          <a:p>
+            <a:r>
+              <a:rPr lang="en-US" dirty="0" smtClean="0"/>
+              <a:t>About 5 miles apart</a:t>
+            </a:r>
+          </a:p>
+        </p:txBody>
+      </p:sp>
+    </p:spTree>
+    <p:extLst>
+      <p:ext uri="{BB962C8B-B14F-4D97-AF65-F5344CB8AC3E}">
+        <p14:creationId xmlns:p14="http://schemas.microsoft.com/office/powerpoint/2010/main" val="954074340"/>
+      </p:ext>
+    </p:extLst>
+  </p:cSld>
+  <p:clrMapOvr>
+    <a:masterClrMapping/>
+  </p:clrMapOvr>
+  <mc:AlternateContent xmlns:mc="http://schemas.openxmlformats.org/markup-compatibility/2006">
+    <mc:Choice xmlns:p14="http://schemas.microsoft.com/office/powerpoint/2010/main" Requires="p14">
+      <p:transition spd="slow" p14:dur="2000"/>
+    </mc:Choice>
+    <mc:Fallback>
+      <p:transition xmlns:p14="http://schemas.microsoft.com/office/powerpoint/2010/main" spd="slow"/>
+    </mc:Fallback>
+  </mc:AlternateContent>
+  <p:timing>
+    <p:tnLst>
+      <p:par>
+        <p:cTn xmlns:p14="http://schemas.microsoft.com/office/powerpoint/2010/main" id="1" dur="indefinite" restart="never" nodeType="tmRoot"/>
+      </p:par>
+    </p:tnLst>
+  </p:timing>
+</p:sld>
+</file>
+
+<file path=ppt/slides/slide15.xml><?xml version="1.0" encoding="utf-8"?>
+<p:sld xmlns:a="http://schemas.openxmlformats.org/drawingml/2006/main" xmlns:r="http://schemas.openxmlformats.org/officeDocument/2006/relationships" xmlns:p="http://schemas.openxmlformats.org/presentationml/2006/main" show="0">
+  <p:cSld>
+    <p:spTree>
+      <p:nvGrpSpPr>
+        <p:cNvPr id="1" name=""/>
+        <p:cNvGrpSpPr/>
+        <p:nvPr/>
+      </p:nvGrpSpPr>
+      <p:grpSpPr>
+        <a:xfrm>
+          <a:off x="0" y="0"/>
+          <a:ext cx="0" cy="0"/>
+          <a:chOff x="0" y="0"/>
+          <a:chExt cx="0" cy="0"/>
+        </a:xfrm>
+      </p:grpSpPr>
+      <p:sp>
+        <p:nvSpPr>
+          <p:cNvPr id="2" name="Title 1"/>
+          <p:cNvSpPr>
+            <a:spLocks noGrp="1"/>
+          </p:cNvSpPr>
+          <p:nvPr>
+            <p:ph type="title"/>
+          </p:nvPr>
+        </p:nvSpPr>
+        <p:spPr/>
+        <p:txBody>
+          <a:bodyPr/>
+          <a:lstStyle/>
+          <a:p>
+            <a:r>
+              <a:rPr lang="en-US" dirty="0" smtClean="0"/>
               <a:t>Next Questions</a:t>
             </a:r>
             <a:endParaRPr lang="en-US" dirty="0"/>
@@ -6695,20 +6955,20 @@
       <p:transition spd="slow" p14:dur="2000"/>
     </mc:Choice>
     <mc:Fallback>
-      <p:transition spd="slow"/>
+      <p:transition xmlns:p14="http://schemas.microsoft.com/office/powerpoint/2010/main" spd="slow"/>
     </mc:Fallback>
   </mc:AlternateContent>
   <p:timing>
     <p:tnLst>
       <p:par>
-        <p:cTn id="1" dur="indefinite" restart="never" nodeType="tmRoot"/>
+        <p:cTn xmlns:p14="http://schemas.microsoft.com/office/powerpoint/2010/main" id="1" dur="indefinite" restart="never" nodeType="tmRoot"/>
       </p:par>
     </p:tnLst>
   </p:timing>
 </p:sld>
 </file>
 
-<file path=ppt/slides/slide15.xml><?xml version="1.0" encoding="utf-8"?>
+<file path=ppt/slides/slide16.xml><?xml version="1.0" encoding="utf-8"?>
 <p:sld xmlns:a="http://schemas.openxmlformats.org/drawingml/2006/main" xmlns:r="http://schemas.openxmlformats.org/officeDocument/2006/relationships" xmlns:p="http://schemas.openxmlformats.org/presentationml/2006/main" show="0">
   <p:cSld>
     <p:spTree>
@@ -6942,20 +7202,20 @@
       <p:transition spd="slow" p14:dur="2000"/>
     </mc:Choice>
     <mc:Fallback>
-      <p:transition spd="slow"/>
+      <p:transition xmlns:p14="http://schemas.microsoft.com/office/powerpoint/2010/main" spd="slow"/>
     </mc:Fallback>
   </mc:AlternateContent>
   <p:timing>
     <p:tnLst>
       <p:par>
-        <p:cTn id="1" dur="indefinite" restart="never" nodeType="tmRoot"/>
+        <p:cTn xmlns:p14="http://schemas.microsoft.com/office/powerpoint/2010/main" id="1" dur="indefinite" restart="never" nodeType="tmRoot"/>
       </p:par>
     </p:tnLst>
   </p:timing>
 </p:sld>
 </file>
 
-<file path=ppt/slides/slide16.xml><?xml version="1.0" encoding="utf-8"?>
+<file path=ppt/slides/slide17.xml><?xml version="1.0" encoding="utf-8"?>
 <p:sld xmlns:a="http://schemas.openxmlformats.org/drawingml/2006/main" xmlns:r="http://schemas.openxmlformats.org/officeDocument/2006/relationships" xmlns:p="http://schemas.openxmlformats.org/presentationml/2006/main" show="0">
   <p:cSld>
     <p:spTree>
@@ -7089,20 +7349,20 @@
       <p:transition spd="slow" p14:dur="2000"/>
     </mc:Choice>
     <mc:Fallback>
-      <p:transition spd="slow"/>
+      <p:transition xmlns:p14="http://schemas.microsoft.com/office/powerpoint/2010/main" spd="slow"/>
     </mc:Fallback>
   </mc:AlternateContent>
   <p:timing>
     <p:tnLst>
       <p:par>
-        <p:cTn id="1" dur="indefinite" restart="never" nodeType="tmRoot"/>
+        <p:cTn xmlns:p14="http://schemas.microsoft.com/office/powerpoint/2010/main" id="1" dur="indefinite" restart="never" nodeType="tmRoot"/>
       </p:par>
     </p:tnLst>
   </p:timing>
 </p:sld>
 </file>
 
-<file path=ppt/slides/slide17.xml><?xml version="1.0" encoding="utf-8"?>
+<file path=ppt/slides/slide18.xml><?xml version="1.0" encoding="utf-8"?>
 <p:sld xmlns:a="http://schemas.openxmlformats.org/drawingml/2006/main" xmlns:r="http://schemas.openxmlformats.org/officeDocument/2006/relationships" xmlns:p="http://schemas.openxmlformats.org/presentationml/2006/main" show="0">
   <p:cSld>
     <p:spTree>
@@ -7336,13 +7596,13 @@
       <p:transition spd="slow" p14:dur="2000"/>
     </mc:Choice>
     <mc:Fallback>
-      <p:transition spd="slow"/>
+      <p:transition xmlns:p14="http://schemas.microsoft.com/office/powerpoint/2010/main" spd="slow"/>
     </mc:Fallback>
   </mc:AlternateContent>
   <p:timing>
     <p:tnLst>
       <p:par>
-        <p:cTn id="1" dur="indefinite" restart="never" nodeType="tmRoot"/>
+        <p:cTn xmlns:p14="http://schemas.microsoft.com/office/powerpoint/2010/main" id="1" dur="indefinite" restart="never" nodeType="tmRoot"/>
       </p:par>
     </p:tnLst>
   </p:timing>
@@ -7748,7 +8008,7 @@
   <p:timing>
     <p:tnLst>
       <p:par>
-        <p:cTn id="1" dur="indefinite" restart="never" nodeType="tmRoot"/>
+        <p:cTn xmlns:p14="http://schemas.microsoft.com/office/powerpoint/2010/main" id="1" dur="indefinite" restart="never" nodeType="tmRoot"/>
       </p:par>
     </p:tnLst>
   </p:timing>
@@ -7807,14 +8067,14 @@
           </a:ln>
           <a:extLst>
             <a:ext uri="{909E8E84-426E-40dd-AFC4-6F175D3DCCD1}">
-              <a14:hiddenFill xmlns:a14="http://schemas.microsoft.com/office/drawing/2010/main" xmlns="">
+              <a14:hiddenFill xmlns:a14="http://schemas.microsoft.com/office/drawing/2010/main">
                 <a:solidFill>
                   <a:srgbClr val="FFFFFF"/>
                 </a:solidFill>
               </a14:hiddenFill>
             </a:ext>
             <a:ext uri="{91240B29-F687-4f45-9708-019B960494DF}">
-              <a14:hiddenLine xmlns:a14="http://schemas.microsoft.com/office/drawing/2010/main" xmlns="" w="9525">
+              <a14:hiddenLine xmlns:a14="http://schemas.microsoft.com/office/drawing/2010/main" w="9525">
                 <a:solidFill>
                   <a:srgbClr val="000000"/>
                 </a:solidFill>
@@ -7963,7 +8223,7 @@
   <p:timing>
     <p:tnLst>
       <p:par>
-        <p:cTn id="1" dur="indefinite" restart="never" nodeType="tmRoot"/>
+        <p:cTn xmlns:p14="http://schemas.microsoft.com/office/powerpoint/2010/main" id="1" dur="indefinite" restart="never" nodeType="tmRoot"/>
       </p:par>
     </p:tnLst>
   </p:timing>
@@ -8049,7 +8309,7 @@
   <p:timing>
     <p:tnLst>
       <p:par>
-        <p:cTn id="1" dur="indefinite" restart="never" nodeType="tmRoot"/>
+        <p:cTn xmlns:p14="http://schemas.microsoft.com/office/powerpoint/2010/main" id="1" dur="indefinite" restart="never" nodeType="tmRoot"/>
       </p:par>
     </p:tnLst>
   </p:timing>
@@ -8125,6 +8385,13 @@
   <p:clrMapOvr>
     <a:masterClrMapping/>
   </p:clrMapOvr>
+  <p:timing>
+    <p:tnLst>
+      <p:par>
+        <p:cTn xmlns:p14="http://schemas.microsoft.com/office/powerpoint/2010/main" id="1" dur="indefinite" restart="never" nodeType="tmRoot"/>
+      </p:par>
+    </p:tnLst>
+  </p:timing>
 </p:sld>
 </file>
 
@@ -8160,11 +8427,7 @@
           <a:bodyPr/>
           <a:lstStyle/>
           <a:p>
-            <a:r>
-              <a:rPr lang="en-US" dirty="0" smtClean="0"/>
-              <a:t>Questions</a:t>
-            </a:r>
-            <a:endParaRPr lang="en-US" dirty="0"/>
+            <a:endParaRPr lang="en-US"/>
           </a:p>
         </p:txBody>
       </p:sp>
@@ -8183,49 +8446,111 @@
           <a:bodyPr/>
           <a:lstStyle/>
           <a:p>
-            <a:r>
-              <a:rPr lang="en-US" dirty="0" smtClean="0"/>
-              <a:t>Are </a:t>
-            </a:r>
-            <a:r>
-              <a:rPr lang="en-US" dirty="0"/>
-              <a:t>there ecologically distinct strains/genotypes within previously defined sequence-discrete populations?</a:t>
-            </a:r>
-          </a:p>
-          <a:p>
-            <a:r>
-              <a:rPr lang="en-US" dirty="0"/>
-              <a:t>What stage of speciation are these distinct strains/genotypes at in their separation? </a:t>
-            </a:r>
-            <a:endParaRPr lang="en-US" dirty="0" smtClean="0"/>
-          </a:p>
-          <a:p>
-            <a:r>
-              <a:rPr lang="en-US" dirty="0" smtClean="0"/>
-              <a:t>Is </a:t>
-            </a:r>
-            <a:r>
-              <a:rPr lang="en-US" dirty="0"/>
-              <a:t>there a barrier </a:t>
-            </a:r>
-            <a:r>
-              <a:rPr lang="en-US" dirty="0" smtClean="0"/>
-              <a:t>to recombination between co-exiting strains?</a:t>
-            </a:r>
-            <a:endParaRPr lang="en-US" dirty="0"/>
+            <a:endParaRPr lang="en-US"/>
+          </a:p>
+        </p:txBody>
+      </p:sp>
+      <p:pic>
+        <p:nvPicPr>
+          <p:cNvPr id="4" name="Picture 3" descr="Shapiro2014_table1.png"/>
+          <p:cNvPicPr>
+            <a:picLocks noChangeAspect="1"/>
+          </p:cNvPicPr>
+          <p:nvPr/>
+        </p:nvPicPr>
+        <p:blipFill>
+          <a:blip r:embed="rId2">
+            <a:extLst>
+              <a:ext uri="{28A0092B-C50C-407E-A947-70E740481C1C}">
+                <a14:useLocalDpi xmlns:a14="http://schemas.microsoft.com/office/drawing/2010/main" val="0"/>
+              </a:ext>
+            </a:extLst>
+          </a:blip>
+          <a:stretch>
+            <a:fillRect/>
+          </a:stretch>
+        </p:blipFill>
+        <p:spPr>
+          <a:xfrm>
+            <a:off x="274115" y="2140691"/>
+            <a:ext cx="8598055" cy="2692321"/>
+          </a:xfrm>
+          <a:prstGeom prst="rect">
+            <a:avLst/>
+          </a:prstGeom>
+        </p:spPr>
+      </p:pic>
+      <p:sp>
+        <p:nvSpPr>
+          <p:cNvPr id="5" name="TextBox 4"/>
+          <p:cNvSpPr txBox="1"/>
+          <p:nvPr/>
+        </p:nvSpPr>
+        <p:spPr>
+          <a:xfrm>
+            <a:off x="5517955" y="6417697"/>
+            <a:ext cx="3641692" cy="307777"/>
+          </a:xfrm>
+          <a:prstGeom prst="rect">
+            <a:avLst/>
+          </a:prstGeom>
+          <a:noFill/>
+        </p:spPr>
+        <p:txBody>
+          <a:bodyPr wrap="none" rtlCol="0">
+            <a:spAutoFit/>
+          </a:bodyPr>
+          <a:lstStyle/>
+          <a:p>
+            <a:r>
+              <a:rPr lang="en-US" sz="1400" dirty="0" smtClean="0"/>
+              <a:t>Shapiro </a:t>
+            </a:r>
+            <a:r>
+              <a:rPr lang="en-US" sz="1400" dirty="0" smtClean="0"/>
+              <a:t>and </a:t>
+            </a:r>
+            <a:r>
+              <a:rPr lang="en-US" sz="1400" dirty="0" err="1" smtClean="0"/>
+              <a:t>Polz</a:t>
+            </a:r>
+            <a:r>
+              <a:rPr lang="en-US" sz="1400" dirty="0" smtClean="0"/>
+              <a:t> 2014 </a:t>
+            </a:r>
+            <a:r>
+              <a:rPr lang="en-US" sz="1400" i="1" dirty="0" smtClean="0"/>
+              <a:t>Trends </a:t>
+            </a:r>
+            <a:r>
+              <a:rPr lang="en-US" sz="1400" i="1" dirty="0"/>
+              <a:t>in </a:t>
+            </a:r>
+            <a:r>
+              <a:rPr lang="en-US" sz="1400" i="1" dirty="0" smtClean="0"/>
+              <a:t>Microbiology</a:t>
+            </a:r>
+            <a:endParaRPr lang="en-US" sz="1400" i="1" dirty="0"/>
           </a:p>
         </p:txBody>
       </p:sp>
     </p:spTree>
     <p:extLst>
       <p:ext uri="{BB962C8B-B14F-4D97-AF65-F5344CB8AC3E}">
-        <p14:creationId xmlns:p14="http://schemas.microsoft.com/office/powerpoint/2010/main" val="2491628351"/>
+        <p14:creationId xmlns:p14="http://schemas.microsoft.com/office/powerpoint/2010/main" val="1661310416"/>
       </p:ext>
     </p:extLst>
   </p:cSld>
   <p:clrMapOvr>
     <a:masterClrMapping/>
   </p:clrMapOvr>
+  <p:timing>
+    <p:tnLst>
+      <p:par>
+        <p:cTn xmlns:p14="http://schemas.microsoft.com/office/powerpoint/2010/main" id="1" dur="indefinite" restart="never" nodeType="tmRoot"/>
+      </p:par>
+    </p:tnLst>
+  </p:timing>
 </p:sld>
 </file>
 
@@ -8263,7 +8588,7 @@
           <a:p>
             <a:r>
               <a:rPr lang="en-US" dirty="0" smtClean="0"/>
-              <a:t>Stats on Metagenomes</a:t>
+              <a:t>Questions</a:t>
             </a:r>
             <a:endParaRPr lang="en-US" dirty="0"/>
           </a:p>
@@ -8276,218 +8601,43 @@
             <a:spLocks noGrp="1"/>
           </p:cNvSpPr>
           <p:nvPr>
-            <p:ph sz="half" idx="1"/>
+            <p:ph idx="1"/>
           </p:nvPr>
         </p:nvSpPr>
         <p:spPr/>
         <p:txBody>
-          <a:bodyPr>
-            <a:normAutofit fontScale="92500" lnSpcReduction="10000"/>
-          </a:bodyPr>
-          <a:lstStyle/>
-          <a:p>
-            <a:r>
-              <a:rPr lang="en-US" dirty="0" smtClean="0"/>
-              <a:t>Crystal </a:t>
-            </a:r>
-            <a:r>
-              <a:rPr lang="en-US" dirty="0" smtClean="0"/>
-              <a:t>Bog </a:t>
-            </a:r>
-          </a:p>
-          <a:p>
-            <a:pPr lvl="1"/>
-            <a:r>
-              <a:rPr lang="en-US" dirty="0" smtClean="0"/>
-              <a:t>2007-2009</a:t>
-            </a:r>
-          </a:p>
-          <a:p>
-            <a:pPr lvl="1"/>
-            <a:r>
-              <a:rPr lang="en-US" dirty="0" smtClean="0"/>
-              <a:t>82 metagenomes</a:t>
-            </a:r>
-          </a:p>
-          <a:p>
-            <a:pPr lvl="1"/>
-            <a:r>
-              <a:rPr lang="en-US" dirty="0" smtClean="0"/>
-              <a:t>20 </a:t>
-            </a:r>
-            <a:r>
-              <a:rPr lang="en-US" dirty="0" err="1" smtClean="0"/>
-              <a:t>Gbp</a:t>
-            </a:r>
-            <a:r>
-              <a:rPr lang="en-US" dirty="0" smtClean="0"/>
-              <a:t> assembled</a:t>
+          <a:bodyPr/>
+          <a:lstStyle/>
+          <a:p>
+            <a:r>
+              <a:rPr lang="en-US" dirty="0" smtClean="0"/>
+              <a:t>Are </a:t>
+            </a:r>
+            <a:r>
+              <a:rPr lang="en-US" dirty="0"/>
+              <a:t>there ecologically distinct strains/genotypes within previously defined sequence-discrete populations?</a:t>
+            </a:r>
+          </a:p>
+          <a:p>
+            <a:r>
+              <a:rPr lang="en-US" dirty="0"/>
+              <a:t>What stage of speciation are these distinct strains/genotypes at in their separation? </a:t>
             </a:r>
             <a:endParaRPr lang="en-US" dirty="0" smtClean="0"/>
           </a:p>
           <a:p>
             <a:r>
               <a:rPr lang="en-US" dirty="0" smtClean="0"/>
-              <a:t>Mary </a:t>
-            </a:r>
-            <a:r>
-              <a:rPr lang="en-US" dirty="0" smtClean="0"/>
-              <a:t>Lake </a:t>
-            </a:r>
-          </a:p>
-          <a:p>
-            <a:pPr lvl="1"/>
-            <a:r>
-              <a:rPr lang="en-US" dirty="0" smtClean="0"/>
-              <a:t>2009, 12 depths</a:t>
-            </a:r>
-          </a:p>
-          <a:p>
-            <a:pPr lvl="1"/>
-            <a:r>
-              <a:rPr lang="en-US" dirty="0" smtClean="0"/>
-              <a:t>12 metagenomes</a:t>
-            </a:r>
-          </a:p>
-          <a:p>
-            <a:pPr lvl="1"/>
-            <a:r>
-              <a:rPr lang="en-US" dirty="0" smtClean="0"/>
-              <a:t>11 </a:t>
-            </a:r>
-            <a:r>
-              <a:rPr lang="en-US" dirty="0" err="1" smtClean="0"/>
-              <a:t>Mbp</a:t>
-            </a:r>
-            <a:r>
-              <a:rPr lang="en-US" dirty="0" smtClean="0"/>
-              <a:t> assembled</a:t>
-            </a:r>
-            <a:endParaRPr lang="en-US" dirty="0" smtClean="0"/>
-          </a:p>
-        </p:txBody>
-      </p:sp>
-      <p:sp>
-        <p:nvSpPr>
-          <p:cNvPr id="4" name="Content Placeholder 3"/>
-          <p:cNvSpPr>
-            <a:spLocks noGrp="1"/>
-          </p:cNvSpPr>
-          <p:nvPr>
-            <p:ph sz="half" idx="2"/>
-          </p:nvPr>
-        </p:nvSpPr>
-        <p:spPr/>
-        <p:txBody>
-          <a:bodyPr>
-            <a:normAutofit fontScale="92500" lnSpcReduction="10000"/>
-          </a:bodyPr>
-          <a:lstStyle/>
-          <a:p>
+              <a:t>Is </a:t>
+            </a:r>
             <a:r>
               <a:rPr lang="en-US" dirty="0"/>
-              <a:t>Mendota </a:t>
-            </a:r>
-          </a:p>
-          <a:p>
-            <a:pPr lvl="1"/>
-            <a:r>
-              <a:rPr lang="en-US" dirty="0"/>
-              <a:t>2008-2012</a:t>
-            </a:r>
-          </a:p>
-          <a:p>
-            <a:pPr lvl="1"/>
-            <a:r>
-              <a:rPr lang="en-US" dirty="0"/>
-              <a:t>94 </a:t>
-            </a:r>
-            <a:r>
-              <a:rPr lang="en-US" dirty="0" smtClean="0"/>
-              <a:t>metagenomes</a:t>
-            </a:r>
-          </a:p>
-          <a:p>
-            <a:pPr lvl="1"/>
-            <a:r>
-              <a:rPr lang="en-US" dirty="0" smtClean="0"/>
-              <a:t>11 </a:t>
-            </a:r>
-            <a:r>
-              <a:rPr lang="en-US" dirty="0" err="1"/>
-              <a:t>Gbp</a:t>
-            </a:r>
-            <a:r>
-              <a:rPr lang="en-US" dirty="0"/>
-              <a:t> assembled</a:t>
-            </a:r>
-          </a:p>
-          <a:p>
-            <a:r>
-              <a:rPr lang="en-US" dirty="0"/>
-              <a:t>Trout Bog </a:t>
-            </a:r>
-          </a:p>
-          <a:p>
-            <a:pPr lvl="1"/>
-            <a:r>
-              <a:rPr lang="en-US" dirty="0" err="1"/>
-              <a:t>epilimnion</a:t>
-            </a:r>
-            <a:r>
-              <a:rPr lang="en-US" dirty="0"/>
-              <a:t> </a:t>
-            </a:r>
-          </a:p>
-          <a:p>
-            <a:pPr lvl="2"/>
-            <a:r>
-              <a:rPr lang="en-US" dirty="0" smtClean="0"/>
-              <a:t>2007-2009</a:t>
-            </a:r>
-          </a:p>
-          <a:p>
-            <a:pPr lvl="2"/>
-            <a:r>
-              <a:rPr lang="en-US" dirty="0" smtClean="0"/>
-              <a:t>47 metagenomes</a:t>
-            </a:r>
-            <a:endParaRPr lang="en-US" dirty="0"/>
-          </a:p>
-          <a:p>
-            <a:pPr lvl="1"/>
-            <a:r>
-              <a:rPr lang="en-US" dirty="0" err="1"/>
-              <a:t>hypolimnion</a:t>
-            </a:r>
-            <a:r>
-              <a:rPr lang="en-US" dirty="0"/>
-              <a:t> </a:t>
-            </a:r>
-          </a:p>
-          <a:p>
-            <a:pPr lvl="2"/>
-            <a:r>
-              <a:rPr lang="en-US" dirty="0"/>
-              <a:t>2005, 2007-2009, </a:t>
-            </a:r>
-            <a:r>
-              <a:rPr lang="en-US" dirty="0" smtClean="0"/>
-              <a:t>2012-2013</a:t>
-            </a:r>
-          </a:p>
-          <a:p>
-            <a:pPr lvl="2"/>
-            <a:r>
-              <a:rPr lang="en-US" dirty="0" smtClean="0"/>
-              <a:t>82 metagenomes</a:t>
-            </a:r>
-          </a:p>
-          <a:p>
-            <a:pPr lvl="2"/>
-            <a:endParaRPr lang="en-US" dirty="0"/>
-          </a:p>
-          <a:p>
+              <a:t>there a barrier </a:t>
+            </a:r>
+            <a:r>
+              <a:rPr lang="en-US" dirty="0" smtClean="0"/>
+              <a:t>to recombination between co-exiting strains?</a:t>
+            </a:r>
             <a:endParaRPr lang="en-US" dirty="0"/>
           </a:p>
         </p:txBody>
@@ -8495,13 +8645,20 @@
     </p:spTree>
     <p:extLst>
       <p:ext uri="{BB962C8B-B14F-4D97-AF65-F5344CB8AC3E}">
-        <p14:creationId xmlns:p14="http://schemas.microsoft.com/office/powerpoint/2010/main" val="2510057821"/>
+        <p14:creationId xmlns:p14="http://schemas.microsoft.com/office/powerpoint/2010/main" val="2491628351"/>
       </p:ext>
     </p:extLst>
   </p:cSld>
   <p:clrMapOvr>
     <a:masterClrMapping/>
   </p:clrMapOvr>
+  <p:timing>
+    <p:tnLst>
+      <p:par>
+        <p:cTn xmlns:p14="http://schemas.microsoft.com/office/powerpoint/2010/main" id="1" dur="indefinite" restart="never" nodeType="tmRoot"/>
+      </p:par>
+    </p:tnLst>
+  </p:timing>
 </p:sld>
 </file>
 
